--- a/Maga4Sem/ВКР/Защита ВКР/Для сдачи ВКР/Гусев В.Е. 09-335 ВКР магистерская работа.pptx
+++ b/Maga4Sem/ВКР/Защита ВКР/Для сдачи ВКР/Гусев В.Е. 09-335 ВКР магистерская работа.pptx
@@ -670,7 +670,7 @@
           </c:val>
           <c:extLst>
             <c:ext xmlns:c16="http://schemas.microsoft.com/office/drawing/2014/chart" uri="{C3380CC4-5D6E-409C-BE32-E72D297353CC}">
-              <c16:uniqueId val="{00000000-C0D0-474B-A216-EDE868EC2D17}"/>
+              <c16:uniqueId val="{00000000-BCD9-47B3-AB9D-8DA28C2A04BB}"/>
             </c:ext>
           </c:extLst>
         </c:ser>
@@ -722,20 +722,20 @@
                 <c:formatCode>General</c:formatCode>
                 <c:ptCount val="3"/>
                 <c:pt idx="0">
-                  <c:v>196429210.5</c:v>
+                  <c:v>103210.5</c:v>
                 </c:pt>
                 <c:pt idx="1">
-                  <c:v>6158834381.6000004</c:v>
+                  <c:v>449507381.60000002</c:v>
                 </c:pt>
                 <c:pt idx="2">
-                  <c:v>1803543191.2</c:v>
+                  <c:v>228445591.19999999</c:v>
                 </c:pt>
               </c:numCache>
             </c:numRef>
           </c:val>
           <c:extLst>
             <c:ext xmlns:c16="http://schemas.microsoft.com/office/drawing/2014/chart" uri="{C3380CC4-5D6E-409C-BE32-E72D297353CC}">
-              <c16:uniqueId val="{00000001-C0D0-474B-A216-EDE868EC2D17}"/>
+              <c16:uniqueId val="{00000001-BCD9-47B3-AB9D-8DA28C2A04BB}"/>
             </c:ext>
           </c:extLst>
         </c:ser>
@@ -1064,7 +1064,7 @@
           </c:val>
           <c:extLst>
             <c:ext xmlns:c16="http://schemas.microsoft.com/office/drawing/2014/chart" uri="{C3380CC4-5D6E-409C-BE32-E72D297353CC}">
-              <c16:uniqueId val="{00000000-4E2D-4350-809F-5DA441C00F4D}"/>
+              <c16:uniqueId val="{00000000-3E77-42B5-A204-7F47CDDDE106}"/>
             </c:ext>
           </c:extLst>
         </c:ser>
@@ -1119,17 +1119,17 @@
                   <c:v>61759.9</c:v>
                 </c:pt>
                 <c:pt idx="1">
-                  <c:v>603219.9</c:v>
+                  <c:v>503219.9</c:v>
                 </c:pt>
                 <c:pt idx="2">
-                  <c:v>7543219.9000000004</c:v>
+                  <c:v>4543219.9000000004</c:v>
                 </c:pt>
               </c:numCache>
             </c:numRef>
           </c:val>
           <c:extLst>
             <c:ext xmlns:c16="http://schemas.microsoft.com/office/drawing/2014/chart" uri="{C3380CC4-5D6E-409C-BE32-E72D297353CC}">
-              <c16:uniqueId val="{00000001-4E2D-4350-809F-5DA441C00F4D}"/>
+              <c16:uniqueId val="{00000001-3E77-42B5-A204-7F47CDDDE106}"/>
             </c:ext>
           </c:extLst>
         </c:ser>
@@ -1461,7 +1461,7 @@
           </c:val>
           <c:extLst>
             <c:ext xmlns:c16="http://schemas.microsoft.com/office/drawing/2014/chart" uri="{C3380CC4-5D6E-409C-BE32-E72D297353CC}">
-              <c16:uniqueId val="{00000000-119B-4589-BB15-03132DC31F76}"/>
+              <c16:uniqueId val="{00000000-DDCE-43AD-A513-1A43BEF970AA}"/>
             </c:ext>
           </c:extLst>
         </c:ser>
@@ -1516,17 +1516,17 @@
                   <c:v>352829</c:v>
                 </c:pt>
                 <c:pt idx="1">
-                  <c:v>4672829</c:v>
+                  <c:v>3672829</c:v>
                 </c:pt>
                 <c:pt idx="2">
-                  <c:v>68479829</c:v>
+                  <c:v>38479829</c:v>
                 </c:pt>
               </c:numCache>
             </c:numRef>
           </c:val>
           <c:extLst>
             <c:ext xmlns:c16="http://schemas.microsoft.com/office/drawing/2014/chart" uri="{C3380CC4-5D6E-409C-BE32-E72D297353CC}">
-              <c16:uniqueId val="{00000001-119B-4589-BB15-03132DC31F76}"/>
+              <c16:uniqueId val="{00000001-DDCE-43AD-A513-1A43BEF970AA}"/>
             </c:ext>
           </c:extLst>
         </c:ser>
@@ -3843,7 +3843,7 @@
           </c:val>
           <c:extLst>
             <c:ext xmlns:c16="http://schemas.microsoft.com/office/drawing/2014/chart" uri="{C3380CC4-5D6E-409C-BE32-E72D297353CC}">
-              <c16:uniqueId val="{00000000-0474-4D83-A04F-DD9A36C8BD10}"/>
+              <c16:uniqueId val="{00000000-16FD-4B3C-A3CF-31D16F0F4B2C}"/>
             </c:ext>
           </c:extLst>
         </c:ser>
@@ -3895,20 +3895,20 @@
                 <c:formatCode>General</c:formatCode>
                 <c:ptCount val="3"/>
                 <c:pt idx="0">
-                  <c:v>1186298.3999999999</c:v>
+                  <c:v>808.4</c:v>
                 </c:pt>
                 <c:pt idx="1">
-                  <c:v>114644.3</c:v>
+                  <c:v>4424</c:v>
                 </c:pt>
                 <c:pt idx="2">
-                  <c:v>168803.1</c:v>
+                  <c:v>18803.099999999999</c:v>
                 </c:pt>
               </c:numCache>
             </c:numRef>
           </c:val>
           <c:extLst>
             <c:ext xmlns:c16="http://schemas.microsoft.com/office/drawing/2014/chart" uri="{C3380CC4-5D6E-409C-BE32-E72D297353CC}">
-              <c16:uniqueId val="{00000001-0474-4D83-A04F-DD9A36C8BD10}"/>
+              <c16:uniqueId val="{00000001-16FD-4B3C-A3CF-31D16F0F4B2C}"/>
             </c:ext>
           </c:extLst>
         </c:ser>
@@ -4240,7 +4240,7 @@
           </c:val>
           <c:extLst>
             <c:ext xmlns:c16="http://schemas.microsoft.com/office/drawing/2014/chart" uri="{C3380CC4-5D6E-409C-BE32-E72D297353CC}">
-              <c16:uniqueId val="{00000000-B52A-47F2-A120-DAC6A06B2018}"/>
+              <c16:uniqueId val="{00000000-0EDE-40CC-A195-36441355AA8A}"/>
             </c:ext>
           </c:extLst>
         </c:ser>
@@ -4292,20 +4292,20 @@
                 <c:formatCode>General</c:formatCode>
                 <c:ptCount val="3"/>
                 <c:pt idx="0">
-                  <c:v>238429210.5</c:v>
+                  <c:v>1185210.5</c:v>
                 </c:pt>
                 <c:pt idx="1">
-                  <c:v>2389343819.6999998</c:v>
+                  <c:v>178085915.19999999</c:v>
                 </c:pt>
                 <c:pt idx="2">
-                  <c:v>1275431915.2</c:v>
+                  <c:v>121695915.2</c:v>
                 </c:pt>
               </c:numCache>
             </c:numRef>
           </c:val>
           <c:extLst>
             <c:ext xmlns:c16="http://schemas.microsoft.com/office/drawing/2014/chart" uri="{C3380CC4-5D6E-409C-BE32-E72D297353CC}">
-              <c16:uniqueId val="{00000001-B52A-47F2-A120-DAC6A06B2018}"/>
+              <c16:uniqueId val="{00000001-0EDE-40CC-A195-36441355AA8A}"/>
             </c:ext>
           </c:extLst>
         </c:ser>
@@ -4643,7 +4643,7 @@
           </c:val>
           <c:extLst>
             <c:ext xmlns:c16="http://schemas.microsoft.com/office/drawing/2014/chart" uri="{C3380CC4-5D6E-409C-BE32-E72D297353CC}">
-              <c16:uniqueId val="{00000000-6990-46AC-B1D1-9901283BCE22}"/>
+              <c16:uniqueId val="{00000000-B33F-44EE-889D-9BE49C867139}"/>
             </c:ext>
           </c:extLst>
         </c:ser>
@@ -4695,20 +4695,20 @@
                 <c:formatCode>General</c:formatCode>
                 <c:ptCount val="3"/>
                 <c:pt idx="0">
-                  <c:v>922798.4</c:v>
+                  <c:v>896.4</c:v>
                 </c:pt>
                 <c:pt idx="1">
-                  <c:v>425763.9</c:v>
+                  <c:v>32793.9</c:v>
                 </c:pt>
                 <c:pt idx="2">
-                  <c:v>388879.8</c:v>
+                  <c:v>34209.800000000003</c:v>
                 </c:pt>
               </c:numCache>
             </c:numRef>
           </c:val>
           <c:extLst>
             <c:ext xmlns:c16="http://schemas.microsoft.com/office/drawing/2014/chart" uri="{C3380CC4-5D6E-409C-BE32-E72D297353CC}">
-              <c16:uniqueId val="{00000001-6990-46AC-B1D1-9901283BCE22}"/>
+              <c16:uniqueId val="{00000001-B33F-44EE-889D-9BE49C867139}"/>
             </c:ext>
           </c:extLst>
         </c:ser>
@@ -11640,7 +11640,7 @@
           <a:p>
             <a:fld id="{B8D4D28D-903D-401E-A76F-F65C78C2B95E}" type="datetimeFigureOut">
               <a:rPr lang="ru-RU" smtClean="0"/>
-              <a:t>15.05.2025</a:t>
+              <a:t>19.06.2025</a:t>
             </a:fld>
             <a:endParaRPr lang="ru-RU"/>
           </a:p>
@@ -11848,7 +11848,7 @@
           <a:p>
             <a:fld id="{B8D4D28D-903D-401E-A76F-F65C78C2B95E}" type="datetimeFigureOut">
               <a:rPr lang="ru-RU" smtClean="0"/>
-              <a:t>15.05.2025</a:t>
+              <a:t>19.06.2025</a:t>
             </a:fld>
             <a:endParaRPr lang="ru-RU"/>
           </a:p>
@@ -12104,7 +12104,7 @@
           <a:p>
             <a:fld id="{B8D4D28D-903D-401E-A76F-F65C78C2B95E}" type="datetimeFigureOut">
               <a:rPr lang="ru-RU" smtClean="0"/>
-              <a:t>15.05.2025</a:t>
+              <a:t>19.06.2025</a:t>
             </a:fld>
             <a:endParaRPr lang="ru-RU"/>
           </a:p>
@@ -12278,7 +12278,7 @@
           <a:p>
             <a:fld id="{B8D4D28D-903D-401E-A76F-F65C78C2B95E}" type="datetimeFigureOut">
               <a:rPr lang="ru-RU" smtClean="0"/>
-              <a:t>15.05.2025</a:t>
+              <a:t>19.06.2025</a:t>
             </a:fld>
             <a:endParaRPr lang="ru-RU"/>
           </a:p>
@@ -12621,7 +12621,7 @@
           <a:p>
             <a:fld id="{B8D4D28D-903D-401E-A76F-F65C78C2B95E}" type="datetimeFigureOut">
               <a:rPr lang="ru-RU" smtClean="0"/>
-              <a:t>15.05.2025</a:t>
+              <a:t>19.06.2025</a:t>
             </a:fld>
             <a:endParaRPr lang="ru-RU"/>
           </a:p>
@@ -12896,7 +12896,7 @@
           <a:p>
             <a:fld id="{B8D4D28D-903D-401E-A76F-F65C78C2B95E}" type="datetimeFigureOut">
               <a:rPr lang="ru-RU" smtClean="0"/>
-              <a:t>15.05.2025</a:t>
+              <a:t>19.06.2025</a:t>
             </a:fld>
             <a:endParaRPr lang="ru-RU"/>
           </a:p>
@@ -13275,7 +13275,7 @@
           <a:p>
             <a:fld id="{B8D4D28D-903D-401E-A76F-F65C78C2B95E}" type="datetimeFigureOut">
               <a:rPr lang="ru-RU" smtClean="0"/>
-              <a:t>15.05.2025</a:t>
+              <a:t>19.06.2025</a:t>
             </a:fld>
             <a:endParaRPr lang="ru-RU"/>
           </a:p>
@@ -13393,7 +13393,7 @@
           <a:p>
             <a:fld id="{B8D4D28D-903D-401E-A76F-F65C78C2B95E}" type="datetimeFigureOut">
               <a:rPr lang="ru-RU" smtClean="0"/>
-              <a:t>15.05.2025</a:t>
+              <a:t>19.06.2025</a:t>
             </a:fld>
             <a:endParaRPr lang="ru-RU"/>
           </a:p>
@@ -13564,7 +13564,7 @@
           <a:p>
             <a:fld id="{B8D4D28D-903D-401E-A76F-F65C78C2B95E}" type="datetimeFigureOut">
               <a:rPr lang="ru-RU" smtClean="0"/>
-              <a:t>15.05.2025</a:t>
+              <a:t>19.06.2025</a:t>
             </a:fld>
             <a:endParaRPr lang="ru-RU"/>
           </a:p>
@@ -13918,7 +13918,7 @@
           <a:p>
             <a:fld id="{B8D4D28D-903D-401E-A76F-F65C78C2B95E}" type="datetimeFigureOut">
               <a:rPr lang="ru-RU" smtClean="0"/>
-              <a:t>15.05.2025</a:t>
+              <a:t>19.06.2025</a:t>
             </a:fld>
             <a:endParaRPr lang="ru-RU"/>
           </a:p>
@@ -14300,7 +14300,7 @@
           <a:p>
             <a:fld id="{B8D4D28D-903D-401E-A76F-F65C78C2B95E}" type="datetimeFigureOut">
               <a:rPr lang="ru-RU" smtClean="0"/>
-              <a:t>15.05.2025</a:t>
+              <a:t>19.06.2025</a:t>
             </a:fld>
             <a:endParaRPr lang="ru-RU"/>
           </a:p>
@@ -14587,7 +14587,7 @@
           <a:p>
             <a:fld id="{B8D4D28D-903D-401E-A76F-F65C78C2B95E}" type="datetimeFigureOut">
               <a:rPr lang="ru-RU" smtClean="0"/>
-              <a:t>15.05.2025</a:t>
+              <a:t>19.06.2025</a:t>
             </a:fld>
             <a:endParaRPr lang="ru-RU"/>
           </a:p>
@@ -15135,7 +15135,7 @@
           <a:lstStyle/>
           <a:p>
             <a:r>
-              <a:rPr lang="ru-RU" dirty="0">
+              <a:rPr lang="ru-RU" sz="5400" dirty="0">
                 <a:cs typeface="Times New Roman" panose="02020603050405020304" pitchFamily="18" charset="0"/>
               </a:rPr>
               <a:t>Исследование методов дискретного логарифмирования</a:t>
@@ -15313,232 +15313,9 @@
           </a:p>
         </p:txBody>
       </p:sp>
-      <mc:AlternateContent xmlns:mc="http://schemas.openxmlformats.org/markup-compatibility/2006" xmlns:a14="http://schemas.microsoft.com/office/drawing/2010/main">
-        <mc:Choice Requires="a14">
-          <p:sp>
-            <p:nvSpPr>
-              <p:cNvPr id="6" name="Объект 5">
-                <a:extLst>
-                  <a:ext uri="{FF2B5EF4-FFF2-40B4-BE49-F238E27FC236}">
-                    <a16:creationId xmlns:a16="http://schemas.microsoft.com/office/drawing/2014/main" id="{355B270B-D04F-48DA-A6B6-79C7B2566643}"/>
-                  </a:ext>
-                </a:extLst>
-              </p:cNvPr>
-              <p:cNvSpPr>
-                <a:spLocks noGrp="1"/>
-              </p:cNvSpPr>
-              <p:nvPr>
-                <p:ph idx="1"/>
-              </p:nvPr>
-            </p:nvSpPr>
-            <p:spPr>
-              <a:xfrm>
-                <a:off x="1097280" y="1845734"/>
-                <a:ext cx="10058400" cy="1583265"/>
-              </a:xfrm>
-            </p:spPr>
-            <p:txBody>
-              <a:bodyPr/>
-              <a:lstStyle/>
-              <a:p>
-                <a:r>
-                  <a:rPr lang="ru-RU" dirty="0"/>
-                  <a:t>Была реализована модификация алгоритма, состоящая в том, что на 1 шаге алгоритма был изменён показатель степени при вычислении числа</a:t>
-                </a:r>
-                <a:r>
-                  <a:rPr lang="en-US" dirty="0"/>
-                  <a:t> </a:t>
-                </a:r>
-                <a14:m>
-                  <m:oMath xmlns:m="http://schemas.openxmlformats.org/officeDocument/2006/math">
-                    <m:r>
-                      <a:rPr lang="en-US" b="0" i="1" smtClean="0">
-                        <a:latin typeface="Cambria Math" panose="02040503050406030204" pitchFamily="18" charset="0"/>
-                      </a:rPr>
-                      <m:t>𝑞</m:t>
-                    </m:r>
-                    <m:r>
-                      <a:rPr lang="en-US" b="0" i="1" smtClean="0">
-                        <a:latin typeface="Cambria Math" panose="02040503050406030204" pitchFamily="18" charset="0"/>
-                        <a:ea typeface="Cambria Math" panose="02040503050406030204" pitchFamily="18" charset="0"/>
-                      </a:rPr>
-                      <m:t>≤</m:t>
-                    </m:r>
-                    <m:r>
-                      <a:rPr lang="en-US" b="0" i="1" smtClean="0">
-                        <a:latin typeface="Cambria Math" panose="02040503050406030204" pitchFamily="18" charset="0"/>
-                        <a:ea typeface="Cambria Math" panose="02040503050406030204" pitchFamily="18" charset="0"/>
-                      </a:rPr>
-                      <m:t>𝐵</m:t>
-                    </m:r>
-                    <m:r>
-                      <a:rPr lang="en-US" b="0" i="1" smtClean="0">
-                        <a:latin typeface="Cambria Math" panose="02040503050406030204" pitchFamily="18" charset="0"/>
-                        <a:ea typeface="Cambria Math" panose="02040503050406030204" pitchFamily="18" charset="0"/>
-                      </a:rPr>
-                      <m:t>=</m:t>
-                    </m:r>
-                    <m:sSup>
-                      <m:sSupPr>
-                        <m:ctrlPr>
-                          <a:rPr lang="en-US" b="0" i="1" smtClean="0">
-                            <a:latin typeface="Cambria Math" panose="02040503050406030204" pitchFamily="18" charset="0"/>
-                            <a:ea typeface="Cambria Math" panose="02040503050406030204" pitchFamily="18" charset="0"/>
-                          </a:rPr>
-                        </m:ctrlPr>
-                      </m:sSupPr>
-                      <m:e>
-                        <m:r>
-                          <a:rPr lang="en-US" b="0" i="1" smtClean="0">
-                            <a:latin typeface="Cambria Math" panose="02040503050406030204" pitchFamily="18" charset="0"/>
-                            <a:ea typeface="Cambria Math" panose="02040503050406030204" pitchFamily="18" charset="0"/>
-                          </a:rPr>
-                          <m:t>𝑒</m:t>
-                        </m:r>
-                      </m:e>
-                      <m:sup>
-                        <m:r>
-                          <a:rPr lang="en-US" b="0" i="1" smtClean="0">
-                            <a:latin typeface="Cambria Math" panose="02040503050406030204" pitchFamily="18" charset="0"/>
-                            <a:ea typeface="Cambria Math" panose="02040503050406030204" pitchFamily="18" charset="0"/>
-                          </a:rPr>
-                          <m:t>𝑐𝑜𝑛𝑠𝑡</m:t>
-                        </m:r>
-                        <m:rad>
-                          <m:radPr>
-                            <m:degHide m:val="on"/>
-                            <m:ctrlPr>
-                              <a:rPr lang="en-US" b="0" i="1" smtClean="0">
-                                <a:latin typeface="Cambria Math" panose="02040503050406030204" pitchFamily="18" charset="0"/>
-                                <a:ea typeface="Cambria Math" panose="02040503050406030204" pitchFamily="18" charset="0"/>
-                              </a:rPr>
-                            </m:ctrlPr>
-                          </m:radPr>
-                          <m:deg/>
-                          <m:e>
-                            <m:func>
-                              <m:funcPr>
-                                <m:ctrlPr>
-                                  <a:rPr lang="en-US" b="0" i="1" smtClean="0">
-                                    <a:latin typeface="Cambria Math" panose="02040503050406030204" pitchFamily="18" charset="0"/>
-                                    <a:ea typeface="Cambria Math" panose="02040503050406030204" pitchFamily="18" charset="0"/>
-                                  </a:rPr>
-                                </m:ctrlPr>
-                              </m:funcPr>
-                              <m:fName>
-                                <m:r>
-                                  <m:rPr>
-                                    <m:sty m:val="p"/>
-                                  </m:rPr>
-                                  <a:rPr lang="en-US" b="0" i="0" smtClean="0">
-                                    <a:latin typeface="Cambria Math" panose="02040503050406030204" pitchFamily="18" charset="0"/>
-                                    <a:ea typeface="Cambria Math" panose="02040503050406030204" pitchFamily="18" charset="0"/>
-                                  </a:rPr>
-                                  <m:t>log</m:t>
-                                </m:r>
-                              </m:fName>
-                              <m:e>
-                                <m:r>
-                                  <a:rPr lang="en-US" b="0" i="1" smtClean="0">
-                                    <a:latin typeface="Cambria Math" panose="02040503050406030204" pitchFamily="18" charset="0"/>
-                                    <a:ea typeface="Cambria Math" panose="02040503050406030204" pitchFamily="18" charset="0"/>
-                                  </a:rPr>
-                                  <m:t>𝑝</m:t>
-                                </m:r>
-                              </m:e>
-                            </m:func>
-                            <m:func>
-                              <m:funcPr>
-                                <m:ctrlPr>
-                                  <a:rPr lang="en-US" b="0" i="1" smtClean="0">
-                                    <a:latin typeface="Cambria Math" panose="02040503050406030204" pitchFamily="18" charset="0"/>
-                                    <a:ea typeface="Cambria Math" panose="02040503050406030204" pitchFamily="18" charset="0"/>
-                                  </a:rPr>
-                                </m:ctrlPr>
-                              </m:funcPr>
-                              <m:fName>
-                                <m:r>
-                                  <m:rPr>
-                                    <m:sty m:val="p"/>
-                                  </m:rPr>
-                                  <a:rPr lang="en-US" b="0" i="0" smtClean="0">
-                                    <a:latin typeface="Cambria Math" panose="02040503050406030204" pitchFamily="18" charset="0"/>
-                                    <a:ea typeface="Cambria Math" panose="02040503050406030204" pitchFamily="18" charset="0"/>
-                                  </a:rPr>
-                                  <m:t>log</m:t>
-                                </m:r>
-                              </m:fName>
-                              <m:e>
-                                <m:r>
-                                  <a:rPr lang="en-US" b="0" i="1" smtClean="0">
-                                    <a:latin typeface="Cambria Math" panose="02040503050406030204" pitchFamily="18" charset="0"/>
-                                    <a:ea typeface="Cambria Math" panose="02040503050406030204" pitchFamily="18" charset="0"/>
-                                  </a:rPr>
-                                  <m:t>𝑝</m:t>
-                                </m:r>
-                              </m:e>
-                            </m:func>
-                          </m:e>
-                        </m:rad>
-                      </m:sup>
-                    </m:sSup>
-                  </m:oMath>
-                </a14:m>
-                <a:r>
-                  <a:rPr lang="ru-RU" dirty="0"/>
-                  <a:t>, тем самым повысив факторную базу.</a:t>
-                </a:r>
-              </a:p>
-            </p:txBody>
-          </p:sp>
-        </mc:Choice>
-        <mc:Fallback xmlns="">
-          <p:sp>
-            <p:nvSpPr>
-              <p:cNvPr id="6" name="Объект 5">
-                <a:extLst>
-                  <a:ext uri="{FF2B5EF4-FFF2-40B4-BE49-F238E27FC236}">
-                    <a16:creationId xmlns:a16="http://schemas.microsoft.com/office/drawing/2014/main" id="{355B270B-D04F-48DA-A6B6-79C7B2566643}"/>
-                  </a:ext>
-                </a:extLst>
-              </p:cNvPr>
-              <p:cNvSpPr>
-                <a:spLocks noGrp="1" noRot="1" noChangeAspect="1" noMove="1" noResize="1" noEditPoints="1" noAdjustHandles="1" noChangeArrowheads="1" noChangeShapeType="1" noTextEdit="1"/>
-              </p:cNvSpPr>
-              <p:nvPr>
-                <p:ph idx="1"/>
-              </p:nvPr>
-            </p:nvSpPr>
-            <p:spPr>
-              <a:xfrm>
-                <a:off x="1097280" y="1845734"/>
-                <a:ext cx="10058400" cy="1583265"/>
-              </a:xfrm>
-              <a:blipFill>
-                <a:blip r:embed="rId2"/>
-                <a:stretch>
-                  <a:fillRect l="-606" t="-4247" r="-1152"/>
-                </a:stretch>
-              </a:blipFill>
-            </p:spPr>
-            <p:txBody>
-              <a:bodyPr/>
-              <a:lstStyle/>
-              <a:p>
-                <a:r>
-                  <a:rPr lang="ru-RU">
-                    <a:noFill/>
-                  </a:rPr>
-                  <a:t> </a:t>
-                </a:r>
-              </a:p>
-            </p:txBody>
-          </p:sp>
-        </mc:Fallback>
-      </mc:AlternateContent>
       <p:graphicFrame>
         <p:nvGraphicFramePr>
-          <p:cNvPr id="4" name="Диаграмма 3">
+          <p:cNvPr id="8" name="Диаграмма 7">
             <a:extLst>
               <a:ext uri="{FF2B5EF4-FFF2-40B4-BE49-F238E27FC236}">
                 <a16:creationId xmlns:a16="http://schemas.microsoft.com/office/drawing/2014/main" id="{3342DD26-FB2A-4DFC-BC8D-ECFF95E905C1}"/>
@@ -15549,24 +15326,24 @@
           <p:nvPr>
             <p:extLst>
               <p:ext uri="{D42A27DB-BD31-4B8C-83A1-F6EECF244321}">
-                <p14:modId xmlns:p14="http://schemas.microsoft.com/office/powerpoint/2010/main" val="2727305148"/>
+                <p14:modId xmlns:p14="http://schemas.microsoft.com/office/powerpoint/2010/main" val="1066785599"/>
               </p:ext>
             </p:extLst>
           </p:nvPr>
         </p:nvGraphicFramePr>
         <p:xfrm>
-          <a:off x="118541" y="3429001"/>
-          <a:ext cx="5792470" cy="2789785"/>
+          <a:off x="-1" y="1967866"/>
+          <a:ext cx="6095999" cy="3810364"/>
         </p:xfrm>
         <a:graphic>
           <a:graphicData uri="http://schemas.openxmlformats.org/drawingml/2006/chart">
-            <c:chart xmlns:c="http://schemas.openxmlformats.org/drawingml/2006/chart" xmlns:r="http://schemas.openxmlformats.org/officeDocument/2006/relationships" r:id="rId3"/>
+            <c:chart xmlns:c="http://schemas.openxmlformats.org/drawingml/2006/chart" xmlns:r="http://schemas.openxmlformats.org/officeDocument/2006/relationships" r:id="rId2"/>
           </a:graphicData>
         </a:graphic>
       </p:graphicFrame>
       <p:graphicFrame>
         <p:nvGraphicFramePr>
-          <p:cNvPr id="5" name="Диаграмма 4">
+          <p:cNvPr id="9" name="Диаграмма 8">
             <a:extLst>
               <a:ext uri="{FF2B5EF4-FFF2-40B4-BE49-F238E27FC236}">
                 <a16:creationId xmlns:a16="http://schemas.microsoft.com/office/drawing/2014/main" id="{D8800D42-2BBE-498E-81DD-7780E63931D6}"/>
@@ -15577,18 +15354,18 @@
           <p:nvPr>
             <p:extLst>
               <p:ext uri="{D42A27DB-BD31-4B8C-83A1-F6EECF244321}">
-                <p14:modId xmlns:p14="http://schemas.microsoft.com/office/powerpoint/2010/main" val="3439096198"/>
+                <p14:modId xmlns:p14="http://schemas.microsoft.com/office/powerpoint/2010/main" val="3995543732"/>
               </p:ext>
             </p:extLst>
           </p:nvPr>
         </p:nvGraphicFramePr>
         <p:xfrm>
-          <a:off x="6280991" y="3429000"/>
-          <a:ext cx="5671185" cy="2789785"/>
+          <a:off x="6096001" y="1967866"/>
+          <a:ext cx="6096000" cy="3810364"/>
         </p:xfrm>
         <a:graphic>
           <a:graphicData uri="http://schemas.openxmlformats.org/drawingml/2006/chart">
-            <c:chart xmlns:c="http://schemas.openxmlformats.org/drawingml/2006/chart" xmlns:r="http://schemas.openxmlformats.org/officeDocument/2006/relationships" r:id="rId4"/>
+            <c:chart xmlns:c="http://schemas.openxmlformats.org/drawingml/2006/chart" xmlns:r="http://schemas.openxmlformats.org/officeDocument/2006/relationships" r:id="rId3"/>
           </a:graphicData>
         </a:graphic>
       </p:graphicFrame>
@@ -15662,145 +15439,9 @@
           </a:p>
         </p:txBody>
       </p:sp>
-      <mc:AlternateContent xmlns:mc="http://schemas.openxmlformats.org/markup-compatibility/2006" xmlns:a14="http://schemas.microsoft.com/office/drawing/2010/main">
-        <mc:Choice Requires="a14">
-          <p:sp>
-            <p:nvSpPr>
-              <p:cNvPr id="6" name="Объект 5">
-                <a:extLst>
-                  <a:ext uri="{FF2B5EF4-FFF2-40B4-BE49-F238E27FC236}">
-                    <a16:creationId xmlns:a16="http://schemas.microsoft.com/office/drawing/2014/main" id="{D1ABB40F-BF24-454C-943E-DE8D6ECB0448}"/>
-                  </a:ext>
-                </a:extLst>
-              </p:cNvPr>
-              <p:cNvSpPr>
-                <a:spLocks noGrp="1"/>
-              </p:cNvSpPr>
-              <p:nvPr>
-                <p:ph idx="1"/>
-              </p:nvPr>
-            </p:nvSpPr>
-            <p:spPr>
-              <a:xfrm>
-                <a:off x="1097280" y="1845734"/>
-                <a:ext cx="10058400" cy="1583265"/>
-              </a:xfrm>
-            </p:spPr>
-            <p:txBody>
-              <a:bodyPr/>
-              <a:lstStyle/>
-              <a:p>
-                <a:r>
-                  <a:rPr lang="ru-RU" dirty="0"/>
-                  <a:t>Была реализована модификация алгоритма, состоящая в том, что на 2 шаге был увеличен наименьший вычет, добавив значение </a:t>
-                </a:r>
-                <a14:m>
-                  <m:oMath xmlns:m="http://schemas.openxmlformats.org/officeDocument/2006/math">
-                    <m:d>
-                      <m:dPr>
-                        <m:ctrlPr>
-                          <a:rPr lang="ru-RU" i="1" smtClean="0">
-                            <a:latin typeface="Cambria Math" panose="02040503050406030204" pitchFamily="18" charset="0"/>
-                          </a:rPr>
-                        </m:ctrlPr>
-                      </m:dPr>
-                      <m:e>
-                        <m:r>
-                          <a:rPr lang="en-US" b="0" i="1" smtClean="0">
-                            <a:latin typeface="Cambria Math" panose="02040503050406030204" pitchFamily="18" charset="0"/>
-                          </a:rPr>
-                          <m:t>𝐻</m:t>
-                        </m:r>
-                        <m:r>
-                          <a:rPr lang="en-US" b="0" i="1" smtClean="0">
-                            <a:latin typeface="Cambria Math" panose="02040503050406030204" pitchFamily="18" charset="0"/>
-                          </a:rPr>
-                          <m:t>+</m:t>
-                        </m:r>
-                        <m:sSub>
-                          <m:sSubPr>
-                            <m:ctrlPr>
-                              <a:rPr lang="en-US" b="0" i="1" smtClean="0">
-                                <a:latin typeface="Cambria Math" panose="02040503050406030204" pitchFamily="18" charset="0"/>
-                              </a:rPr>
-                            </m:ctrlPr>
-                          </m:sSubPr>
-                          <m:e>
-                            <m:r>
-                              <a:rPr lang="en-US" b="0" i="1" smtClean="0">
-                                <a:latin typeface="Cambria Math" panose="02040503050406030204" pitchFamily="18" charset="0"/>
-                              </a:rPr>
-                              <m:t>𝑐</m:t>
-                            </m:r>
-                          </m:e>
-                          <m:sub>
-                            <m:r>
-                              <a:rPr lang="en-US" b="0" i="1" smtClean="0">
-                                <a:latin typeface="Cambria Math" panose="02040503050406030204" pitchFamily="18" charset="0"/>
-                              </a:rPr>
-                              <m:t>3</m:t>
-                            </m:r>
-                          </m:sub>
-                        </m:sSub>
-                      </m:e>
-                    </m:d>
-                  </m:oMath>
-                </a14:m>
-                <a:r>
-                  <a:rPr lang="ru-RU" dirty="0"/>
-                  <a:t>, чтобы увеличить разложение чисел при формировании СЛАУ. </a:t>
-                </a:r>
-              </a:p>
-            </p:txBody>
-          </p:sp>
-        </mc:Choice>
-        <mc:Fallback xmlns="">
-          <p:sp>
-            <p:nvSpPr>
-              <p:cNvPr id="6" name="Объект 5">
-                <a:extLst>
-                  <a:ext uri="{FF2B5EF4-FFF2-40B4-BE49-F238E27FC236}">
-                    <a16:creationId xmlns:a16="http://schemas.microsoft.com/office/drawing/2014/main" id="{D1ABB40F-BF24-454C-943E-DE8D6ECB0448}"/>
-                  </a:ext>
-                </a:extLst>
-              </p:cNvPr>
-              <p:cNvSpPr>
-                <a:spLocks noGrp="1" noRot="1" noChangeAspect="1" noMove="1" noResize="1" noEditPoints="1" noAdjustHandles="1" noChangeArrowheads="1" noChangeShapeType="1" noTextEdit="1"/>
-              </p:cNvSpPr>
-              <p:nvPr>
-                <p:ph idx="1"/>
-              </p:nvPr>
-            </p:nvSpPr>
-            <p:spPr>
-              <a:xfrm>
-                <a:off x="1097280" y="1845734"/>
-                <a:ext cx="10058400" cy="1583265"/>
-              </a:xfrm>
-              <a:blipFill>
-                <a:blip r:embed="rId2"/>
-                <a:stretch>
-                  <a:fillRect l="-606" t="-4247"/>
-                </a:stretch>
-              </a:blipFill>
-            </p:spPr>
-            <p:txBody>
-              <a:bodyPr/>
-              <a:lstStyle/>
-              <a:p>
-                <a:r>
-                  <a:rPr lang="ru-RU">
-                    <a:noFill/>
-                  </a:rPr>
-                  <a:t> </a:t>
-                </a:r>
-              </a:p>
-            </p:txBody>
-          </p:sp>
-        </mc:Fallback>
-      </mc:AlternateContent>
       <p:graphicFrame>
         <p:nvGraphicFramePr>
-          <p:cNvPr id="4" name="Диаграмма 3">
+          <p:cNvPr id="8" name="Диаграмма 7">
             <a:extLst>
               <a:ext uri="{FF2B5EF4-FFF2-40B4-BE49-F238E27FC236}">
                 <a16:creationId xmlns:a16="http://schemas.microsoft.com/office/drawing/2014/main" id="{89F42D0B-5647-4689-9B6B-B7CF0D252E52}"/>
@@ -15811,24 +15452,24 @@
           <p:nvPr>
             <p:extLst>
               <p:ext uri="{D42A27DB-BD31-4B8C-83A1-F6EECF244321}">
-                <p14:modId xmlns:p14="http://schemas.microsoft.com/office/powerpoint/2010/main" val="4018423351"/>
+                <p14:modId xmlns:p14="http://schemas.microsoft.com/office/powerpoint/2010/main" val="3762668651"/>
               </p:ext>
             </p:extLst>
           </p:nvPr>
         </p:nvGraphicFramePr>
         <p:xfrm>
-          <a:off x="165100" y="3428999"/>
-          <a:ext cx="5930900" cy="2763785"/>
+          <a:off x="0" y="1995602"/>
+          <a:ext cx="6096000" cy="3802082"/>
         </p:xfrm>
         <a:graphic>
           <a:graphicData uri="http://schemas.openxmlformats.org/drawingml/2006/chart">
-            <c:chart xmlns:c="http://schemas.openxmlformats.org/drawingml/2006/chart" xmlns:r="http://schemas.openxmlformats.org/officeDocument/2006/relationships" r:id="rId3"/>
+            <c:chart xmlns:c="http://schemas.openxmlformats.org/drawingml/2006/chart" xmlns:r="http://schemas.openxmlformats.org/officeDocument/2006/relationships" r:id="rId2"/>
           </a:graphicData>
         </a:graphic>
       </p:graphicFrame>
       <p:graphicFrame>
         <p:nvGraphicFramePr>
-          <p:cNvPr id="5" name="Диаграмма 4">
+          <p:cNvPr id="9" name="Диаграмма 8">
             <a:extLst>
               <a:ext uri="{FF2B5EF4-FFF2-40B4-BE49-F238E27FC236}">
                 <a16:creationId xmlns:a16="http://schemas.microsoft.com/office/drawing/2014/main" id="{5EF9F23B-D275-4E48-8E59-FAA920F077F1}"/>
@@ -15839,18 +15480,18 @@
           <p:nvPr>
             <p:extLst>
               <p:ext uri="{D42A27DB-BD31-4B8C-83A1-F6EECF244321}">
-                <p14:modId xmlns:p14="http://schemas.microsoft.com/office/powerpoint/2010/main" val="2525540739"/>
+                <p14:modId xmlns:p14="http://schemas.microsoft.com/office/powerpoint/2010/main" val="2919568606"/>
               </p:ext>
             </p:extLst>
           </p:nvPr>
         </p:nvGraphicFramePr>
         <p:xfrm>
-          <a:off x="6241735" y="3428999"/>
-          <a:ext cx="5688965" cy="2763785"/>
+          <a:off x="6096001" y="1995601"/>
+          <a:ext cx="6096000" cy="3802083"/>
         </p:xfrm>
         <a:graphic>
           <a:graphicData uri="http://schemas.openxmlformats.org/drawingml/2006/chart">
-            <c:chart xmlns:c="http://schemas.openxmlformats.org/drawingml/2006/chart" xmlns:r="http://schemas.openxmlformats.org/officeDocument/2006/relationships" r:id="rId4"/>
+            <c:chart xmlns:c="http://schemas.openxmlformats.org/drawingml/2006/chart" xmlns:r="http://schemas.openxmlformats.org/officeDocument/2006/relationships" r:id="rId3"/>
           </a:graphicData>
         </a:graphic>
       </p:graphicFrame>
@@ -15915,103 +15556,9 @@
           </a:p>
         </p:txBody>
       </p:sp>
-      <mc:AlternateContent xmlns:mc="http://schemas.openxmlformats.org/markup-compatibility/2006" xmlns:a14="http://schemas.microsoft.com/office/drawing/2010/main">
-        <mc:Choice Requires="a14">
-          <p:sp>
-            <p:nvSpPr>
-              <p:cNvPr id="6" name="Объект 5">
-                <a:extLst>
-                  <a:ext uri="{FF2B5EF4-FFF2-40B4-BE49-F238E27FC236}">
-                    <a16:creationId xmlns:a16="http://schemas.microsoft.com/office/drawing/2014/main" id="{17C6D5FC-8238-450D-B6FE-E66F3C8968C4}"/>
-                  </a:ext>
-                </a:extLst>
-              </p:cNvPr>
-              <p:cNvSpPr>
-                <a:spLocks noGrp="1"/>
-              </p:cNvSpPr>
-              <p:nvPr>
-                <p:ph idx="1"/>
-              </p:nvPr>
-            </p:nvSpPr>
-            <p:spPr>
-              <a:xfrm>
-                <a:off x="1097280" y="1845734"/>
-                <a:ext cx="10058400" cy="1583266"/>
-              </a:xfrm>
-            </p:spPr>
-            <p:txBody>
-              <a:bodyPr/>
-              <a:lstStyle/>
-              <a:p>
-                <a:r>
-                  <a:rPr lang="ru-RU" dirty="0"/>
-                  <a:t>Была реализована модификация алгоритма, состоящая в том, что на 2 шаге алгоритма выбирается степень неприводимого многочлена, равное количество байт входного числа </a:t>
-                </a:r>
-                <a14:m>
-                  <m:oMath xmlns:m="http://schemas.openxmlformats.org/officeDocument/2006/math">
-                    <m:r>
-                      <a:rPr lang="en-US" b="0" i="1" smtClean="0">
-                        <a:latin typeface="Cambria Math" panose="02040503050406030204" pitchFamily="18" charset="0"/>
-                      </a:rPr>
-                      <m:t>𝑛</m:t>
-                    </m:r>
-                  </m:oMath>
-                </a14:m>
-                <a:r>
-                  <a:rPr lang="ru-RU" dirty="0"/>
-                  <a:t>.</a:t>
-                </a:r>
-              </a:p>
-            </p:txBody>
-          </p:sp>
-        </mc:Choice>
-        <mc:Fallback xmlns="">
-          <p:sp>
-            <p:nvSpPr>
-              <p:cNvPr id="6" name="Объект 5">
-                <a:extLst>
-                  <a:ext uri="{FF2B5EF4-FFF2-40B4-BE49-F238E27FC236}">
-                    <a16:creationId xmlns:a16="http://schemas.microsoft.com/office/drawing/2014/main" id="{17C6D5FC-8238-450D-B6FE-E66F3C8968C4}"/>
-                  </a:ext>
-                </a:extLst>
-              </p:cNvPr>
-              <p:cNvSpPr>
-                <a:spLocks noGrp="1" noRot="1" noChangeAspect="1" noMove="1" noResize="1" noEditPoints="1" noAdjustHandles="1" noChangeArrowheads="1" noChangeShapeType="1" noTextEdit="1"/>
-              </p:cNvSpPr>
-              <p:nvPr>
-                <p:ph idx="1"/>
-              </p:nvPr>
-            </p:nvSpPr>
-            <p:spPr>
-              <a:xfrm>
-                <a:off x="1097280" y="1845734"/>
-                <a:ext cx="10058400" cy="1583266"/>
-              </a:xfrm>
-              <a:blipFill>
-                <a:blip r:embed="rId2"/>
-                <a:stretch>
-                  <a:fillRect l="-606" t="-4231"/>
-                </a:stretch>
-              </a:blipFill>
-            </p:spPr>
-            <p:txBody>
-              <a:bodyPr/>
-              <a:lstStyle/>
-              <a:p>
-                <a:r>
-                  <a:rPr lang="ru-RU">
-                    <a:noFill/>
-                  </a:rPr>
-                  <a:t> </a:t>
-                </a:r>
-              </a:p>
-            </p:txBody>
-          </p:sp>
-        </mc:Fallback>
-      </mc:AlternateContent>
       <p:graphicFrame>
         <p:nvGraphicFramePr>
-          <p:cNvPr id="4" name="Диаграмма 3">
+          <p:cNvPr id="8" name="Диаграмма 7">
             <a:extLst>
               <a:ext uri="{FF2B5EF4-FFF2-40B4-BE49-F238E27FC236}">
                 <a16:creationId xmlns:a16="http://schemas.microsoft.com/office/drawing/2014/main" id="{40ECF976-F1DA-47C6-81A8-A2370373A53A}"/>
@@ -16022,24 +15569,24 @@
           <p:nvPr>
             <p:extLst>
               <p:ext uri="{D42A27DB-BD31-4B8C-83A1-F6EECF244321}">
-                <p14:modId xmlns:p14="http://schemas.microsoft.com/office/powerpoint/2010/main" val="1259786616"/>
+                <p14:modId xmlns:p14="http://schemas.microsoft.com/office/powerpoint/2010/main" val="3734357394"/>
               </p:ext>
             </p:extLst>
           </p:nvPr>
         </p:nvGraphicFramePr>
         <p:xfrm>
-          <a:off x="140191" y="3429000"/>
-          <a:ext cx="5818505" cy="2798453"/>
+          <a:off x="0" y="2088197"/>
+          <a:ext cx="6096000" cy="3780824"/>
         </p:xfrm>
         <a:graphic>
           <a:graphicData uri="http://schemas.openxmlformats.org/drawingml/2006/chart">
-            <c:chart xmlns:c="http://schemas.openxmlformats.org/drawingml/2006/chart" xmlns:r="http://schemas.openxmlformats.org/officeDocument/2006/relationships" r:id="rId3"/>
+            <c:chart xmlns:c="http://schemas.openxmlformats.org/drawingml/2006/chart" xmlns:r="http://schemas.openxmlformats.org/officeDocument/2006/relationships" r:id="rId2"/>
           </a:graphicData>
         </a:graphic>
       </p:graphicFrame>
       <p:graphicFrame>
         <p:nvGraphicFramePr>
-          <p:cNvPr id="5" name="Диаграмма 4">
+          <p:cNvPr id="9" name="Диаграмма 8">
             <a:extLst>
               <a:ext uri="{FF2B5EF4-FFF2-40B4-BE49-F238E27FC236}">
                 <a16:creationId xmlns:a16="http://schemas.microsoft.com/office/drawing/2014/main" id="{44A64988-745B-4569-A6AD-41A579C5E065}"/>
@@ -16050,18 +15597,18 @@
           <p:nvPr>
             <p:extLst>
               <p:ext uri="{D42A27DB-BD31-4B8C-83A1-F6EECF244321}">
-                <p14:modId xmlns:p14="http://schemas.microsoft.com/office/powerpoint/2010/main" val="2790365994"/>
+                <p14:modId xmlns:p14="http://schemas.microsoft.com/office/powerpoint/2010/main" val="1253045503"/>
               </p:ext>
             </p:extLst>
           </p:nvPr>
         </p:nvGraphicFramePr>
         <p:xfrm>
-          <a:off x="6233306" y="3429000"/>
-          <a:ext cx="5619115" cy="2798453"/>
+          <a:off x="6096000" y="2088197"/>
+          <a:ext cx="6096000" cy="3780824"/>
         </p:xfrm>
         <a:graphic>
           <a:graphicData uri="http://schemas.openxmlformats.org/drawingml/2006/chart">
-            <c:chart xmlns:c="http://schemas.openxmlformats.org/drawingml/2006/chart" xmlns:r="http://schemas.openxmlformats.org/officeDocument/2006/relationships" r:id="rId4"/>
+            <c:chart xmlns:c="http://schemas.openxmlformats.org/drawingml/2006/chart" xmlns:r="http://schemas.openxmlformats.org/officeDocument/2006/relationships" r:id="rId3"/>
           </a:graphicData>
         </a:graphic>
       </p:graphicFrame>
@@ -16126,35 +15673,1003 @@
           </a:p>
         </p:txBody>
       </p:sp>
-      <p:sp>
-        <p:nvSpPr>
-          <p:cNvPr id="3" name="Объект 2">
+      <p:graphicFrame>
+        <p:nvGraphicFramePr>
+          <p:cNvPr id="6" name="Таблица 6">
             <a:extLst>
               <a:ext uri="{FF2B5EF4-FFF2-40B4-BE49-F238E27FC236}">
-                <a16:creationId xmlns:a16="http://schemas.microsoft.com/office/drawing/2014/main" id="{E669D61D-F204-48E6-9F8E-E48E2E495190}"/>
+                <a16:creationId xmlns:a16="http://schemas.microsoft.com/office/drawing/2014/main" id="{B1B7462F-0A12-452E-ACBC-87BE799C7679}"/>
               </a:ext>
             </a:extLst>
           </p:cNvPr>
-          <p:cNvSpPr>
-            <a:spLocks noGrp="1"/>
-          </p:cNvSpPr>
+          <p:cNvGraphicFramePr>
+            <a:graphicFrameLocks noGrp="1"/>
+          </p:cNvGraphicFramePr>
           <p:nvPr>
-            <p:ph idx="1"/>
+            <p:extLst>
+              <p:ext uri="{D42A27DB-BD31-4B8C-83A1-F6EECF244321}">
+                <p14:modId xmlns:p14="http://schemas.microsoft.com/office/powerpoint/2010/main" val="2132969668"/>
+              </p:ext>
+            </p:extLst>
           </p:nvPr>
+        </p:nvGraphicFramePr>
+        <p:xfrm>
+          <a:off x="0" y="1737360"/>
+          <a:ext cx="12192000" cy="4238960"/>
+        </p:xfrm>
+        <a:graphic>
+          <a:graphicData uri="http://schemas.openxmlformats.org/drawingml/2006/table">
+            <a:tbl>
+              <a:tblPr firstRow="1" bandRow="1">
+                <a:tableStyleId>{5C22544A-7EE6-4342-B048-85BDC9FD1C3A}</a:tableStyleId>
+              </a:tblPr>
+              <a:tblGrid>
+                <a:gridCol w="1524000">
+                  <a:extLst>
+                    <a:ext uri="{9D8B030D-6E8A-4147-A177-3AD203B41FA5}">
+                      <a16:colId xmlns:a16="http://schemas.microsoft.com/office/drawing/2014/main" val="2267562880"/>
+                    </a:ext>
+                  </a:extLst>
+                </a:gridCol>
+                <a:gridCol w="1524000">
+                  <a:extLst>
+                    <a:ext uri="{9D8B030D-6E8A-4147-A177-3AD203B41FA5}">
+                      <a16:colId xmlns:a16="http://schemas.microsoft.com/office/drawing/2014/main" val="588266154"/>
+                    </a:ext>
+                  </a:extLst>
+                </a:gridCol>
+                <a:gridCol w="1524000">
+                  <a:extLst>
+                    <a:ext uri="{9D8B030D-6E8A-4147-A177-3AD203B41FA5}">
+                      <a16:colId xmlns:a16="http://schemas.microsoft.com/office/drawing/2014/main" val="3681746314"/>
+                    </a:ext>
+                  </a:extLst>
+                </a:gridCol>
+                <a:gridCol w="1524000">
+                  <a:extLst>
+                    <a:ext uri="{9D8B030D-6E8A-4147-A177-3AD203B41FA5}">
+                      <a16:colId xmlns:a16="http://schemas.microsoft.com/office/drawing/2014/main" val="3141413042"/>
+                    </a:ext>
+                  </a:extLst>
+                </a:gridCol>
+                <a:gridCol w="1524000">
+                  <a:extLst>
+                    <a:ext uri="{9D8B030D-6E8A-4147-A177-3AD203B41FA5}">
+                      <a16:colId xmlns:a16="http://schemas.microsoft.com/office/drawing/2014/main" val="3070497492"/>
+                    </a:ext>
+                  </a:extLst>
+                </a:gridCol>
+                <a:gridCol w="1524000">
+                  <a:extLst>
+                    <a:ext uri="{9D8B030D-6E8A-4147-A177-3AD203B41FA5}">
+                      <a16:colId xmlns:a16="http://schemas.microsoft.com/office/drawing/2014/main" val="1718085146"/>
+                    </a:ext>
+                  </a:extLst>
+                </a:gridCol>
+                <a:gridCol w="1524000">
+                  <a:extLst>
+                    <a:ext uri="{9D8B030D-6E8A-4147-A177-3AD203B41FA5}">
+                      <a16:colId xmlns:a16="http://schemas.microsoft.com/office/drawing/2014/main" val="3295267842"/>
+                    </a:ext>
+                  </a:extLst>
+                </a:gridCol>
+                <a:gridCol w="1524000">
+                  <a:extLst>
+                    <a:ext uri="{9D8B030D-6E8A-4147-A177-3AD203B41FA5}">
+                      <a16:colId xmlns:a16="http://schemas.microsoft.com/office/drawing/2014/main" val="1396637868"/>
+                    </a:ext>
+                  </a:extLst>
+                </a:gridCol>
+              </a:tblGrid>
+              <a:tr h="947120">
+                <a:tc>
+                  <a:txBody>
+                    <a:bodyPr/>
+                    <a:lstStyle/>
+                    <a:p>
+                      <a:endParaRPr lang="ru-RU" sz="1200" dirty="0"/>
+                    </a:p>
+                  </a:txBody>
+                  <a:tcPr/>
+                </a:tc>
+                <a:tc>
+                  <a:txBody>
+                    <a:bodyPr/>
+                    <a:lstStyle/>
+                    <a:p>
+                      <a:r>
+                        <a:rPr lang="ru-RU" dirty="0"/>
+                        <a:t>Алгоритм </a:t>
+                      </a:r>
+                      <a:r>
+                        <a:rPr lang="ru-RU" dirty="0" err="1"/>
+                        <a:t>Шенкса</a:t>
+                      </a:r>
+                      <a:endParaRPr lang="ru-RU" dirty="0"/>
+                    </a:p>
+                  </a:txBody>
+                  <a:tcPr/>
+                </a:tc>
+                <a:tc>
+                  <a:txBody>
+                    <a:bodyPr/>
+                    <a:lstStyle/>
+                    <a:p>
+                      <a:r>
+                        <a:rPr lang="ru-RU" dirty="0"/>
+                        <a:t>Алгоритм </a:t>
+                      </a:r>
+                      <a:r>
+                        <a:rPr lang="ru-RU" dirty="0" err="1"/>
+                        <a:t>Полига-Хеллмана</a:t>
+                      </a:r>
+                      <a:endParaRPr lang="ru-RU" dirty="0"/>
+                    </a:p>
+                  </a:txBody>
+                  <a:tcPr/>
+                </a:tc>
+                <a:tc>
+                  <a:txBody>
+                    <a:bodyPr/>
+                    <a:lstStyle/>
+                    <a:p>
+                      <a:r>
+                        <a:rPr lang="ru-RU" dirty="0"/>
+                        <a:t>Алгоритм </a:t>
+                      </a:r>
+                      <a:r>
+                        <a:rPr lang="ru-RU" dirty="0" err="1"/>
+                        <a:t>Адлемана</a:t>
+                      </a:r>
+                      <a:endParaRPr lang="ru-RU" dirty="0"/>
+                    </a:p>
+                  </a:txBody>
+                  <a:tcPr/>
+                </a:tc>
+                <a:tc>
+                  <a:txBody>
+                    <a:bodyPr/>
+                    <a:lstStyle/>
+                    <a:p>
+                      <a:r>
+                        <a:rPr lang="ru-RU" dirty="0"/>
+                        <a:t>Алгоритм </a:t>
+                      </a:r>
+                      <a:r>
+                        <a:rPr lang="en-US" dirty="0"/>
+                        <a:t>COS</a:t>
+                      </a:r>
+                      <a:endParaRPr lang="ru-RU" dirty="0"/>
+                    </a:p>
+                  </a:txBody>
+                  <a:tcPr/>
+                </a:tc>
+                <a:tc>
+                  <a:txBody>
+                    <a:bodyPr/>
+                    <a:lstStyle/>
+                    <a:p>
+                      <a:endParaRPr lang="ru-RU" dirty="0"/>
+                    </a:p>
+                  </a:txBody>
+                  <a:tcPr/>
+                </a:tc>
+                <a:tc>
+                  <a:txBody>
+                    <a:bodyPr/>
+                    <a:lstStyle/>
+                    <a:p>
+                      <a:pPr marL="0" marR="0" lvl="0" indent="0" algn="l" defTabSz="914400" rtl="0" eaLnBrk="1" fontAlgn="auto" latinLnBrk="0" hangingPunct="1">
+                        <a:lnSpc>
+                          <a:spcPct val="100000"/>
+                        </a:lnSpc>
+                        <a:spcBef>
+                          <a:spcPts val="0"/>
+                        </a:spcBef>
+                        <a:spcAft>
+                          <a:spcPts val="0"/>
+                        </a:spcAft>
+                        <a:buClrTx/>
+                        <a:buSzTx/>
+                        <a:buFontTx/>
+                        <a:buNone/>
+                        <a:tabLst/>
+                        <a:defRPr/>
+                      </a:pPr>
+                      <a:r>
+                        <a:rPr lang="ru-RU" dirty="0" err="1"/>
+                        <a:t>Ро</a:t>
+                      </a:r>
+                      <a:r>
+                        <a:rPr lang="ru-RU" dirty="0"/>
+                        <a:t>-метод </a:t>
+                      </a:r>
+                      <a:r>
+                        <a:rPr lang="ru-RU" dirty="0" err="1"/>
+                        <a:t>Полларда</a:t>
+                      </a:r>
+                      <a:endParaRPr lang="ru-RU" dirty="0"/>
+                    </a:p>
+                  </a:txBody>
+                  <a:tcPr/>
+                </a:tc>
+                <a:tc>
+                  <a:txBody>
+                    <a:bodyPr/>
+                    <a:lstStyle/>
+                    <a:p>
+                      <a:pPr marL="0" marR="0" lvl="0" indent="0" algn="l" defTabSz="914400" rtl="0" eaLnBrk="1" fontAlgn="auto" latinLnBrk="0" hangingPunct="1">
+                        <a:lnSpc>
+                          <a:spcPct val="100000"/>
+                        </a:lnSpc>
+                        <a:spcBef>
+                          <a:spcPts val="0"/>
+                        </a:spcBef>
+                        <a:spcAft>
+                          <a:spcPts val="0"/>
+                        </a:spcAft>
+                        <a:buClrTx/>
+                        <a:buSzTx/>
+                        <a:buFontTx/>
+                        <a:buNone/>
+                        <a:tabLst/>
+                        <a:defRPr/>
+                      </a:pPr>
+                      <a:r>
+                        <a:rPr lang="ru-RU" dirty="0"/>
+                        <a:t>Решето числового поля</a:t>
+                      </a:r>
+                    </a:p>
+                  </a:txBody>
+                  <a:tcPr/>
+                </a:tc>
+                <a:extLst>
+                  <a:ext uri="{0D108BD9-81ED-4DB2-BD59-A6C34878D82A}">
+                    <a16:rowId xmlns:a16="http://schemas.microsoft.com/office/drawing/2014/main" val="4059258797"/>
+                  </a:ext>
+                </a:extLst>
+              </a:tr>
+              <a:tr h="885203">
+                <a:tc>
+                  <a:txBody>
+                    <a:bodyPr/>
+                    <a:lstStyle/>
+                    <a:p>
+                      <a:r>
+                        <a:rPr lang="en-US" dirty="0"/>
+                        <a:t>g, p, A – 16 </a:t>
+                      </a:r>
+                      <a:r>
+                        <a:rPr lang="ru-RU" dirty="0"/>
+                        <a:t>бит</a:t>
+                      </a:r>
+                    </a:p>
+                    <a:p>
+                      <a:r>
+                        <a:rPr lang="en-US" dirty="0"/>
+                        <a:t>a – 8 </a:t>
+                      </a:r>
+                      <a:r>
+                        <a:rPr lang="ru-RU" dirty="0"/>
+                        <a:t>бит</a:t>
+                      </a:r>
+                    </a:p>
+                  </a:txBody>
+                  <a:tcPr/>
+                </a:tc>
+                <a:tc>
+                  <a:txBody>
+                    <a:bodyPr/>
+                    <a:lstStyle/>
+                    <a:p>
+                      <a:pPr algn="ctr"/>
+                      <a:r>
+                        <a:rPr lang="ru-RU" sz="4400" b="0" dirty="0"/>
+                        <a:t>+ </a:t>
+                      </a:r>
+                      <a:r>
+                        <a:rPr lang="en-US" sz="4400" b="0" dirty="0"/>
+                        <a:t>/ +</a:t>
+                      </a:r>
+                      <a:endParaRPr lang="ru-RU" sz="4400" b="0" dirty="0"/>
+                    </a:p>
+                  </a:txBody>
+                  <a:tcPr/>
+                </a:tc>
+                <a:tc>
+                  <a:txBody>
+                    <a:bodyPr/>
+                    <a:lstStyle/>
+                    <a:p>
+                      <a:pPr algn="ctr"/>
+                      <a:r>
+                        <a:rPr lang="en-US" sz="4400" dirty="0"/>
+                        <a:t> - / -</a:t>
+                      </a:r>
+                      <a:endParaRPr lang="ru-RU" sz="4400" dirty="0"/>
+                    </a:p>
+                  </a:txBody>
+                  <a:tcPr/>
+                </a:tc>
+                <a:tc>
+                  <a:txBody>
+                    <a:bodyPr/>
+                    <a:lstStyle/>
+                    <a:p>
+                      <a:pPr marL="0" marR="0" lvl="0" indent="0" algn="ctr" defTabSz="914400" rtl="0" eaLnBrk="1" fontAlgn="auto" latinLnBrk="0" hangingPunct="1">
+                        <a:lnSpc>
+                          <a:spcPct val="100000"/>
+                        </a:lnSpc>
+                        <a:spcBef>
+                          <a:spcPts val="0"/>
+                        </a:spcBef>
+                        <a:spcAft>
+                          <a:spcPts val="0"/>
+                        </a:spcAft>
+                        <a:buClrTx/>
+                        <a:buSzTx/>
+                        <a:buFontTx/>
+                        <a:buNone/>
+                        <a:tabLst/>
+                        <a:defRPr/>
+                      </a:pPr>
+                      <a:r>
+                        <a:rPr lang="en-US" sz="4400" dirty="0"/>
+                        <a:t>-</a:t>
+                      </a:r>
+                      <a:r>
+                        <a:rPr lang="ru-RU" sz="4400" dirty="0"/>
+                        <a:t> </a:t>
+                      </a:r>
+                      <a:r>
+                        <a:rPr lang="en-US" sz="4400" dirty="0"/>
+                        <a:t>/ +</a:t>
+                      </a:r>
+                      <a:endParaRPr lang="ru-RU" sz="4400" dirty="0"/>
+                    </a:p>
+                  </a:txBody>
+                  <a:tcPr/>
+                </a:tc>
+                <a:tc>
+                  <a:txBody>
+                    <a:bodyPr/>
+                    <a:lstStyle/>
+                    <a:p>
+                      <a:pPr marL="0" marR="0" lvl="0" indent="0" algn="ctr" defTabSz="914400" rtl="0" eaLnBrk="1" fontAlgn="auto" latinLnBrk="0" hangingPunct="1">
+                        <a:lnSpc>
+                          <a:spcPct val="100000"/>
+                        </a:lnSpc>
+                        <a:spcBef>
+                          <a:spcPts val="0"/>
+                        </a:spcBef>
+                        <a:spcAft>
+                          <a:spcPts val="0"/>
+                        </a:spcAft>
+                        <a:buClrTx/>
+                        <a:buSzTx/>
+                        <a:buFontTx/>
+                        <a:buNone/>
+                        <a:tabLst/>
+                        <a:defRPr/>
+                      </a:pPr>
+                      <a:r>
+                        <a:rPr lang="en-US" sz="4400" dirty="0"/>
+                        <a:t>-</a:t>
+                      </a:r>
+                      <a:r>
+                        <a:rPr lang="ru-RU" sz="4400" dirty="0"/>
+                        <a:t> </a:t>
+                      </a:r>
+                      <a:r>
+                        <a:rPr lang="en-US" sz="4400" dirty="0"/>
+                        <a:t>/ +</a:t>
+                      </a:r>
+                      <a:endParaRPr lang="ru-RU" sz="4400" dirty="0"/>
+                    </a:p>
+                  </a:txBody>
+                  <a:tcPr/>
+                </a:tc>
+                <a:tc>
+                  <a:txBody>
+                    <a:bodyPr/>
+                    <a:lstStyle/>
+                    <a:p>
+                      <a:r>
+                        <a:rPr lang="en-US" dirty="0"/>
+                        <a:t>N – 64 </a:t>
+                      </a:r>
+                      <a:r>
+                        <a:rPr lang="ru-RU" dirty="0"/>
+                        <a:t>бит</a:t>
+                      </a:r>
+                    </a:p>
+                  </a:txBody>
+                  <a:tcPr/>
+                </a:tc>
+                <a:tc>
+                  <a:txBody>
+                    <a:bodyPr/>
+                    <a:lstStyle/>
+                    <a:p>
+                      <a:pPr algn="ctr"/>
+                      <a:r>
+                        <a:rPr lang="en-US" sz="4400" dirty="0"/>
+                        <a:t> + / -</a:t>
+                      </a:r>
+                      <a:endParaRPr lang="ru-RU" sz="4400" dirty="0"/>
+                    </a:p>
+                  </a:txBody>
+                  <a:tcPr/>
+                </a:tc>
+                <a:tc>
+                  <a:txBody>
+                    <a:bodyPr/>
+                    <a:lstStyle/>
+                    <a:p>
+                      <a:pPr algn="ctr"/>
+                      <a:r>
+                        <a:rPr lang="en-US" sz="4400" dirty="0"/>
+                        <a:t>-</a:t>
+                      </a:r>
+                      <a:r>
+                        <a:rPr lang="ru-RU" sz="4400" dirty="0"/>
+                        <a:t> </a:t>
+                      </a:r>
+                      <a:r>
+                        <a:rPr lang="en-US" sz="4400" dirty="0"/>
+                        <a:t>/ +</a:t>
+                      </a:r>
+                      <a:endParaRPr lang="ru-RU" sz="4400" dirty="0"/>
+                    </a:p>
+                  </a:txBody>
+                  <a:tcPr/>
+                </a:tc>
+                <a:extLst>
+                  <a:ext uri="{0D108BD9-81ED-4DB2-BD59-A6C34878D82A}">
+                    <a16:rowId xmlns:a16="http://schemas.microsoft.com/office/drawing/2014/main" val="3061825508"/>
+                  </a:ext>
+                </a:extLst>
+              </a:tr>
+              <a:tr h="1150763">
+                <a:tc>
+                  <a:txBody>
+                    <a:bodyPr/>
+                    <a:lstStyle/>
+                    <a:p>
+                      <a:r>
+                        <a:rPr lang="en-US" dirty="0"/>
+                        <a:t>g, p, A – 32 </a:t>
+                      </a:r>
+                      <a:r>
+                        <a:rPr lang="ru-RU" dirty="0"/>
+                        <a:t>бит</a:t>
+                      </a:r>
+                    </a:p>
+                    <a:p>
+                      <a:r>
+                        <a:rPr lang="en-US" dirty="0"/>
+                        <a:t>a – 8 </a:t>
+                      </a:r>
+                      <a:r>
+                        <a:rPr lang="ru-RU" dirty="0"/>
+                        <a:t>бит</a:t>
+                      </a:r>
+                    </a:p>
+                    <a:p>
+                      <a:endParaRPr lang="ru-RU" dirty="0"/>
+                    </a:p>
+                  </a:txBody>
+                  <a:tcPr/>
+                </a:tc>
+                <a:tc>
+                  <a:txBody>
+                    <a:bodyPr/>
+                    <a:lstStyle/>
+                    <a:p>
+                      <a:pPr algn="ctr"/>
+                      <a:r>
+                        <a:rPr lang="ru-RU" sz="4400" dirty="0"/>
+                        <a:t>+ </a:t>
+                      </a:r>
+                      <a:r>
+                        <a:rPr lang="en-US" sz="4400" dirty="0"/>
+                        <a:t>/ +</a:t>
+                      </a:r>
+                      <a:endParaRPr lang="ru-RU" sz="4400" dirty="0"/>
+                    </a:p>
+                  </a:txBody>
+                  <a:tcPr/>
+                </a:tc>
+                <a:tc>
+                  <a:txBody>
+                    <a:bodyPr/>
+                    <a:lstStyle/>
+                    <a:p>
+                      <a:pPr marL="0" marR="0" lvl="0" indent="0" algn="ctr" defTabSz="914400" rtl="0" eaLnBrk="1" fontAlgn="auto" latinLnBrk="0" hangingPunct="1">
+                        <a:lnSpc>
+                          <a:spcPct val="100000"/>
+                        </a:lnSpc>
+                        <a:spcBef>
+                          <a:spcPts val="0"/>
+                        </a:spcBef>
+                        <a:spcAft>
+                          <a:spcPts val="0"/>
+                        </a:spcAft>
+                        <a:buClrTx/>
+                        <a:buSzTx/>
+                        <a:buFontTx/>
+                        <a:buNone/>
+                        <a:tabLst/>
+                        <a:defRPr/>
+                      </a:pPr>
+                      <a:r>
+                        <a:rPr lang="ru-RU" sz="4400" dirty="0"/>
+                        <a:t>+ </a:t>
+                      </a:r>
+                      <a:r>
+                        <a:rPr lang="en-US" sz="4400" dirty="0"/>
+                        <a:t>/ +</a:t>
+                      </a:r>
+                      <a:endParaRPr lang="ru-RU" sz="4400" dirty="0"/>
+                    </a:p>
+                  </a:txBody>
+                  <a:tcPr/>
+                </a:tc>
+                <a:tc>
+                  <a:txBody>
+                    <a:bodyPr/>
+                    <a:lstStyle/>
+                    <a:p>
+                      <a:pPr marL="0" marR="0" lvl="0" indent="0" algn="ctr" defTabSz="914400" rtl="0" eaLnBrk="1" fontAlgn="auto" latinLnBrk="0" hangingPunct="1">
+                        <a:lnSpc>
+                          <a:spcPct val="100000"/>
+                        </a:lnSpc>
+                        <a:spcBef>
+                          <a:spcPts val="0"/>
+                        </a:spcBef>
+                        <a:spcAft>
+                          <a:spcPts val="0"/>
+                        </a:spcAft>
+                        <a:buClrTx/>
+                        <a:buSzTx/>
+                        <a:buFontTx/>
+                        <a:buNone/>
+                        <a:tabLst/>
+                        <a:defRPr/>
+                      </a:pPr>
+                      <a:r>
+                        <a:rPr lang="ru-RU" sz="4400" dirty="0"/>
+                        <a:t>+ </a:t>
+                      </a:r>
+                      <a:r>
+                        <a:rPr lang="en-US" sz="4400" dirty="0"/>
+                        <a:t>/ +</a:t>
+                      </a:r>
+                      <a:endParaRPr lang="ru-RU" sz="4400" dirty="0"/>
+                    </a:p>
+                  </a:txBody>
+                  <a:tcPr/>
+                </a:tc>
+                <a:tc>
+                  <a:txBody>
+                    <a:bodyPr/>
+                    <a:lstStyle/>
+                    <a:p>
+                      <a:pPr marL="0" marR="0" lvl="0" indent="0" algn="ctr" defTabSz="914400" rtl="0" eaLnBrk="1" fontAlgn="auto" latinLnBrk="0" hangingPunct="1">
+                        <a:lnSpc>
+                          <a:spcPct val="100000"/>
+                        </a:lnSpc>
+                        <a:spcBef>
+                          <a:spcPts val="0"/>
+                        </a:spcBef>
+                        <a:spcAft>
+                          <a:spcPts val="0"/>
+                        </a:spcAft>
+                        <a:buClrTx/>
+                        <a:buSzTx/>
+                        <a:buFontTx/>
+                        <a:buNone/>
+                        <a:tabLst/>
+                        <a:defRPr/>
+                      </a:pPr>
+                      <a:r>
+                        <a:rPr lang="ru-RU" sz="4400" dirty="0"/>
+                        <a:t>+ </a:t>
+                      </a:r>
+                      <a:r>
+                        <a:rPr lang="en-US" sz="4400" dirty="0"/>
+                        <a:t>/ +</a:t>
+                      </a:r>
+                      <a:endParaRPr lang="ru-RU" sz="4400" dirty="0"/>
+                    </a:p>
+                  </a:txBody>
+                  <a:tcPr/>
+                </a:tc>
+                <a:tc>
+                  <a:txBody>
+                    <a:bodyPr/>
+                    <a:lstStyle/>
+                    <a:p>
+                      <a:pPr marL="0" marR="0" lvl="0" indent="0" algn="l" defTabSz="914400" rtl="0" eaLnBrk="1" fontAlgn="auto" latinLnBrk="0" hangingPunct="1">
+                        <a:lnSpc>
+                          <a:spcPct val="100000"/>
+                        </a:lnSpc>
+                        <a:spcBef>
+                          <a:spcPts val="0"/>
+                        </a:spcBef>
+                        <a:spcAft>
+                          <a:spcPts val="0"/>
+                        </a:spcAft>
+                        <a:buClrTx/>
+                        <a:buSzTx/>
+                        <a:buFontTx/>
+                        <a:buNone/>
+                        <a:tabLst/>
+                        <a:defRPr/>
+                      </a:pPr>
+                      <a:r>
+                        <a:rPr lang="en-US" dirty="0"/>
+                        <a:t>N – </a:t>
+                      </a:r>
+                      <a:r>
+                        <a:rPr lang="ru-RU" dirty="0"/>
+                        <a:t>128</a:t>
+                      </a:r>
+                      <a:r>
+                        <a:rPr lang="en-US" dirty="0"/>
+                        <a:t> </a:t>
+                      </a:r>
+                      <a:r>
+                        <a:rPr lang="ru-RU" dirty="0"/>
+                        <a:t>бит</a:t>
+                      </a:r>
+                    </a:p>
+                    <a:p>
+                      <a:endParaRPr lang="ru-RU" dirty="0"/>
+                    </a:p>
+                  </a:txBody>
+                  <a:tcPr/>
+                </a:tc>
+                <a:tc>
+                  <a:txBody>
+                    <a:bodyPr/>
+                    <a:lstStyle/>
+                    <a:p>
+                      <a:pPr algn="ctr"/>
+                      <a:r>
+                        <a:rPr lang="en-US" sz="4400" dirty="0"/>
+                        <a:t> - / -</a:t>
+                      </a:r>
+                      <a:endParaRPr lang="ru-RU" sz="4400" dirty="0"/>
+                    </a:p>
+                  </a:txBody>
+                  <a:tcPr/>
+                </a:tc>
+                <a:tc>
+                  <a:txBody>
+                    <a:bodyPr/>
+                    <a:lstStyle/>
+                    <a:p>
+                      <a:pPr algn="ctr"/>
+                      <a:r>
+                        <a:rPr lang="ru-RU" sz="4400" dirty="0"/>
+                        <a:t>+ </a:t>
+                      </a:r>
+                      <a:r>
+                        <a:rPr lang="en-US" sz="4400" dirty="0"/>
+                        <a:t>/ +</a:t>
+                      </a:r>
+                      <a:endParaRPr lang="ru-RU" sz="4400" dirty="0"/>
+                    </a:p>
+                  </a:txBody>
+                  <a:tcPr/>
+                </a:tc>
+                <a:extLst>
+                  <a:ext uri="{0D108BD9-81ED-4DB2-BD59-A6C34878D82A}">
+                    <a16:rowId xmlns:a16="http://schemas.microsoft.com/office/drawing/2014/main" val="4160418780"/>
+                  </a:ext>
+                </a:extLst>
+              </a:tr>
+              <a:tr h="1150763">
+                <a:tc>
+                  <a:txBody>
+                    <a:bodyPr/>
+                    <a:lstStyle/>
+                    <a:p>
+                      <a:r>
+                        <a:rPr lang="en-US" dirty="0"/>
+                        <a:t>g, p, A – 32 </a:t>
+                      </a:r>
+                      <a:r>
+                        <a:rPr lang="ru-RU" dirty="0"/>
+                        <a:t>бит</a:t>
+                      </a:r>
+                    </a:p>
+                    <a:p>
+                      <a:r>
+                        <a:rPr lang="en-US" dirty="0"/>
+                        <a:t>a – 16 </a:t>
+                      </a:r>
+                      <a:r>
+                        <a:rPr lang="ru-RU" dirty="0"/>
+                        <a:t>бит</a:t>
+                      </a:r>
+                    </a:p>
+                    <a:p>
+                      <a:endParaRPr lang="ru-RU" dirty="0"/>
+                    </a:p>
+                  </a:txBody>
+                  <a:tcPr/>
+                </a:tc>
+                <a:tc>
+                  <a:txBody>
+                    <a:bodyPr/>
+                    <a:lstStyle/>
+                    <a:p>
+                      <a:pPr algn="ctr"/>
+                      <a:r>
+                        <a:rPr lang="ru-RU" sz="4400" dirty="0"/>
+                        <a:t>+ </a:t>
+                      </a:r>
+                      <a:r>
+                        <a:rPr lang="en-US" sz="4400" dirty="0"/>
+                        <a:t>/ +</a:t>
+                      </a:r>
+                      <a:endParaRPr lang="ru-RU" sz="4400" dirty="0"/>
+                    </a:p>
+                  </a:txBody>
+                  <a:tcPr/>
+                </a:tc>
+                <a:tc>
+                  <a:txBody>
+                    <a:bodyPr/>
+                    <a:lstStyle/>
+                    <a:p>
+                      <a:pPr marL="0" marR="0" lvl="0" indent="0" algn="ctr" defTabSz="914400" rtl="0" eaLnBrk="1" fontAlgn="auto" latinLnBrk="0" hangingPunct="1">
+                        <a:lnSpc>
+                          <a:spcPct val="100000"/>
+                        </a:lnSpc>
+                        <a:spcBef>
+                          <a:spcPts val="0"/>
+                        </a:spcBef>
+                        <a:spcAft>
+                          <a:spcPts val="0"/>
+                        </a:spcAft>
+                        <a:buClrTx/>
+                        <a:buSzTx/>
+                        <a:buFontTx/>
+                        <a:buNone/>
+                        <a:tabLst/>
+                        <a:defRPr/>
+                      </a:pPr>
+                      <a:r>
+                        <a:rPr lang="ru-RU" sz="4400" dirty="0"/>
+                        <a:t>+ </a:t>
+                      </a:r>
+                      <a:r>
+                        <a:rPr lang="en-US" sz="4400" dirty="0"/>
+                        <a:t>/ +</a:t>
+                      </a:r>
+                      <a:endParaRPr lang="ru-RU" sz="4400" dirty="0"/>
+                    </a:p>
+                  </a:txBody>
+                  <a:tcPr/>
+                </a:tc>
+                <a:tc>
+                  <a:txBody>
+                    <a:bodyPr/>
+                    <a:lstStyle/>
+                    <a:p>
+                      <a:pPr marL="0" marR="0" lvl="0" indent="0" algn="ctr" defTabSz="914400" rtl="0" eaLnBrk="1" fontAlgn="auto" latinLnBrk="0" hangingPunct="1">
+                        <a:lnSpc>
+                          <a:spcPct val="100000"/>
+                        </a:lnSpc>
+                        <a:spcBef>
+                          <a:spcPts val="0"/>
+                        </a:spcBef>
+                        <a:spcAft>
+                          <a:spcPts val="0"/>
+                        </a:spcAft>
+                        <a:buClrTx/>
+                        <a:buSzTx/>
+                        <a:buFontTx/>
+                        <a:buNone/>
+                        <a:tabLst/>
+                        <a:defRPr/>
+                      </a:pPr>
+                      <a:r>
+                        <a:rPr lang="en-US" sz="4400" dirty="0"/>
+                        <a:t>-</a:t>
+                      </a:r>
+                      <a:r>
+                        <a:rPr lang="ru-RU" sz="4400" dirty="0"/>
+                        <a:t> </a:t>
+                      </a:r>
+                      <a:r>
+                        <a:rPr lang="en-US" sz="4400" dirty="0"/>
+                        <a:t>/ +</a:t>
+                      </a:r>
+                      <a:endParaRPr lang="ru-RU" sz="4400" dirty="0"/>
+                    </a:p>
+                  </a:txBody>
+                  <a:tcPr/>
+                </a:tc>
+                <a:tc>
+                  <a:txBody>
+                    <a:bodyPr/>
+                    <a:lstStyle/>
+                    <a:p>
+                      <a:pPr marL="0" marR="0" lvl="0" indent="0" algn="ctr" defTabSz="914400" rtl="0" eaLnBrk="1" fontAlgn="auto" latinLnBrk="0" hangingPunct="1">
+                        <a:lnSpc>
+                          <a:spcPct val="100000"/>
+                        </a:lnSpc>
+                        <a:spcBef>
+                          <a:spcPts val="0"/>
+                        </a:spcBef>
+                        <a:spcAft>
+                          <a:spcPts val="0"/>
+                        </a:spcAft>
+                        <a:buClrTx/>
+                        <a:buSzTx/>
+                        <a:buFontTx/>
+                        <a:buNone/>
+                        <a:tabLst/>
+                        <a:defRPr/>
+                      </a:pPr>
+                      <a:r>
+                        <a:rPr lang="en-US" sz="4400" dirty="0"/>
+                        <a:t>-</a:t>
+                      </a:r>
+                      <a:r>
+                        <a:rPr lang="ru-RU" sz="4400" dirty="0"/>
+                        <a:t> </a:t>
+                      </a:r>
+                      <a:r>
+                        <a:rPr lang="en-US" sz="4400" dirty="0"/>
+                        <a:t>/ +</a:t>
+                      </a:r>
+                      <a:endParaRPr lang="ru-RU" sz="4400" dirty="0"/>
+                    </a:p>
+                  </a:txBody>
+                  <a:tcPr/>
+                </a:tc>
+                <a:tc>
+                  <a:txBody>
+                    <a:bodyPr/>
+                    <a:lstStyle/>
+                    <a:p>
+                      <a:pPr marL="0" marR="0" lvl="0" indent="0" algn="l" defTabSz="914400" rtl="0" eaLnBrk="1" fontAlgn="auto" latinLnBrk="0" hangingPunct="1">
+                        <a:lnSpc>
+                          <a:spcPct val="100000"/>
+                        </a:lnSpc>
+                        <a:spcBef>
+                          <a:spcPts val="0"/>
+                        </a:spcBef>
+                        <a:spcAft>
+                          <a:spcPts val="0"/>
+                        </a:spcAft>
+                        <a:buClrTx/>
+                        <a:buSzTx/>
+                        <a:buFontTx/>
+                        <a:buNone/>
+                        <a:tabLst/>
+                        <a:defRPr/>
+                      </a:pPr>
+                      <a:r>
+                        <a:rPr lang="en-US" dirty="0"/>
+                        <a:t>N – </a:t>
+                      </a:r>
+                      <a:r>
+                        <a:rPr lang="ru-RU" dirty="0"/>
+                        <a:t>256</a:t>
+                      </a:r>
+                      <a:r>
+                        <a:rPr lang="en-US" dirty="0"/>
+                        <a:t> </a:t>
+                      </a:r>
+                      <a:r>
+                        <a:rPr lang="ru-RU" dirty="0"/>
+                        <a:t>бит</a:t>
+                      </a:r>
+                    </a:p>
+                    <a:p>
+                      <a:endParaRPr lang="ru-RU" dirty="0"/>
+                    </a:p>
+                  </a:txBody>
+                  <a:tcPr/>
+                </a:tc>
+                <a:tc>
+                  <a:txBody>
+                    <a:bodyPr/>
+                    <a:lstStyle/>
+                    <a:p>
+                      <a:pPr algn="ctr"/>
+                      <a:r>
+                        <a:rPr lang="en-US" sz="4400" dirty="0"/>
+                        <a:t> + / -</a:t>
+                      </a:r>
+                      <a:endParaRPr lang="ru-RU" sz="4400" dirty="0"/>
+                    </a:p>
+                  </a:txBody>
+                  <a:tcPr/>
+                </a:tc>
+                <a:tc>
+                  <a:txBody>
+                    <a:bodyPr/>
+                    <a:lstStyle/>
+                    <a:p>
+                      <a:pPr algn="ctr"/>
+                      <a:r>
+                        <a:rPr lang="ru-RU" sz="4400" dirty="0"/>
+                        <a:t>+ </a:t>
+                      </a:r>
+                      <a:r>
+                        <a:rPr lang="en-US" sz="4400" dirty="0"/>
+                        <a:t>/ +</a:t>
+                      </a:r>
+                      <a:endParaRPr lang="ru-RU" sz="4400" dirty="0"/>
+                    </a:p>
+                  </a:txBody>
+                  <a:tcPr/>
+                </a:tc>
+                <a:extLst>
+                  <a:ext uri="{0D108BD9-81ED-4DB2-BD59-A6C34878D82A}">
+                    <a16:rowId xmlns:a16="http://schemas.microsoft.com/office/drawing/2014/main" val="3145309570"/>
+                  </a:ext>
+                </a:extLst>
+              </a:tr>
+            </a:tbl>
+          </a:graphicData>
+        </a:graphic>
+      </p:graphicFrame>
+      <p:sp>
+        <p:nvSpPr>
+          <p:cNvPr id="10" name="TextBox 9">
+            <a:extLst>
+              <a:ext uri="{FF2B5EF4-FFF2-40B4-BE49-F238E27FC236}">
+                <a16:creationId xmlns:a16="http://schemas.microsoft.com/office/drawing/2014/main" id="{85F7E18F-C774-4C92-B7B1-755D7EA3D6AA}"/>
+              </a:ext>
+            </a:extLst>
+          </p:cNvPr>
+          <p:cNvSpPr txBox="1"/>
+          <p:nvPr/>
         </p:nvSpPr>
-        <p:spPr/>
+        <p:spPr>
+          <a:xfrm>
+            <a:off x="0" y="5961415"/>
+            <a:ext cx="9344025" cy="369332"/>
+          </a:xfrm>
+          <a:prstGeom prst="rect">
+            <a:avLst/>
+          </a:prstGeom>
+          <a:noFill/>
+        </p:spPr>
         <p:txBody>
-          <a:bodyPr/>
+          <a:bodyPr wrap="square">
+            <a:spAutoFit/>
+          </a:bodyPr>
           <a:lstStyle/>
           <a:p>
             <a:r>
-              <a:rPr lang="ru-RU" sz="1800" dirty="0">
-                <a:effectLst/>
-                <a:ea typeface="Times New Roman" panose="02020603050405020304" pitchFamily="18" charset="0"/>
-              </a:rPr>
-              <a:t>На основе тестов есть возможность сделать вывод, что определённые модифицированные алгоритмы дискретного логарифмирования при определённых размерностях параметров показали лучше показатели в скорости выполнения или в затраченной памяти по сравнению с базовыми алгоритмами.</a:t>
+              <a:rPr lang="ru-RU" i="1" dirty="0"/>
+              <a:t>Лучшие показатели </a:t>
             </a:r>
-            <a:endParaRPr lang="ru-RU" dirty="0"/>
+            <a:r>
+              <a:rPr lang="ru-RU" b="1" i="1" dirty="0"/>
+              <a:t>«Скорость</a:t>
+            </a:r>
+            <a:r>
+              <a:rPr lang="en-US" b="1" i="1" dirty="0"/>
+              <a:t>/</a:t>
+            </a:r>
+            <a:r>
+              <a:rPr lang="ru-RU" b="1" i="1" dirty="0"/>
+              <a:t>Время»</a:t>
+            </a:r>
+            <a:r>
+              <a:rPr lang="ru-RU" i="1" dirty="0"/>
+              <a:t> модифицированных алгоритмов</a:t>
+            </a:r>
           </a:p>
         </p:txBody>
       </p:sp>
@@ -16285,75 +16800,6 @@
           </a:p>
         </p:txBody>
       </p:sp>
-      <p:sp>
-        <p:nvSpPr>
-          <p:cNvPr id="3" name="Объект 2">
-            <a:extLst>
-              <a:ext uri="{FF2B5EF4-FFF2-40B4-BE49-F238E27FC236}">
-                <a16:creationId xmlns:a16="http://schemas.microsoft.com/office/drawing/2014/main" id="{DBF6D2E0-D1F3-4BFF-B60C-084DDE2FED6B}"/>
-              </a:ext>
-            </a:extLst>
-          </p:cNvPr>
-          <p:cNvSpPr>
-            <a:spLocks noGrp="1"/>
-          </p:cNvSpPr>
-          <p:nvPr>
-            <p:ph idx="1"/>
-          </p:nvPr>
-        </p:nvSpPr>
-        <p:spPr/>
-        <p:txBody>
-          <a:bodyPr/>
-          <a:lstStyle/>
-          <a:p>
-            <a:pPr marL="0" indent="0">
-              <a:buNone/>
-            </a:pPr>
-            <a:r>
-              <a:rPr lang="ru-RU" dirty="0">
-                <a:cs typeface="Times New Roman" panose="02020603050405020304" pitchFamily="18" charset="0"/>
-              </a:rPr>
-              <a:t>Задача дискретного логарифмирования является одной из основных задач, на которых базируется криптография с открытым ключом. Классическими криптографическими схемами на её основе являются схема выработки общего ключа </a:t>
-            </a:r>
-            <a:r>
-              <a:rPr lang="ru-RU" dirty="0" err="1">
-                <a:cs typeface="Times New Roman" panose="02020603050405020304" pitchFamily="18" charset="0"/>
-              </a:rPr>
-              <a:t>Диффи-Хеллмана</a:t>
-            </a:r>
-            <a:r>
-              <a:rPr lang="ru-RU" dirty="0">
-                <a:cs typeface="Times New Roman" panose="02020603050405020304" pitchFamily="18" charset="0"/>
-              </a:rPr>
-              <a:t>, схема электронной подписи Эль-</a:t>
-            </a:r>
-            <a:r>
-              <a:rPr lang="ru-RU" dirty="0" err="1">
-                <a:cs typeface="Times New Roman" panose="02020603050405020304" pitchFamily="18" charset="0"/>
-              </a:rPr>
-              <a:t>Гамаля</a:t>
-            </a:r>
-            <a:r>
-              <a:rPr lang="ru-RU" dirty="0">
-                <a:cs typeface="Times New Roman" panose="02020603050405020304" pitchFamily="18" charset="0"/>
-              </a:rPr>
-              <a:t>, криптосистема </a:t>
-            </a:r>
-            <a:r>
-              <a:rPr lang="ru-RU" dirty="0" err="1">
-                <a:cs typeface="Times New Roman" panose="02020603050405020304" pitchFamily="18" charset="0"/>
-              </a:rPr>
-              <a:t>Мэсси-Омуры</a:t>
-            </a:r>
-            <a:r>
-              <a:rPr lang="ru-RU" dirty="0">
-                <a:cs typeface="Times New Roman" panose="02020603050405020304" pitchFamily="18" charset="0"/>
-              </a:rPr>
-              <a:t> для передачи сообщений.</a:t>
-            </a:r>
-          </a:p>
-        </p:txBody>
-      </p:sp>
       <p:pic>
         <p:nvPicPr>
           <p:cNvPr id="1026" name="Picture 2" descr="undefined">
@@ -16383,8 +16829,8 @@
         </p:blipFill>
         <p:spPr bwMode="auto">
           <a:xfrm>
-            <a:off x="3419249" y="3201392"/>
-            <a:ext cx="5434396" cy="2983257"/>
+            <a:off x="700934" y="2895599"/>
+            <a:ext cx="4624054" cy="2538413"/>
           </a:xfrm>
           <a:prstGeom prst="rect">
             <a:avLst/>
@@ -16401,6 +16847,177 @@
           </a:extLst>
         </p:spPr>
       </p:pic>
+      <p:pic>
+        <p:nvPicPr>
+          <p:cNvPr id="4" name="Picture 2" descr="Picture background">
+            <a:extLst>
+              <a:ext uri="{FF2B5EF4-FFF2-40B4-BE49-F238E27FC236}">
+                <a16:creationId xmlns:a16="http://schemas.microsoft.com/office/drawing/2014/main" id="{B87008F8-6B1B-4832-A36E-E3DE199A84B6}"/>
+              </a:ext>
+            </a:extLst>
+          </p:cNvPr>
+          <p:cNvPicPr>
+            <a:picLocks noChangeAspect="1" noChangeArrowheads="1"/>
+          </p:cNvPicPr>
+          <p:nvPr/>
+        </p:nvPicPr>
+        <p:blipFill>
+          <a:blip r:embed="rId3">
+            <a:extLst>
+              <a:ext uri="{28A0092B-C50C-407E-A947-70E740481C1C}">
+                <a14:useLocalDpi xmlns:a14="http://schemas.microsoft.com/office/drawing/2010/main" val="0"/>
+              </a:ext>
+            </a:extLst>
+          </a:blip>
+          <a:srcRect/>
+          <a:stretch>
+            <a:fillRect/>
+          </a:stretch>
+        </p:blipFill>
+        <p:spPr bwMode="auto">
+          <a:xfrm>
+            <a:off x="6649057" y="2729768"/>
+            <a:ext cx="4446646" cy="2894743"/>
+          </a:xfrm>
+          <a:prstGeom prst="rect">
+            <a:avLst/>
+          </a:prstGeom>
+          <a:noFill/>
+          <a:extLst>
+            <a:ext uri="{909E8E84-426E-40DD-AFC4-6F175D3DCCD1}">
+              <a14:hiddenFill xmlns:a14="http://schemas.microsoft.com/office/drawing/2010/main">
+                <a:solidFill>
+                  <a:srgbClr val="FFFFFF"/>
+                </a:solidFill>
+              </a14:hiddenFill>
+            </a:ext>
+          </a:extLst>
+        </p:spPr>
+      </p:pic>
+      <p:sp>
+        <p:nvSpPr>
+          <p:cNvPr id="7" name="TextBox 6">
+            <a:extLst>
+              <a:ext uri="{FF2B5EF4-FFF2-40B4-BE49-F238E27FC236}">
+                <a16:creationId xmlns:a16="http://schemas.microsoft.com/office/drawing/2014/main" id="{03008EC3-21AC-4474-BE3A-7208F99DAB98}"/>
+              </a:ext>
+            </a:extLst>
+          </p:cNvPr>
+          <p:cNvSpPr txBox="1"/>
+          <p:nvPr/>
+        </p:nvSpPr>
+        <p:spPr>
+          <a:xfrm>
+            <a:off x="700934" y="1947147"/>
+            <a:ext cx="6096000" cy="369332"/>
+          </a:xfrm>
+          <a:prstGeom prst="rect">
+            <a:avLst/>
+          </a:prstGeom>
+          <a:noFill/>
+        </p:spPr>
+        <p:txBody>
+          <a:bodyPr wrap="square">
+            <a:spAutoFit/>
+          </a:bodyPr>
+          <a:lstStyle/>
+          <a:p>
+            <a:r>
+              <a:rPr lang="ru-RU" i="1" dirty="0">
+                <a:cs typeface="Times New Roman" panose="02020603050405020304" pitchFamily="18" charset="0"/>
+              </a:rPr>
+              <a:t>Схема выработки общего ключа </a:t>
+            </a:r>
+            <a:r>
+              <a:rPr lang="ru-RU" i="1" dirty="0" err="1">
+                <a:cs typeface="Times New Roman" panose="02020603050405020304" pitchFamily="18" charset="0"/>
+              </a:rPr>
+              <a:t>Диффи-Хеллмана</a:t>
+            </a:r>
+            <a:endParaRPr lang="ru-RU" i="1" dirty="0"/>
+          </a:p>
+        </p:txBody>
+      </p:sp>
+      <p:sp>
+        <p:nvSpPr>
+          <p:cNvPr id="9" name="TextBox 8">
+            <a:extLst>
+              <a:ext uri="{FF2B5EF4-FFF2-40B4-BE49-F238E27FC236}">
+                <a16:creationId xmlns:a16="http://schemas.microsoft.com/office/drawing/2014/main" id="{FC144BC5-BEFD-476E-A3DD-BFC2C59E3770}"/>
+              </a:ext>
+            </a:extLst>
+          </p:cNvPr>
+          <p:cNvSpPr txBox="1"/>
+          <p:nvPr/>
+        </p:nvSpPr>
+        <p:spPr>
+          <a:xfrm>
+            <a:off x="6649057" y="1947147"/>
+            <a:ext cx="4861905" cy="369332"/>
+          </a:xfrm>
+          <a:prstGeom prst="rect">
+            <a:avLst/>
+          </a:prstGeom>
+          <a:noFill/>
+        </p:spPr>
+        <p:txBody>
+          <a:bodyPr wrap="square">
+            <a:spAutoFit/>
+          </a:bodyPr>
+          <a:lstStyle/>
+          <a:p>
+            <a:r>
+              <a:rPr lang="ru-RU" i="1" dirty="0">
+                <a:cs typeface="Times New Roman" panose="02020603050405020304" pitchFamily="18" charset="0"/>
+              </a:rPr>
+              <a:t>Схема электронной подписи Эль-</a:t>
+            </a:r>
+            <a:r>
+              <a:rPr lang="ru-RU" i="1" dirty="0" err="1">
+                <a:cs typeface="Times New Roman" panose="02020603050405020304" pitchFamily="18" charset="0"/>
+              </a:rPr>
+              <a:t>Гамаля</a:t>
+            </a:r>
+            <a:endParaRPr lang="ru-RU" i="1" dirty="0"/>
+          </a:p>
+        </p:txBody>
+      </p:sp>
+      <p:cxnSp>
+        <p:nvCxnSpPr>
+          <p:cNvPr id="5" name="Прямая соединительная линия 4">
+            <a:extLst>
+              <a:ext uri="{FF2B5EF4-FFF2-40B4-BE49-F238E27FC236}">
+                <a16:creationId xmlns:a16="http://schemas.microsoft.com/office/drawing/2014/main" id="{914C0270-5A42-4351-B5C7-FF1EE207D39D}"/>
+              </a:ext>
+            </a:extLst>
+          </p:cNvPr>
+          <p:cNvCxnSpPr/>
+          <p:nvPr/>
+        </p:nvCxnSpPr>
+        <p:spPr>
+          <a:xfrm>
+            <a:off x="6126480" y="1737360"/>
+            <a:ext cx="0" cy="4582478"/>
+          </a:xfrm>
+          <a:prstGeom prst="line">
+            <a:avLst/>
+          </a:prstGeom>
+        </p:spPr>
+        <p:style>
+          <a:lnRef idx="1">
+            <a:schemeClr val="accent1"/>
+          </a:lnRef>
+          <a:fillRef idx="0">
+            <a:schemeClr val="accent1"/>
+          </a:fillRef>
+          <a:effectRef idx="0">
+            <a:schemeClr val="accent1"/>
+          </a:effectRef>
+          <a:fontRef idx="minor">
+            <a:schemeClr val="tx1"/>
+          </a:fontRef>
+        </p:style>
+      </p:cxnSp>
     </p:spTree>
     <p:extLst>
       <p:ext uri="{BB962C8B-B14F-4D97-AF65-F5344CB8AC3E}">
@@ -16457,7 +17074,7 @@
               <a:rPr lang="ru-RU" dirty="0">
                 <a:cs typeface="Times New Roman" panose="02020603050405020304" pitchFamily="18" charset="0"/>
               </a:rPr>
-              <a:t>Цели и задачи</a:t>
+              <a:t>Цель и задачи</a:t>
             </a:r>
           </a:p>
         </p:txBody>
@@ -16486,7 +17103,7 @@
         </p:spPr>
         <p:txBody>
           <a:bodyPr>
-            <a:normAutofit lnSpcReduction="10000"/>
+            <a:normAutofit/>
           </a:bodyPr>
           <a:lstStyle/>
           <a:p>
@@ -16500,12 +17117,20 @@
               <a:buNone/>
             </a:pPr>
             <a:r>
+              <a:rPr lang="ru-RU" sz="1800" b="1" i="1" dirty="0">
+                <a:effectLst/>
+                <a:ea typeface="Calibri" panose="020F0502020204030204" pitchFamily="34" charset="0"/>
+                <a:cs typeface="Times New Roman" panose="02020603050405020304" pitchFamily="18" charset="0"/>
+              </a:rPr>
+              <a:t>Целью</a:t>
+            </a:r>
+            <a:r>
               <a:rPr lang="ru-RU" sz="1800" b="1" dirty="0">
                 <a:effectLst/>
                 <a:ea typeface="Calibri" panose="020F0502020204030204" pitchFamily="34" charset="0"/>
                 <a:cs typeface="Times New Roman" panose="02020603050405020304" pitchFamily="18" charset="0"/>
               </a:rPr>
-              <a:t>Целью </a:t>
+              <a:t> </a:t>
             </a:r>
             <a:r>
               <a:rPr lang="ru-RU" sz="1800" dirty="0">
@@ -16513,7 +17138,7 @@
                 <a:ea typeface="Calibri" panose="020F0502020204030204" pitchFamily="34" charset="0"/>
                 <a:cs typeface="Times New Roman" panose="02020603050405020304" pitchFamily="18" charset="0"/>
               </a:rPr>
-              <a:t>выпускной работы является исследование и разработка алгоритмов дискретного логарифмирования с экспоненциальной и </a:t>
+              <a:t>выпускной работы является исследование и разработка модифицированных алгоритмов дискретного логарифмирования с экспоненциальной и </a:t>
             </a:r>
             <a:r>
               <a:rPr lang="ru-RU" sz="1800" dirty="0" err="1">
@@ -16529,13 +17154,8 @@
                 <a:ea typeface="Calibri" panose="020F0502020204030204" pitchFamily="34" charset="0"/>
                 <a:cs typeface="Times New Roman" panose="02020603050405020304" pitchFamily="18" charset="0"/>
               </a:rPr>
-              <a:t> сложностью. Также исследование и разработка модифицированных алгоритмов на основе разработанных базовых алгоритмов дискретного логарифмирования, проведение экспериментов и сравнение базовых и модифицированных алгоритмов.</a:t>
+              <a:t> сложностью. </a:t>
             </a:r>
-            <a:endParaRPr lang="en-US" sz="1800" dirty="0">
-              <a:effectLst/>
-              <a:ea typeface="Calibri" panose="020F0502020204030204" pitchFamily="34" charset="0"/>
-              <a:cs typeface="Times New Roman" panose="02020603050405020304" pitchFamily="18" charset="0"/>
-            </a:endParaRPr>
           </a:p>
           <a:p>
             <a:pPr indent="0">
@@ -16548,7 +17168,7 @@
               <a:buNone/>
             </a:pPr>
             <a:r>
-              <a:rPr lang="ru-RU" sz="1800" b="1" dirty="0">
+              <a:rPr lang="ru-RU" sz="1800" b="1" i="1" dirty="0">
                 <a:effectLst/>
                 <a:ea typeface="Times New Roman" panose="02020603050405020304" pitchFamily="18" charset="0"/>
                 <a:cs typeface="Times New Roman" panose="02020603050405020304" pitchFamily="18" charset="0"/>
@@ -16710,7 +17330,12 @@
             <p:ph type="title"/>
           </p:nvPr>
         </p:nvSpPr>
-        <p:spPr/>
+        <p:spPr>
+          <a:xfrm>
+            <a:off x="923924" y="286603"/>
+            <a:ext cx="10058400" cy="1450757"/>
+          </a:xfrm>
+        </p:spPr>
         <p:txBody>
           <a:bodyPr/>
           <a:lstStyle/>
@@ -16741,33 +17366,40 @@
             <p:ph idx="1"/>
           </p:nvPr>
         </p:nvSpPr>
-        <p:spPr/>
+        <p:spPr>
+          <a:xfrm>
+            <a:off x="4534851" y="5758815"/>
+            <a:ext cx="3122295" cy="406929"/>
+          </a:xfrm>
+        </p:spPr>
         <p:txBody>
-          <a:bodyPr/>
+          <a:bodyPr>
+            <a:normAutofit/>
+          </a:bodyPr>
           <a:lstStyle/>
           <a:p>
             <a:pPr marL="0" indent="0">
               <a:buNone/>
             </a:pPr>
             <a:r>
-              <a:rPr lang="en-US" dirty="0">
+              <a:rPr lang="en-US" sz="1800" dirty="0">
                 <a:cs typeface="Times New Roman" panose="02020603050405020304" pitchFamily="18" charset="0"/>
               </a:rPr>
               <a:t>C# </a:t>
             </a:r>
             <a:r>
-              <a:rPr lang="ru-RU" dirty="0">
+              <a:rPr lang="ru-RU" sz="1800" dirty="0">
                 <a:cs typeface="Times New Roman" panose="02020603050405020304" pitchFamily="18" charset="0"/>
               </a:rPr>
               <a:t>на </a:t>
             </a:r>
             <a:r>
-              <a:rPr lang="en-US" dirty="0">
+              <a:rPr lang="en-US" sz="1800" dirty="0">
                 <a:cs typeface="Times New Roman" panose="02020603050405020304" pitchFamily="18" charset="0"/>
               </a:rPr>
               <a:t>.NET8 Windows Forms</a:t>
             </a:r>
-            <a:endParaRPr lang="ru-RU" dirty="0">
+            <a:endParaRPr lang="ru-RU" sz="1800" dirty="0">
               <a:cs typeface="Times New Roman" panose="02020603050405020304" pitchFamily="18" charset="0"/>
             </a:endParaRPr>
           </a:p>
@@ -16800,7 +17432,7 @@
         </p:blipFill>
         <p:spPr bwMode="auto">
           <a:xfrm>
-            <a:off x="3246516" y="2289175"/>
+            <a:off x="3246516" y="1779271"/>
             <a:ext cx="5698967" cy="4023360"/>
           </a:xfrm>
           <a:prstGeom prst="rect">
@@ -16891,8 +17523,8 @@
             </p:nvSpPr>
             <p:spPr>
               <a:xfrm>
-                <a:off x="1097280" y="1845733"/>
-                <a:ext cx="10058400" cy="4472728"/>
+                <a:off x="2397543" y="2833992"/>
+                <a:ext cx="7457873" cy="2127115"/>
               </a:xfrm>
             </p:spPr>
             <p:txBody>
@@ -16901,44 +17533,16 @@
               </a:bodyPr>
               <a:lstStyle/>
               <a:p>
-                <a:r>
-                  <a:rPr lang="ru-RU" dirty="0"/>
-                  <a:t>Пусть в некоторой конечной мультипликативной абелевой группе </a:t>
-                </a:r>
                 <a14:m>
                   <m:oMath xmlns:m="http://schemas.openxmlformats.org/officeDocument/2006/math">
                     <m:r>
-                      <a:rPr lang="en-US" b="1" i="1" smtClean="0">
-                        <a:latin typeface="Cambria Math" panose="02040503050406030204" pitchFamily="18" charset="0"/>
-                      </a:rPr>
-                      <m:t>𝑮</m:t>
-                    </m:r>
-                  </m:oMath>
-                </a14:m>
-                <a:r>
-                  <a:rPr lang="en-US" dirty="0"/>
-                  <a:t> </a:t>
-                </a:r>
-                <a:r>
-                  <a:rPr lang="ru-RU" dirty="0"/>
-                  <a:t>задано уравнение</a:t>
-                </a:r>
-                <a:r>
-                  <a:rPr lang="en-US" dirty="0"/>
-                  <a:t>: </a:t>
-                </a:r>
-              </a:p>
-              <a:p>
-                <a14:m>
-                  <m:oMath xmlns:m="http://schemas.openxmlformats.org/officeDocument/2006/math">
-                    <m:r>
-                      <a:rPr lang="en-US" b="1" i="1" smtClean="0">
+                      <a:rPr lang="en-US" sz="8800" b="1" i="1" smtClean="0">
                         <a:latin typeface="Cambria Math" panose="02040503050406030204" pitchFamily="18" charset="0"/>
                       </a:rPr>
                       <m:t>𝑨</m:t>
                     </m:r>
                     <m:r>
-                      <a:rPr lang="en-US" b="1" i="1" smtClean="0">
+                      <a:rPr lang="en-US" sz="8800" b="1" i="1" smtClean="0">
                         <a:latin typeface="Cambria Math" panose="02040503050406030204" pitchFamily="18" charset="0"/>
                       </a:rPr>
                       <m:t>=</m:t>
@@ -16946,14 +17550,14 @@
                     <m:sSup>
                       <m:sSupPr>
                         <m:ctrlPr>
-                          <a:rPr lang="en-US" b="1" i="1" smtClean="0">
+                          <a:rPr lang="en-US" sz="8800" b="1" i="1" smtClean="0">
                             <a:latin typeface="Cambria Math" panose="02040503050406030204" pitchFamily="18" charset="0"/>
                           </a:rPr>
                         </m:ctrlPr>
                       </m:sSupPr>
                       <m:e>
                         <m:r>
-                          <a:rPr lang="en-US" b="1" i="1" smtClean="0">
+                          <a:rPr lang="en-US" sz="8800" b="1" i="1" smtClean="0">
                             <a:latin typeface="Cambria Math" panose="02040503050406030204" pitchFamily="18" charset="0"/>
                           </a:rPr>
                           <m:t>𝒈</m:t>
@@ -16961,7 +17565,7 @@
                       </m:e>
                       <m:sup>
                         <m:r>
-                          <a:rPr lang="en-US" b="1" i="1" smtClean="0">
+                          <a:rPr lang="en-US" sz="8800" b="1" i="1" smtClean="0">
                             <a:latin typeface="Cambria Math" panose="02040503050406030204" pitchFamily="18" charset="0"/>
                           </a:rPr>
                           <m:t>𝒂</m:t>
@@ -16969,61 +17573,32 @@
                       </m:sup>
                     </m:sSup>
                     <m:r>
-                      <a:rPr lang="en-US" b="1" i="1" smtClean="0">
+                      <a:rPr lang="en-US" sz="8800" b="1" i="1" smtClean="0">
                         <a:latin typeface="Cambria Math" panose="02040503050406030204" pitchFamily="18" charset="0"/>
                       </a:rPr>
                       <m:t> </m:t>
                     </m:r>
                     <m:r>
-                      <a:rPr lang="en-US" b="1" i="1" smtClean="0">
+                      <a:rPr lang="en-US" sz="8800" b="1" i="1" smtClean="0">
                         <a:latin typeface="Cambria Math" panose="02040503050406030204" pitchFamily="18" charset="0"/>
                       </a:rPr>
                       <m:t>𝒎𝒐𝒅</m:t>
                     </m:r>
                     <m:r>
-                      <a:rPr lang="en-US" b="1" i="1" smtClean="0">
+                      <a:rPr lang="en-US" sz="8800" b="1" i="1" smtClean="0">
                         <a:latin typeface="Cambria Math" panose="02040503050406030204" pitchFamily="18" charset="0"/>
                       </a:rPr>
                       <m:t> </m:t>
                     </m:r>
                     <m:r>
-                      <a:rPr lang="en-US" b="1" i="1" smtClean="0">
+                      <a:rPr lang="en-US" sz="8800" b="1" i="1" smtClean="0">
                         <a:latin typeface="Cambria Math" panose="02040503050406030204" pitchFamily="18" charset="0"/>
                       </a:rPr>
                       <m:t>𝒑</m:t>
                     </m:r>
                   </m:oMath>
                 </a14:m>
-                <a:endParaRPr lang="en-US" b="1" dirty="0"/>
-              </a:p>
-              <a:p>
-                <a:r>
-                  <a:rPr lang="ru-RU" dirty="0"/>
-                  <a:t>Решение задачи дискретного логарифмирования состоит в нахождении некоторого целого неотрицательного числа</a:t>
-                </a:r>
-                <a:r>
-                  <a:rPr lang="en-US" dirty="0"/>
-                  <a:t> </a:t>
-                </a:r>
-                <a14:m>
-                  <m:oMath xmlns:m="http://schemas.openxmlformats.org/officeDocument/2006/math">
-                    <m:r>
-                      <a:rPr lang="en-US" b="1" i="1" smtClean="0">
-                        <a:latin typeface="Cambria Math" panose="02040503050406030204" pitchFamily="18" charset="0"/>
-                      </a:rPr>
-                      <m:t>𝒂</m:t>
-                    </m:r>
-                  </m:oMath>
-                </a14:m>
-                <a:r>
-                  <a:rPr lang="en-US" dirty="0"/>
-                  <a:t>, </a:t>
-                </a:r>
-                <a:r>
-                  <a:rPr lang="ru-RU" dirty="0"/>
-                  <a:t>удовлетворяющего уравнению . Если оно разрешимо, у него должно быть хотя бы одно натуральное решение, не превышающее порядок группы. Это сразу даёт грубую оценку сложности алгоритма поиска решений сверху — алгоритм полного перебора нашёл бы решение за число шагов не выше порядка данной группы.</a:t>
-                </a:r>
-                <a:endParaRPr lang="en-US" dirty="0"/>
+                <a:endParaRPr lang="en-US" sz="8800" b="1" dirty="0"/>
               </a:p>
             </p:txBody>
           </p:sp>
@@ -17047,13 +17622,13 @@
             </p:nvSpPr>
             <p:spPr>
               <a:xfrm>
-                <a:off x="1097280" y="1845733"/>
-                <a:ext cx="10058400" cy="4472728"/>
+                <a:off x="2397543" y="2833992"/>
+                <a:ext cx="7457873" cy="2127115"/>
               </a:xfrm>
               <a:blipFill>
                 <a:blip r:embed="rId2"/>
                 <a:stretch>
-                  <a:fillRect l="-1515" t="-1501" r="-1212"/>
+                  <a:fillRect/>
                 </a:stretch>
               </a:blipFill>
             </p:spPr>
@@ -17118,14 +17693,36 @@
             <p:ph type="title"/>
           </p:nvPr>
         </p:nvSpPr>
-        <p:spPr/>
+        <p:spPr>
+          <a:xfrm>
+            <a:off x="3552825" y="286603"/>
+            <a:ext cx="5081588" cy="1450757"/>
+          </a:xfrm>
+          <a:ln w="12700">
+            <a:noFill/>
+          </a:ln>
+          <a:effectLst/>
+        </p:spPr>
         <p:txBody>
-          <a:bodyPr/>
+          <a:bodyPr>
+            <a:normAutofit/>
+          </a:bodyPr>
           <a:lstStyle/>
           <a:p>
             <a:pPr algn="ctr"/>
+            <a:br>
+              <a:rPr lang="en-US" dirty="0">
+                <a:solidFill>
+                  <a:schemeClr val="tx1"/>
+                </a:solidFill>
+              </a:rPr>
+            </a:br>
             <a:r>
-              <a:rPr lang="ru-RU" dirty="0"/>
+              <a:rPr lang="ru-RU" dirty="0">
+                <a:solidFill>
+                  <a:schemeClr val="tx1"/>
+                </a:solidFill>
+              </a:rPr>
               <a:t>Классификация</a:t>
             </a:r>
           </a:p>
@@ -17147,17 +17744,21 @@
             <p:ph sz="half" idx="1"/>
           </p:nvPr>
         </p:nvSpPr>
-        <p:spPr/>
+        <p:spPr>
+          <a:xfrm>
+            <a:off x="1266824" y="3114676"/>
+            <a:ext cx="4625339" cy="2543175"/>
+          </a:xfrm>
+        </p:spPr>
         <p:txBody>
           <a:bodyPr>
             <a:normAutofit/>
           </a:bodyPr>
           <a:lstStyle/>
           <a:p>
-            <a:endParaRPr lang="ru-RU" b="1" dirty="0"/>
-          </a:p>
-          <a:p>
-            <a:pPr algn="ctr"/>
+            <a:pPr marL="0" indent="0">
+              <a:buNone/>
+            </a:pPr>
             <a:r>
               <a:rPr lang="ru-RU" b="1" dirty="0"/>
               <a:t>Алгоритмы с экспоненциальной сложностью</a:t>
@@ -17168,10 +17769,10 @@
             </a:r>
           </a:p>
           <a:p>
-            <a:r>
-              <a:rPr lang="en-US" dirty="0"/>
-              <a:t>1. </a:t>
-            </a:r>
+            <a:pPr>
+              <a:buFont typeface="Wingdings" panose="05000000000000000000" pitchFamily="2" charset="2"/>
+              <a:buChar char="v"/>
+            </a:pPr>
             <a:r>
               <a:rPr lang="ru-RU" dirty="0"/>
               <a:t>Алгоритм </a:t>
@@ -17183,10 +17784,10 @@
             <a:endParaRPr lang="en-US" dirty="0"/>
           </a:p>
           <a:p>
-            <a:r>
-              <a:rPr lang="en-US" dirty="0"/>
-              <a:t>2. </a:t>
-            </a:r>
+            <a:pPr>
+              <a:buFont typeface="Wingdings" panose="05000000000000000000" pitchFamily="2" charset="2"/>
+              <a:buChar char="v"/>
+            </a:pPr>
             <a:r>
               <a:rPr lang="ru-RU" dirty="0"/>
               <a:t>Алгоритм </a:t>
@@ -17197,26 +17798,39 @@
             </a:r>
             <a:r>
               <a:rPr lang="ru-RU" dirty="0"/>
-              <a:t> — Хеллмана</a:t>
+              <a:t> — </a:t>
+            </a:r>
+            <a:r>
+              <a:rPr lang="ru-RU" dirty="0" err="1"/>
+              <a:t>Хеллмана</a:t>
             </a:r>
             <a:endParaRPr lang="en-US" dirty="0"/>
           </a:p>
           <a:p>
-            <a:r>
-              <a:rPr lang="en-US" dirty="0"/>
-              <a:t>3. </a:t>
-            </a:r>
+            <a:pPr>
+              <a:buFont typeface="Wingdings" panose="05000000000000000000" pitchFamily="2" charset="2"/>
+              <a:buChar char="v"/>
+            </a:pPr>
             <a:r>
               <a:rPr lang="ru-RU" dirty="0" err="1"/>
               <a:t>ро</a:t>
             </a:r>
             <a:r>
               <a:rPr lang="ru-RU" dirty="0"/>
-              <a:t>-метод Полларда</a:t>
+              <a:t>-метод </a:t>
             </a:r>
+            <a:r>
+              <a:rPr lang="ru-RU" dirty="0" err="1"/>
+              <a:t>Полларда</a:t>
+            </a:r>
+            <a:endParaRPr lang="ru-RU" dirty="0"/>
           </a:p>
           <a:p>
-            <a:endParaRPr lang="ru-RU" dirty="0"/>
+            <a:pPr>
+              <a:buFont typeface="Wingdings" panose="05000000000000000000" pitchFamily="2" charset="2"/>
+              <a:buChar char="v"/>
+            </a:pPr>
+            <a:endParaRPr lang="en-US" dirty="0"/>
           </a:p>
         </p:txBody>
       </p:sp>
@@ -17236,7 +17850,12 @@
             <p:ph sz="half" idx="2"/>
           </p:nvPr>
         </p:nvSpPr>
-        <p:spPr/>
+        <p:spPr>
+          <a:xfrm>
+            <a:off x="7178040" y="2794098"/>
+            <a:ext cx="4625339" cy="2709864"/>
+          </a:xfrm>
+        </p:spPr>
         <p:txBody>
           <a:bodyPr>
             <a:normAutofit/>
@@ -17246,7 +17865,6 @@
             <a:endParaRPr lang="ru-RU" b="1" dirty="0"/>
           </a:p>
           <a:p>
-            <a:pPr algn="ctr"/>
             <a:r>
               <a:rPr lang="ru-RU" b="1" dirty="0"/>
               <a:t>Алгоритмы с </a:t>
@@ -17265,10 +17883,10 @@
             </a:r>
           </a:p>
           <a:p>
-            <a:r>
-              <a:rPr lang="en-US" dirty="0"/>
-              <a:t>1. </a:t>
-            </a:r>
+            <a:pPr>
+              <a:buFont typeface="Wingdings" panose="05000000000000000000" pitchFamily="2" charset="2"/>
+              <a:buChar char="v"/>
+            </a:pPr>
             <a:r>
               <a:rPr lang="ru-RU" dirty="0"/>
               <a:t>Алгоритм </a:t>
@@ -17280,10 +17898,10 @@
             <a:endParaRPr lang="en-US" dirty="0"/>
           </a:p>
           <a:p>
-            <a:r>
-              <a:rPr lang="en-US" dirty="0"/>
-              <a:t>2. </a:t>
-            </a:r>
+            <a:pPr>
+              <a:buFont typeface="Wingdings" panose="05000000000000000000" pitchFamily="2" charset="2"/>
+              <a:buChar char="v"/>
+            </a:pPr>
             <a:r>
               <a:rPr lang="ru-RU" dirty="0"/>
               <a:t>Алгоритм </a:t>
@@ -17294,10 +17912,10 @@
             </a:r>
           </a:p>
           <a:p>
-            <a:r>
-              <a:rPr lang="en-US" dirty="0"/>
-              <a:t>3. </a:t>
-            </a:r>
+            <a:pPr>
+              <a:buFont typeface="Wingdings" panose="05000000000000000000" pitchFamily="2" charset="2"/>
+              <a:buChar char="v"/>
+            </a:pPr>
             <a:r>
               <a:rPr lang="ru-RU" dirty="0"/>
               <a:t>Решето числового поля</a:t>
@@ -17305,6 +17923,98 @@
           </a:p>
           <a:p>
             <a:endParaRPr lang="ru-RU" dirty="0"/>
+          </a:p>
+        </p:txBody>
+      </p:sp>
+      <p:sp>
+        <p:nvSpPr>
+          <p:cNvPr id="8" name="Стрелка: вниз 7">
+            <a:extLst>
+              <a:ext uri="{FF2B5EF4-FFF2-40B4-BE49-F238E27FC236}">
+                <a16:creationId xmlns:a16="http://schemas.microsoft.com/office/drawing/2014/main" id="{C7CFD36D-2E2B-4C93-9754-EBA769FC67D4}"/>
+              </a:ext>
+            </a:extLst>
+          </p:cNvPr>
+          <p:cNvSpPr/>
+          <p:nvPr/>
+        </p:nvSpPr>
+        <p:spPr>
+          <a:xfrm rot="2773672">
+            <a:off x="3063386" y="1756455"/>
+            <a:ext cx="439019" cy="1135713"/>
+          </a:xfrm>
+          <a:prstGeom prst="downArrow">
+            <a:avLst/>
+          </a:prstGeom>
+        </p:spPr>
+        <p:style>
+          <a:lnRef idx="2">
+            <a:schemeClr val="accent1">
+              <a:shade val="50000"/>
+            </a:schemeClr>
+          </a:lnRef>
+          <a:fillRef idx="1">
+            <a:schemeClr val="accent1"/>
+          </a:fillRef>
+          <a:effectRef idx="0">
+            <a:schemeClr val="accent1"/>
+          </a:effectRef>
+          <a:fontRef idx="minor">
+            <a:schemeClr val="lt1"/>
+          </a:fontRef>
+        </p:style>
+        <p:txBody>
+          <a:bodyPr rtlCol="0" anchor="ctr"/>
+          <a:lstStyle/>
+          <a:p>
+            <a:pPr algn="ctr"/>
+            <a:endParaRPr lang="ru-RU"/>
+          </a:p>
+        </p:txBody>
+      </p:sp>
+      <p:sp>
+        <p:nvSpPr>
+          <p:cNvPr id="9" name="Стрелка: вниз 8">
+            <a:extLst>
+              <a:ext uri="{FF2B5EF4-FFF2-40B4-BE49-F238E27FC236}">
+                <a16:creationId xmlns:a16="http://schemas.microsoft.com/office/drawing/2014/main" id="{47ED26AB-CADA-4E8F-ACAE-91A8FAFD2423}"/>
+              </a:ext>
+            </a:extLst>
+          </p:cNvPr>
+          <p:cNvSpPr/>
+          <p:nvPr/>
+        </p:nvSpPr>
+        <p:spPr>
+          <a:xfrm rot="19010136">
+            <a:off x="8675850" y="1770530"/>
+            <a:ext cx="442137" cy="1135713"/>
+          </a:xfrm>
+          <a:prstGeom prst="downArrow">
+            <a:avLst/>
+          </a:prstGeom>
+        </p:spPr>
+        <p:style>
+          <a:lnRef idx="2">
+            <a:schemeClr val="accent1">
+              <a:shade val="50000"/>
+            </a:schemeClr>
+          </a:lnRef>
+          <a:fillRef idx="1">
+            <a:schemeClr val="accent1"/>
+          </a:fillRef>
+          <a:effectRef idx="0">
+            <a:schemeClr val="accent1"/>
+          </a:effectRef>
+          <a:fontRef idx="minor">
+            <a:schemeClr val="lt1"/>
+          </a:fontRef>
+        </p:style>
+        <p:txBody>
+          <a:bodyPr rtlCol="0" anchor="ctr"/>
+          <a:lstStyle/>
+          <a:p>
+            <a:pPr algn="ctr"/>
+            <a:endParaRPr lang="ru-RU"/>
           </a:p>
         </p:txBody>
       </p:sp>
@@ -17378,39 +18088,6 @@
           </a:p>
         </p:txBody>
       </p:sp>
-      <p:sp>
-        <p:nvSpPr>
-          <p:cNvPr id="6" name="Объект 5">
-            <a:extLst>
-              <a:ext uri="{FF2B5EF4-FFF2-40B4-BE49-F238E27FC236}">
-                <a16:creationId xmlns:a16="http://schemas.microsoft.com/office/drawing/2014/main" id="{745FD9EE-6234-40E9-A79E-9FF9E85367E6}"/>
-              </a:ext>
-            </a:extLst>
-          </p:cNvPr>
-          <p:cNvSpPr>
-            <a:spLocks noGrp="1"/>
-          </p:cNvSpPr>
-          <p:nvPr>
-            <p:ph idx="1"/>
-          </p:nvPr>
-        </p:nvSpPr>
-        <p:spPr>
-          <a:xfrm>
-            <a:off x="1097280" y="1845734"/>
-            <a:ext cx="10058400" cy="1226823"/>
-          </a:xfrm>
-        </p:spPr>
-        <p:txBody>
-          <a:bodyPr/>
-          <a:lstStyle/>
-          <a:p>
-            <a:r>
-              <a:rPr lang="ru-RU" dirty="0"/>
-              <a:t>Модификация алгоритма состоит в распараллеливании 2 и 3 шага алгоритма. На 2 шаге алгоритма параллельно вычисляются два ряда чисел. На 3 шаге был сделан параллельный поиск результата с начала и с конца ряда.</a:t>
-            </a:r>
-          </a:p>
-        </p:txBody>
-      </p:sp>
       <p:graphicFrame>
         <p:nvGraphicFramePr>
           <p:cNvPr id="4" name="Диаграмма 3">
@@ -17424,14 +18101,14 @@
           <p:nvPr>
             <p:extLst>
               <p:ext uri="{D42A27DB-BD31-4B8C-83A1-F6EECF244321}">
-                <p14:modId xmlns:p14="http://schemas.microsoft.com/office/powerpoint/2010/main" val="2528860450"/>
+                <p14:modId xmlns:p14="http://schemas.microsoft.com/office/powerpoint/2010/main" val="822014889"/>
               </p:ext>
             </p:extLst>
           </p:nvPr>
         </p:nvGraphicFramePr>
         <p:xfrm>
-          <a:off x="192854" y="3072558"/>
-          <a:ext cx="5574030" cy="3167896"/>
+          <a:off x="-1" y="2119247"/>
+          <a:ext cx="6095999" cy="3782199"/>
         </p:xfrm>
         <a:graphic>
           <a:graphicData uri="http://schemas.openxmlformats.org/drawingml/2006/chart">
@@ -17452,14 +18129,14 @@
           <p:nvPr>
             <p:extLst>
               <p:ext uri="{D42A27DB-BD31-4B8C-83A1-F6EECF244321}">
-                <p14:modId xmlns:p14="http://schemas.microsoft.com/office/powerpoint/2010/main" val="3735256545"/>
+                <p14:modId xmlns:p14="http://schemas.microsoft.com/office/powerpoint/2010/main" val="3048547474"/>
               </p:ext>
             </p:extLst>
           </p:nvPr>
         </p:nvGraphicFramePr>
         <p:xfrm>
-          <a:off x="6380666" y="3072557"/>
-          <a:ext cx="5618480" cy="3167897"/>
+          <a:off x="6096000" y="2119248"/>
+          <a:ext cx="6096000" cy="3782199"/>
         </p:xfrm>
         <a:graphic>
           <a:graphicData uri="http://schemas.openxmlformats.org/drawingml/2006/chart">
@@ -17537,152 +18214,6 @@
           </a:p>
         </p:txBody>
       </p:sp>
-      <mc:AlternateContent xmlns:mc="http://schemas.openxmlformats.org/markup-compatibility/2006" xmlns:a14="http://schemas.microsoft.com/office/drawing/2010/main">
-        <mc:Choice Requires="a14">
-          <p:sp>
-            <p:nvSpPr>
-              <p:cNvPr id="6" name="Объект 5">
-                <a:extLst>
-                  <a:ext uri="{FF2B5EF4-FFF2-40B4-BE49-F238E27FC236}">
-                    <a16:creationId xmlns:a16="http://schemas.microsoft.com/office/drawing/2014/main" id="{F7582008-18A5-43BA-8F9D-438BBF75A4ED}"/>
-                  </a:ext>
-                </a:extLst>
-              </p:cNvPr>
-              <p:cNvSpPr>
-                <a:spLocks noGrp="1"/>
-              </p:cNvSpPr>
-              <p:nvPr>
-                <p:ph idx="1"/>
-              </p:nvPr>
-            </p:nvSpPr>
-            <p:spPr>
-              <a:xfrm>
-                <a:off x="1097280" y="1845734"/>
-                <a:ext cx="10058400" cy="1583266"/>
-              </a:xfrm>
-            </p:spPr>
-            <p:txBody>
-              <a:bodyPr/>
-              <a:lstStyle/>
-              <a:p>
-                <a:r>
-                  <a:rPr lang="ru-RU" dirty="0"/>
-                  <a:t>Была реализована модификация алгоритма, состоящая в том, что на 1 шаге алгоритма число </a:t>
-                </a:r>
-                <a14:m>
-                  <m:oMath xmlns:m="http://schemas.openxmlformats.org/officeDocument/2006/math">
-                    <m:r>
-                      <a:rPr lang="ru-RU" b="1" i="1" smtClean="0">
-                        <a:latin typeface="Cambria Math" panose="02040503050406030204" pitchFamily="18" charset="0"/>
-                        <a:ea typeface="Cambria Math" panose="02040503050406030204" pitchFamily="18" charset="0"/>
-                      </a:rPr>
-                      <m:t>𝝋</m:t>
-                    </m:r>
-                    <m:d>
-                      <m:dPr>
-                        <m:ctrlPr>
-                          <a:rPr lang="ru-RU" b="1" i="1" smtClean="0">
-                            <a:latin typeface="Cambria Math" panose="02040503050406030204" pitchFamily="18" charset="0"/>
-                            <a:ea typeface="Cambria Math" panose="02040503050406030204" pitchFamily="18" charset="0"/>
-                          </a:rPr>
-                        </m:ctrlPr>
-                      </m:dPr>
-                      <m:e>
-                        <m:r>
-                          <a:rPr lang="en-US" b="1" i="1" smtClean="0">
-                            <a:latin typeface="Cambria Math" panose="02040503050406030204" pitchFamily="18" charset="0"/>
-                            <a:ea typeface="Cambria Math" panose="02040503050406030204" pitchFamily="18" charset="0"/>
-                          </a:rPr>
-                          <m:t>𝒑</m:t>
-                        </m:r>
-                      </m:e>
-                    </m:d>
-                    <m:r>
-                      <a:rPr lang="en-US" b="1" i="1" smtClean="0">
-                        <a:latin typeface="Cambria Math" panose="02040503050406030204" pitchFamily="18" charset="0"/>
-                        <a:ea typeface="Cambria Math" panose="02040503050406030204" pitchFamily="18" charset="0"/>
-                      </a:rPr>
-                      <m:t>=</m:t>
-                    </m:r>
-                    <m:r>
-                      <a:rPr lang="en-US" b="1" i="1" smtClean="0">
-                        <a:latin typeface="Cambria Math" panose="02040503050406030204" pitchFamily="18" charset="0"/>
-                        <a:ea typeface="Cambria Math" panose="02040503050406030204" pitchFamily="18" charset="0"/>
-                      </a:rPr>
-                      <m:t>𝒑</m:t>
-                    </m:r>
-                    <m:r>
-                      <a:rPr lang="en-US" b="1" i="1" smtClean="0">
-                        <a:latin typeface="Cambria Math" panose="02040503050406030204" pitchFamily="18" charset="0"/>
-                        <a:ea typeface="Cambria Math" panose="02040503050406030204" pitchFamily="18" charset="0"/>
-                      </a:rPr>
-                      <m:t>−</m:t>
-                    </m:r>
-                    <m:r>
-                      <a:rPr lang="en-US" b="1" i="1" smtClean="0">
-                        <a:latin typeface="Cambria Math" panose="02040503050406030204" pitchFamily="18" charset="0"/>
-                        <a:ea typeface="Cambria Math" panose="02040503050406030204" pitchFamily="18" charset="0"/>
-                      </a:rPr>
-                      <m:t>𝟏</m:t>
-                    </m:r>
-                  </m:oMath>
-                </a14:m>
-                <a:r>
-                  <a:rPr lang="ru-RU" b="1" dirty="0"/>
-                  <a:t> </a:t>
-                </a:r>
-                <a:r>
-                  <a:rPr lang="ru-RU" dirty="0"/>
-                  <a:t>было разложено на простые множители и данные простые множители были возведены в свои степени, чтобы на 2 шаге была составлена таблица из единичных значений без степеней.</a:t>
-                </a:r>
-              </a:p>
-            </p:txBody>
-          </p:sp>
-        </mc:Choice>
-        <mc:Fallback xmlns="">
-          <p:sp>
-            <p:nvSpPr>
-              <p:cNvPr id="6" name="Объект 5">
-                <a:extLst>
-                  <a:ext uri="{FF2B5EF4-FFF2-40B4-BE49-F238E27FC236}">
-                    <a16:creationId xmlns:a16="http://schemas.microsoft.com/office/drawing/2014/main" id="{F7582008-18A5-43BA-8F9D-438BBF75A4ED}"/>
-                  </a:ext>
-                </a:extLst>
-              </p:cNvPr>
-              <p:cNvSpPr>
-                <a:spLocks noGrp="1" noRot="1" noChangeAspect="1" noMove="1" noResize="1" noEditPoints="1" noAdjustHandles="1" noChangeArrowheads="1" noChangeShapeType="1" noTextEdit="1"/>
-              </p:cNvSpPr>
-              <p:nvPr>
-                <p:ph idx="1"/>
-              </p:nvPr>
-            </p:nvSpPr>
-            <p:spPr>
-              <a:xfrm>
-                <a:off x="1097280" y="1845734"/>
-                <a:ext cx="10058400" cy="1583266"/>
-              </a:xfrm>
-              <a:blipFill>
-                <a:blip r:embed="rId2"/>
-                <a:stretch>
-                  <a:fillRect l="-606" t="-4231" r="-2000"/>
-                </a:stretch>
-              </a:blipFill>
-            </p:spPr>
-            <p:txBody>
-              <a:bodyPr/>
-              <a:lstStyle/>
-              <a:p>
-                <a:r>
-                  <a:rPr lang="ru-RU">
-                    <a:noFill/>
-                  </a:rPr>
-                  <a:t> </a:t>
-                </a:r>
-              </a:p>
-            </p:txBody>
-          </p:sp>
-        </mc:Fallback>
-      </mc:AlternateContent>
       <p:graphicFrame>
         <p:nvGraphicFramePr>
           <p:cNvPr id="4" name="Диаграмма 3">
@@ -17696,18 +18227,18 @@
           <p:nvPr>
             <p:extLst>
               <p:ext uri="{D42A27DB-BD31-4B8C-83A1-F6EECF244321}">
-                <p14:modId xmlns:p14="http://schemas.microsoft.com/office/powerpoint/2010/main" val="4198505424"/>
+                <p14:modId xmlns:p14="http://schemas.microsoft.com/office/powerpoint/2010/main" val="307879530"/>
               </p:ext>
             </p:extLst>
           </p:nvPr>
         </p:nvGraphicFramePr>
         <p:xfrm>
-          <a:off x="367801" y="3418066"/>
-          <a:ext cx="5588635" cy="2796387"/>
+          <a:off x="0" y="1926492"/>
+          <a:ext cx="6096000" cy="3994410"/>
         </p:xfrm>
         <a:graphic>
           <a:graphicData uri="http://schemas.openxmlformats.org/drawingml/2006/chart">
-            <c:chart xmlns:c="http://schemas.openxmlformats.org/drawingml/2006/chart" xmlns:r="http://schemas.openxmlformats.org/officeDocument/2006/relationships" r:id="rId3"/>
+            <c:chart xmlns:c="http://schemas.openxmlformats.org/drawingml/2006/chart" xmlns:r="http://schemas.openxmlformats.org/officeDocument/2006/relationships" r:id="rId2"/>
           </a:graphicData>
         </a:graphic>
       </p:graphicFrame>
@@ -17724,18 +18255,18 @@
           <p:nvPr>
             <p:extLst>
               <p:ext uri="{D42A27DB-BD31-4B8C-83A1-F6EECF244321}">
-                <p14:modId xmlns:p14="http://schemas.microsoft.com/office/powerpoint/2010/main" val="2108519107"/>
+                <p14:modId xmlns:p14="http://schemas.microsoft.com/office/powerpoint/2010/main" val="604559203"/>
               </p:ext>
             </p:extLst>
           </p:nvPr>
         </p:nvGraphicFramePr>
         <p:xfrm>
-          <a:off x="6126480" y="3429001"/>
-          <a:ext cx="5996940" cy="2785452"/>
+          <a:off x="6096000" y="1926492"/>
+          <a:ext cx="6096000" cy="3994410"/>
         </p:xfrm>
         <a:graphic>
           <a:graphicData uri="http://schemas.openxmlformats.org/drawingml/2006/chart">
-            <c:chart xmlns:c="http://schemas.openxmlformats.org/drawingml/2006/chart" xmlns:r="http://schemas.openxmlformats.org/officeDocument/2006/relationships" r:id="rId4"/>
+            <c:chart xmlns:c="http://schemas.openxmlformats.org/drawingml/2006/chart" xmlns:r="http://schemas.openxmlformats.org/officeDocument/2006/relationships" r:id="rId3"/>
           </a:graphicData>
         </a:graphic>
       </p:graphicFrame>
@@ -17815,197 +18346,6 @@
           </a:p>
         </p:txBody>
       </p:sp>
-      <mc:AlternateContent xmlns:mc="http://schemas.openxmlformats.org/markup-compatibility/2006" xmlns:a14="http://schemas.microsoft.com/office/drawing/2010/main">
-        <mc:Choice Requires="a14">
-          <p:sp>
-            <p:nvSpPr>
-              <p:cNvPr id="6" name="Объект 5">
-                <a:extLst>
-                  <a:ext uri="{FF2B5EF4-FFF2-40B4-BE49-F238E27FC236}">
-                    <a16:creationId xmlns:a16="http://schemas.microsoft.com/office/drawing/2014/main" id="{F3979CEC-53A4-4C9E-A98F-40B01FF181D2}"/>
-                  </a:ext>
-                </a:extLst>
-              </p:cNvPr>
-              <p:cNvSpPr>
-                <a:spLocks noGrp="1"/>
-              </p:cNvSpPr>
-              <p:nvPr>
-                <p:ph idx="1"/>
-              </p:nvPr>
-            </p:nvSpPr>
-            <p:spPr>
-              <a:xfrm>
-                <a:off x="1097280" y="1845734"/>
-                <a:ext cx="10058400" cy="1583266"/>
-              </a:xfrm>
-            </p:spPr>
-            <p:txBody>
-              <a:bodyPr/>
-              <a:lstStyle/>
-              <a:p>
-                <a:r>
-                  <a:rPr lang="ru-RU" dirty="0"/>
-                  <a:t>Была реализована модификация алгоритма, состоящая в том, что на 4 шаге алгоритма увеличилась степень вычисляемого </a:t>
-                </a:r>
-                <a14:m>
-                  <m:oMath xmlns:m="http://schemas.openxmlformats.org/officeDocument/2006/math">
-                    <m:r>
-                      <a:rPr lang="en-US" b="0" i="1" smtClean="0">
-                        <a:latin typeface="Cambria Math" panose="02040503050406030204" pitchFamily="18" charset="0"/>
-                      </a:rPr>
-                      <m:t>𝑥</m:t>
-                    </m:r>
-                    <m:r>
-                      <a:rPr lang="en-US" b="0" i="1" smtClean="0">
-                        <a:latin typeface="Cambria Math" panose="02040503050406030204" pitchFamily="18" charset="0"/>
-                      </a:rPr>
-                      <m:t>=</m:t>
-                    </m:r>
-                    <m:d>
-                      <m:dPr>
-                        <m:ctrlPr>
-                          <a:rPr lang="en-US" b="0" i="1" smtClean="0">
-                            <a:latin typeface="Cambria Math" panose="02040503050406030204" pitchFamily="18" charset="0"/>
-                          </a:rPr>
-                        </m:ctrlPr>
-                      </m:dPr>
-                      <m:e>
-                        <m:sSup>
-                          <m:sSupPr>
-                            <m:ctrlPr>
-                              <a:rPr lang="en-US" b="0" i="1" smtClean="0">
-                                <a:latin typeface="Cambria Math" panose="02040503050406030204" pitchFamily="18" charset="0"/>
-                              </a:rPr>
-                            </m:ctrlPr>
-                          </m:sSupPr>
-                          <m:e>
-                            <m:r>
-                              <a:rPr lang="en-US" b="0" i="1" smtClean="0">
-                                <a:latin typeface="Cambria Math" panose="02040503050406030204" pitchFamily="18" charset="0"/>
-                              </a:rPr>
-                              <m:t>𝑥</m:t>
-                            </m:r>
-                          </m:e>
-                          <m:sup>
-                            <m:r>
-                              <a:rPr lang="en-US" b="0" i="1" smtClean="0">
-                                <a:latin typeface="Cambria Math" panose="02040503050406030204" pitchFamily="18" charset="0"/>
-                              </a:rPr>
-                              <m:t>3</m:t>
-                            </m:r>
-                          </m:sup>
-                        </m:sSup>
-                        <m:r>
-                          <a:rPr lang="en-US" b="0" i="1" smtClean="0">
-                            <a:latin typeface="Cambria Math" panose="02040503050406030204" pitchFamily="18" charset="0"/>
-                          </a:rPr>
-                          <m:t>−1</m:t>
-                        </m:r>
-                      </m:e>
-                    </m:d>
-                    <m:r>
-                      <a:rPr lang="en-US" b="0" i="1" smtClean="0">
-                        <a:latin typeface="Cambria Math" panose="02040503050406030204" pitchFamily="18" charset="0"/>
-                      </a:rPr>
-                      <m:t> </m:t>
-                    </m:r>
-                    <m:d>
-                      <m:dPr>
-                        <m:ctrlPr>
-                          <a:rPr lang="en-US" b="0" i="1" smtClean="0">
-                            <a:latin typeface="Cambria Math" panose="02040503050406030204" pitchFamily="18" charset="0"/>
-                          </a:rPr>
-                        </m:ctrlPr>
-                      </m:dPr>
-                      <m:e>
-                        <m:r>
-                          <a:rPr lang="en-US" b="0" i="1" smtClean="0">
-                            <a:latin typeface="Cambria Math" panose="02040503050406030204" pitchFamily="18" charset="0"/>
-                          </a:rPr>
-                          <m:t>𝑚𝑜𝑑</m:t>
-                        </m:r>
-                        <m:r>
-                          <a:rPr lang="en-US" b="0" i="1" smtClean="0">
-                            <a:latin typeface="Cambria Math" panose="02040503050406030204" pitchFamily="18" charset="0"/>
-                          </a:rPr>
-                          <m:t> </m:t>
-                        </m:r>
-                        <m:r>
-                          <a:rPr lang="en-US" b="0" i="1" smtClean="0">
-                            <a:latin typeface="Cambria Math" panose="02040503050406030204" pitchFamily="18" charset="0"/>
-                          </a:rPr>
-                          <m:t>𝑁</m:t>
-                        </m:r>
-                      </m:e>
-                    </m:d>
-                  </m:oMath>
-                </a14:m>
-                <a:r>
-                  <a:rPr lang="ru-RU" dirty="0"/>
-                  <a:t>. При вычислении </a:t>
-                </a:r>
-                <a14:m>
-                  <m:oMath xmlns:m="http://schemas.openxmlformats.org/officeDocument/2006/math">
-                    <m:r>
-                      <a:rPr lang="en-US" b="0" i="1" smtClean="0">
-                        <a:latin typeface="Cambria Math" panose="02040503050406030204" pitchFamily="18" charset="0"/>
-                      </a:rPr>
-                      <m:t>𝑥</m:t>
-                    </m:r>
-                  </m:oMath>
-                </a14:m>
-                <a:r>
-                  <a:rPr lang="ru-RU" dirty="0"/>
-                  <a:t> степень полинома увеличилась до 3.</a:t>
-                </a:r>
-              </a:p>
-            </p:txBody>
-          </p:sp>
-        </mc:Choice>
-        <mc:Fallback xmlns="">
-          <p:sp>
-            <p:nvSpPr>
-              <p:cNvPr id="6" name="Объект 5">
-                <a:extLst>
-                  <a:ext uri="{FF2B5EF4-FFF2-40B4-BE49-F238E27FC236}">
-                    <a16:creationId xmlns:a16="http://schemas.microsoft.com/office/drawing/2014/main" id="{F3979CEC-53A4-4C9E-A98F-40B01FF181D2}"/>
-                  </a:ext>
-                </a:extLst>
-              </p:cNvPr>
-              <p:cNvSpPr>
-                <a:spLocks noGrp="1" noRot="1" noChangeAspect="1" noMove="1" noResize="1" noEditPoints="1" noAdjustHandles="1" noChangeArrowheads="1" noChangeShapeType="1" noTextEdit="1"/>
-              </p:cNvSpPr>
-              <p:nvPr>
-                <p:ph idx="1"/>
-              </p:nvPr>
-            </p:nvSpPr>
-            <p:spPr>
-              <a:xfrm>
-                <a:off x="1097280" y="1845734"/>
-                <a:ext cx="10058400" cy="1583266"/>
-              </a:xfrm>
-              <a:blipFill>
-                <a:blip r:embed="rId2"/>
-                <a:stretch>
-                  <a:fillRect l="-606" t="-4231"/>
-                </a:stretch>
-              </a:blipFill>
-            </p:spPr>
-            <p:txBody>
-              <a:bodyPr/>
-              <a:lstStyle/>
-              <a:p>
-                <a:r>
-                  <a:rPr lang="ru-RU">
-                    <a:noFill/>
-                  </a:rPr>
-                  <a:t> </a:t>
-                </a:r>
-              </a:p>
-            </p:txBody>
-          </p:sp>
-        </mc:Fallback>
-      </mc:AlternateContent>
       <p:graphicFrame>
         <p:nvGraphicFramePr>
           <p:cNvPr id="4" name="Диаграмма 3">
@@ -18019,18 +18359,18 @@
           <p:nvPr>
             <p:extLst>
               <p:ext uri="{D42A27DB-BD31-4B8C-83A1-F6EECF244321}">
-                <p14:modId xmlns:p14="http://schemas.microsoft.com/office/powerpoint/2010/main" val="2884654761"/>
+                <p14:modId xmlns:p14="http://schemas.microsoft.com/office/powerpoint/2010/main" val="2807841972"/>
               </p:ext>
             </p:extLst>
           </p:nvPr>
         </p:nvGraphicFramePr>
         <p:xfrm>
-          <a:off x="204979" y="3429001"/>
-          <a:ext cx="5662930" cy="2720448"/>
+          <a:off x="0" y="1950396"/>
+          <a:ext cx="6096000" cy="3918624"/>
         </p:xfrm>
         <a:graphic>
           <a:graphicData uri="http://schemas.openxmlformats.org/drawingml/2006/chart">
-            <c:chart xmlns:c="http://schemas.openxmlformats.org/drawingml/2006/chart" xmlns:r="http://schemas.openxmlformats.org/officeDocument/2006/relationships" r:id="rId3"/>
+            <c:chart xmlns:c="http://schemas.openxmlformats.org/drawingml/2006/chart" xmlns:r="http://schemas.openxmlformats.org/officeDocument/2006/relationships" r:id="rId2"/>
           </a:graphicData>
         </a:graphic>
       </p:graphicFrame>
@@ -18047,18 +18387,18 @@
           <p:nvPr>
             <p:extLst>
               <p:ext uri="{D42A27DB-BD31-4B8C-83A1-F6EECF244321}">
-                <p14:modId xmlns:p14="http://schemas.microsoft.com/office/powerpoint/2010/main" val="3130043435"/>
+                <p14:modId xmlns:p14="http://schemas.microsoft.com/office/powerpoint/2010/main" val="4247014367"/>
               </p:ext>
             </p:extLst>
           </p:nvPr>
         </p:nvGraphicFramePr>
         <p:xfrm>
-          <a:off x="6126480" y="3429001"/>
-          <a:ext cx="5801360" cy="2720448"/>
+          <a:off x="6096000" y="1950395"/>
+          <a:ext cx="6096000" cy="3918625"/>
         </p:xfrm>
         <a:graphic>
           <a:graphicData uri="http://schemas.openxmlformats.org/drawingml/2006/chart">
-            <c:chart xmlns:c="http://schemas.openxmlformats.org/drawingml/2006/chart" xmlns:r="http://schemas.openxmlformats.org/officeDocument/2006/relationships" r:id="rId4"/>
+            <c:chart xmlns:c="http://schemas.openxmlformats.org/drawingml/2006/chart" xmlns:r="http://schemas.openxmlformats.org/officeDocument/2006/relationships" r:id="rId3"/>
           </a:graphicData>
         </a:graphic>
       </p:graphicFrame>

--- a/Maga4Sem/ВКР/Защита ВКР/Для сдачи ВКР/Гусев В.Е. 09-335 ВКР магистерская работа.pptx
+++ b/Maga4Sem/ВКР/Защита ВКР/Для сдачи ВКР/Гусев В.Е. 09-335 ВКР магистерская работа.pptx
@@ -11640,7 +11640,7 @@
           <a:p>
             <a:fld id="{B8D4D28D-903D-401E-A76F-F65C78C2B95E}" type="datetimeFigureOut">
               <a:rPr lang="ru-RU" smtClean="0"/>
-              <a:t>19.06.2025</a:t>
+              <a:t>21.06.2025</a:t>
             </a:fld>
             <a:endParaRPr lang="ru-RU"/>
           </a:p>
@@ -11848,7 +11848,7 @@
           <a:p>
             <a:fld id="{B8D4D28D-903D-401E-A76F-F65C78C2B95E}" type="datetimeFigureOut">
               <a:rPr lang="ru-RU" smtClean="0"/>
-              <a:t>19.06.2025</a:t>
+              <a:t>21.06.2025</a:t>
             </a:fld>
             <a:endParaRPr lang="ru-RU"/>
           </a:p>
@@ -12104,7 +12104,7 @@
           <a:p>
             <a:fld id="{B8D4D28D-903D-401E-A76F-F65C78C2B95E}" type="datetimeFigureOut">
               <a:rPr lang="ru-RU" smtClean="0"/>
-              <a:t>19.06.2025</a:t>
+              <a:t>21.06.2025</a:t>
             </a:fld>
             <a:endParaRPr lang="ru-RU"/>
           </a:p>
@@ -12278,7 +12278,7 @@
           <a:p>
             <a:fld id="{B8D4D28D-903D-401E-A76F-F65C78C2B95E}" type="datetimeFigureOut">
               <a:rPr lang="ru-RU" smtClean="0"/>
-              <a:t>19.06.2025</a:t>
+              <a:t>21.06.2025</a:t>
             </a:fld>
             <a:endParaRPr lang="ru-RU"/>
           </a:p>
@@ -12621,7 +12621,7 @@
           <a:p>
             <a:fld id="{B8D4D28D-903D-401E-A76F-F65C78C2B95E}" type="datetimeFigureOut">
               <a:rPr lang="ru-RU" smtClean="0"/>
-              <a:t>19.06.2025</a:t>
+              <a:t>21.06.2025</a:t>
             </a:fld>
             <a:endParaRPr lang="ru-RU"/>
           </a:p>
@@ -12896,7 +12896,7 @@
           <a:p>
             <a:fld id="{B8D4D28D-903D-401E-A76F-F65C78C2B95E}" type="datetimeFigureOut">
               <a:rPr lang="ru-RU" smtClean="0"/>
-              <a:t>19.06.2025</a:t>
+              <a:t>21.06.2025</a:t>
             </a:fld>
             <a:endParaRPr lang="ru-RU"/>
           </a:p>
@@ -13275,7 +13275,7 @@
           <a:p>
             <a:fld id="{B8D4D28D-903D-401E-A76F-F65C78C2B95E}" type="datetimeFigureOut">
               <a:rPr lang="ru-RU" smtClean="0"/>
-              <a:t>19.06.2025</a:t>
+              <a:t>21.06.2025</a:t>
             </a:fld>
             <a:endParaRPr lang="ru-RU"/>
           </a:p>
@@ -13393,7 +13393,7 @@
           <a:p>
             <a:fld id="{B8D4D28D-903D-401E-A76F-F65C78C2B95E}" type="datetimeFigureOut">
               <a:rPr lang="ru-RU" smtClean="0"/>
-              <a:t>19.06.2025</a:t>
+              <a:t>21.06.2025</a:t>
             </a:fld>
             <a:endParaRPr lang="ru-RU"/>
           </a:p>
@@ -13564,7 +13564,7 @@
           <a:p>
             <a:fld id="{B8D4D28D-903D-401E-A76F-F65C78C2B95E}" type="datetimeFigureOut">
               <a:rPr lang="ru-RU" smtClean="0"/>
-              <a:t>19.06.2025</a:t>
+              <a:t>21.06.2025</a:t>
             </a:fld>
             <a:endParaRPr lang="ru-RU"/>
           </a:p>
@@ -13918,7 +13918,7 @@
           <a:p>
             <a:fld id="{B8D4D28D-903D-401E-A76F-F65C78C2B95E}" type="datetimeFigureOut">
               <a:rPr lang="ru-RU" smtClean="0"/>
-              <a:t>19.06.2025</a:t>
+              <a:t>21.06.2025</a:t>
             </a:fld>
             <a:endParaRPr lang="ru-RU"/>
           </a:p>
@@ -14300,7 +14300,7 @@
           <a:p>
             <a:fld id="{B8D4D28D-903D-401E-A76F-F65C78C2B95E}" type="datetimeFigureOut">
               <a:rPr lang="ru-RU" smtClean="0"/>
-              <a:t>19.06.2025</a:t>
+              <a:t>21.06.2025</a:t>
             </a:fld>
             <a:endParaRPr lang="ru-RU"/>
           </a:p>
@@ -14587,7 +14587,7 @@
           <a:p>
             <a:fld id="{B8D4D28D-903D-401E-A76F-F65C78C2B95E}" type="datetimeFigureOut">
               <a:rPr lang="ru-RU" smtClean="0"/>
-              <a:t>19.06.2025</a:t>
+              <a:t>21.06.2025</a:t>
             </a:fld>
             <a:endParaRPr lang="ru-RU"/>
           </a:p>
@@ -15326,13 +15326,13 @@
           <p:nvPr>
             <p:extLst>
               <p:ext uri="{D42A27DB-BD31-4B8C-83A1-F6EECF244321}">
-                <p14:modId xmlns:p14="http://schemas.microsoft.com/office/powerpoint/2010/main" val="1066785599"/>
+                <p14:modId xmlns:p14="http://schemas.microsoft.com/office/powerpoint/2010/main" val="2848088563"/>
               </p:ext>
             </p:extLst>
           </p:nvPr>
         </p:nvGraphicFramePr>
         <p:xfrm>
-          <a:off x="-1" y="1967866"/>
+          <a:off x="0" y="2591912"/>
           <a:ext cx="6095999" cy="3810364"/>
         </p:xfrm>
         <a:graphic>
@@ -15354,13 +15354,13 @@
           <p:nvPr>
             <p:extLst>
               <p:ext uri="{D42A27DB-BD31-4B8C-83A1-F6EECF244321}">
-                <p14:modId xmlns:p14="http://schemas.microsoft.com/office/powerpoint/2010/main" val="3995543732"/>
+                <p14:modId xmlns:p14="http://schemas.microsoft.com/office/powerpoint/2010/main" val="741956332"/>
               </p:ext>
             </p:extLst>
           </p:nvPr>
         </p:nvGraphicFramePr>
         <p:xfrm>
-          <a:off x="6096001" y="1967866"/>
+          <a:off x="6095999" y="2591912"/>
           <a:ext cx="6096000" cy="3810364"/>
         </p:xfrm>
         <a:graphic>
@@ -15369,6 +15369,360 @@
           </a:graphicData>
         </a:graphic>
       </p:graphicFrame>
+      <mc:AlternateContent xmlns:mc="http://schemas.openxmlformats.org/markup-compatibility/2006">
+        <mc:Choice xmlns:a14="http://schemas.microsoft.com/office/drawing/2010/main" Requires="a14">
+          <p:sp>
+            <p:nvSpPr>
+              <p:cNvPr id="6" name="TextBox 5">
+                <a:extLst>
+                  <a:ext uri="{FF2B5EF4-FFF2-40B4-BE49-F238E27FC236}">
+                    <a16:creationId xmlns:a16="http://schemas.microsoft.com/office/drawing/2014/main" id="{F5E2F321-40FE-4C52-8140-4797BFCC576D}"/>
+                  </a:ext>
+                </a:extLst>
+              </p:cNvPr>
+              <p:cNvSpPr txBox="1"/>
+              <p:nvPr/>
+            </p:nvSpPr>
+            <p:spPr>
+              <a:xfrm>
+                <a:off x="2981551" y="1949705"/>
+                <a:ext cx="6357463" cy="429798"/>
+              </a:xfrm>
+              <a:prstGeom prst="rect">
+                <a:avLst/>
+              </a:prstGeom>
+              <a:noFill/>
+            </p:spPr>
+            <p:txBody>
+              <a:bodyPr wrap="square">
+                <a:spAutoFit/>
+              </a:bodyPr>
+              <a:lstStyle/>
+              <a:p>
+                <a:pPr/>
+                <a14:m>
+                  <m:oMath xmlns:m="http://schemas.openxmlformats.org/officeDocument/2006/math">
+                    <m:r>
+                      <a:rPr lang="ru-RU" i="1"/>
+                      <m:t>𝑞</m:t>
+                    </m:r>
+                    <m:r>
+                      <a:rPr lang="ru-RU" i="1"/>
+                      <m:t>≤</m:t>
+                    </m:r>
+                    <m:r>
+                      <a:rPr lang="ru-RU" i="1"/>
+                      <m:t>𝐵</m:t>
+                    </m:r>
+                    <m:r>
+                      <a:rPr lang="ru-RU" i="1"/>
+                      <m:t>=</m:t>
+                    </m:r>
+                    <m:sSup>
+                      <m:sSupPr>
+                        <m:ctrlPr>
+                          <a:rPr lang="ru-RU" i="1"/>
+                        </m:ctrlPr>
+                      </m:sSupPr>
+                      <m:e>
+                        <m:r>
+                          <a:rPr lang="ru-RU" i="1"/>
+                          <m:t>𝑒</m:t>
+                        </m:r>
+                      </m:e>
+                      <m:sup>
+                        <m:r>
+                          <a:rPr lang="ru-RU" i="1"/>
+                          <m:t>𝑐𝑜𝑛𝑠𝑡</m:t>
+                        </m:r>
+                        <m:rad>
+                          <m:radPr>
+                            <m:degHide m:val="on"/>
+                            <m:ctrlPr>
+                              <a:rPr lang="ru-RU" i="1"/>
+                            </m:ctrlPr>
+                          </m:radPr>
+                          <m:deg/>
+                          <m:e>
+                            <m:func>
+                              <m:funcPr>
+                                <m:ctrlPr>
+                                  <a:rPr lang="ru-RU" i="1"/>
+                                </m:ctrlPr>
+                              </m:funcPr>
+                              <m:fName>
+                                <m:r>
+                                  <m:rPr>
+                                    <m:sty m:val="p"/>
+                                  </m:rPr>
+                                  <a:rPr lang="ru-RU"/>
+                                  <m:t>log</m:t>
+                                </m:r>
+                              </m:fName>
+                              <m:e>
+                                <m:r>
+                                  <a:rPr lang="ru-RU" i="1"/>
+                                  <m:t>𝑝</m:t>
+                                </m:r>
+                              </m:e>
+                            </m:func>
+                            <m:func>
+                              <m:funcPr>
+                                <m:ctrlPr>
+                                  <a:rPr lang="ru-RU" b="1" i="1"/>
+                                </m:ctrlPr>
+                              </m:funcPr>
+                              <m:fName>
+                                <m:r>
+                                  <a:rPr lang="ru-RU" b="1" i="1"/>
+                                  <m:t>𝒍𝒐𝒈</m:t>
+                                </m:r>
+                              </m:fName>
+                              <m:e>
+                                <m:func>
+                                  <m:funcPr>
+                                    <m:ctrlPr>
+                                      <a:rPr lang="ru-RU" b="1" i="1"/>
+                                    </m:ctrlPr>
+                                  </m:funcPr>
+                                  <m:fName>
+                                    <m:r>
+                                      <a:rPr lang="ru-RU" b="1" i="1"/>
+                                      <m:t>𝒍𝒐𝒈</m:t>
+                                    </m:r>
+                                  </m:fName>
+                                  <m:e>
+                                    <m:r>
+                                      <a:rPr lang="ru-RU" b="1" i="1"/>
+                                      <m:t>𝒑</m:t>
+                                    </m:r>
+                                  </m:e>
+                                </m:func>
+                              </m:e>
+                            </m:func>
+                          </m:e>
+                        </m:rad>
+                      </m:sup>
+                    </m:sSup>
+                  </m:oMath>
+                </a14:m>
+                <a:r>
+                  <a:rPr lang="en-US" dirty="0"/>
+                  <a:t> =&gt; </a:t>
+                </a:r>
+                <a14:m>
+                  <m:oMath xmlns:m="http://schemas.openxmlformats.org/officeDocument/2006/math">
+                    <m:r>
+                      <a:rPr lang="ru-RU" i="1" smtClean="0">
+                        <a:latin typeface="Cambria Math" panose="02040503050406030204" pitchFamily="18" charset="0"/>
+                      </a:rPr>
+                      <m:t>𝑞</m:t>
+                    </m:r>
+                    <m:r>
+                      <a:rPr lang="ru-RU" i="0">
+                        <a:latin typeface="Cambria Math" panose="02040503050406030204" pitchFamily="18" charset="0"/>
+                      </a:rPr>
+                      <m:t>≤</m:t>
+                    </m:r>
+                    <m:r>
+                      <a:rPr lang="ru-RU" i="1">
+                        <a:latin typeface="Cambria Math" panose="02040503050406030204" pitchFamily="18" charset="0"/>
+                      </a:rPr>
+                      <m:t>𝐵</m:t>
+                    </m:r>
+                    <m:r>
+                      <a:rPr lang="ru-RU" i="0">
+                        <a:latin typeface="Cambria Math" panose="02040503050406030204" pitchFamily="18" charset="0"/>
+                      </a:rPr>
+                      <m:t>=</m:t>
+                    </m:r>
+                    <m:sSup>
+                      <m:sSupPr>
+                        <m:ctrlPr>
+                          <a:rPr lang="ru-RU" i="1">
+                            <a:solidFill>
+                              <a:srgbClr val="836967"/>
+                            </a:solidFill>
+                            <a:latin typeface="Cambria Math" panose="02040503050406030204" pitchFamily="18" charset="0"/>
+                          </a:rPr>
+                        </m:ctrlPr>
+                      </m:sSupPr>
+                      <m:e>
+                        <m:r>
+                          <a:rPr lang="ru-RU" i="1">
+                            <a:latin typeface="Cambria Math" panose="02040503050406030204" pitchFamily="18" charset="0"/>
+                          </a:rPr>
+                          <m:t>𝑒</m:t>
+                        </m:r>
+                      </m:e>
+                      <m:sup>
+                        <m:r>
+                          <a:rPr lang="ru-RU" i="1">
+                            <a:latin typeface="Cambria Math" panose="02040503050406030204" pitchFamily="18" charset="0"/>
+                          </a:rPr>
+                          <m:t>𝑐𝑜𝑛𝑠𝑡</m:t>
+                        </m:r>
+                        <m:rad>
+                          <m:radPr>
+                            <m:degHide m:val="on"/>
+                            <m:ctrlPr>
+                              <a:rPr lang="ru-RU" i="1">
+                                <a:solidFill>
+                                  <a:srgbClr val="836967"/>
+                                </a:solidFill>
+                                <a:latin typeface="Cambria Math" panose="02040503050406030204" pitchFamily="18" charset="0"/>
+                              </a:rPr>
+                            </m:ctrlPr>
+                          </m:radPr>
+                          <m:deg/>
+                          <m:e>
+                            <m:func>
+                              <m:funcPr>
+                                <m:ctrlPr>
+                                  <a:rPr lang="ru-RU" i="1">
+                                    <a:latin typeface="Cambria Math" panose="02040503050406030204" pitchFamily="18" charset="0"/>
+                                  </a:rPr>
+                                </m:ctrlPr>
+                              </m:funcPr>
+                              <m:fName>
+                                <m:r>
+                                  <m:rPr>
+                                    <m:sty m:val="p"/>
+                                  </m:rPr>
+                                  <a:rPr lang="ru-RU" i="0">
+                                    <a:latin typeface="Cambria Math" panose="02040503050406030204" pitchFamily="18" charset="0"/>
+                                  </a:rPr>
+                                  <m:t>log</m:t>
+                                </m:r>
+                              </m:fName>
+                              <m:e>
+                                <m:r>
+                                  <a:rPr lang="ru-RU" i="1">
+                                    <a:latin typeface="Cambria Math" panose="02040503050406030204" pitchFamily="18" charset="0"/>
+                                  </a:rPr>
+                                  <m:t>𝑝</m:t>
+                                </m:r>
+                              </m:e>
+                            </m:func>
+                            <m:func>
+                              <m:funcPr>
+                                <m:ctrlPr>
+                                  <a:rPr lang="ru-RU" b="1" i="1">
+                                    <a:latin typeface="Cambria Math" panose="02040503050406030204" pitchFamily="18" charset="0"/>
+                                  </a:rPr>
+                                </m:ctrlPr>
+                              </m:funcPr>
+                              <m:fName>
+                                <m:r>
+                                  <a:rPr lang="ru-RU" b="1" i="1">
+                                    <a:latin typeface="Cambria Math" panose="02040503050406030204" pitchFamily="18" charset="0"/>
+                                  </a:rPr>
+                                  <m:t>𝒍𝒐𝒈</m:t>
+                                </m:r>
+                              </m:fName>
+                              <m:e>
+                                <m:func>
+                                  <m:funcPr>
+                                    <m:ctrlPr>
+                                      <a:rPr lang="ru-RU" b="1" i="1">
+                                        <a:latin typeface="Cambria Math" panose="02040503050406030204" pitchFamily="18" charset="0"/>
+                                      </a:rPr>
+                                    </m:ctrlPr>
+                                  </m:funcPr>
+                                  <m:fName>
+                                    <m:r>
+                                      <a:rPr lang="ru-RU" b="1" i="1">
+                                        <a:latin typeface="Cambria Math" panose="02040503050406030204" pitchFamily="18" charset="0"/>
+                                      </a:rPr>
+                                      <m:t>𝒍𝒐𝒈</m:t>
+                                    </m:r>
+                                  </m:fName>
+                                  <m:e>
+                                    <m:func>
+                                      <m:funcPr>
+                                        <m:ctrlPr>
+                                          <a:rPr lang="ru-RU" b="1" i="1">
+                                            <a:latin typeface="Cambria Math" panose="02040503050406030204" pitchFamily="18" charset="0"/>
+                                          </a:rPr>
+                                        </m:ctrlPr>
+                                      </m:funcPr>
+                                      <m:fName>
+                                        <m:r>
+                                          <a:rPr lang="ru-RU" b="1" i="1">
+                                            <a:latin typeface="Cambria Math" panose="02040503050406030204" pitchFamily="18" charset="0"/>
+                                          </a:rPr>
+                                          <m:t>𝒍𝒐𝒈</m:t>
+                                        </m:r>
+                                      </m:fName>
+                                      <m:e>
+                                        <m:r>
+                                          <a:rPr lang="ru-RU" b="1" i="1">
+                                            <a:latin typeface="Cambria Math" panose="02040503050406030204" pitchFamily="18" charset="0"/>
+                                          </a:rPr>
+                                          <m:t>𝒑</m:t>
+                                        </m:r>
+                                      </m:e>
+                                    </m:func>
+                                  </m:e>
+                                </m:func>
+                              </m:e>
+                            </m:func>
+                          </m:e>
+                        </m:rad>
+                      </m:sup>
+                    </m:sSup>
+                  </m:oMath>
+                </a14:m>
+                <a:endParaRPr lang="ru-RU" dirty="0"/>
+              </a:p>
+            </p:txBody>
+          </p:sp>
+        </mc:Choice>
+        <mc:Fallback>
+          <p:sp>
+            <p:nvSpPr>
+              <p:cNvPr id="6" name="TextBox 5">
+                <a:extLst>
+                  <a:ext uri="{FF2B5EF4-FFF2-40B4-BE49-F238E27FC236}">
+                    <a16:creationId xmlns:a16="http://schemas.microsoft.com/office/drawing/2014/main" id="{F5E2F321-40FE-4C52-8140-4797BFCC576D}"/>
+                  </a:ext>
+                </a:extLst>
+              </p:cNvPr>
+              <p:cNvSpPr txBox="1">
+                <a:spLocks noRot="1" noChangeAspect="1" noMove="1" noResize="1" noEditPoints="1" noAdjustHandles="1" noChangeArrowheads="1" noChangeShapeType="1" noTextEdit="1"/>
+              </p:cNvSpPr>
+              <p:nvPr/>
+            </p:nvSpPr>
+            <p:spPr>
+              <a:xfrm>
+                <a:off x="2981551" y="1949705"/>
+                <a:ext cx="6357463" cy="429798"/>
+              </a:xfrm>
+              <a:prstGeom prst="rect">
+                <a:avLst/>
+              </a:prstGeom>
+              <a:blipFill>
+                <a:blip r:embed="rId4"/>
+                <a:stretch>
+                  <a:fillRect b="-22857"/>
+                </a:stretch>
+              </a:blipFill>
+            </p:spPr>
+            <p:txBody>
+              <a:bodyPr/>
+              <a:lstStyle/>
+              <a:p>
+                <a:r>
+                  <a:rPr lang="ru-RU">
+                    <a:noFill/>
+                  </a:rPr>
+                  <a:t> </a:t>
+                </a:r>
+              </a:p>
+            </p:txBody>
+          </p:sp>
+        </mc:Fallback>
+      </mc:AlternateContent>
     </p:spTree>
     <p:extLst>
       <p:ext uri="{BB962C8B-B14F-4D97-AF65-F5344CB8AC3E}">
@@ -15452,14 +15806,14 @@
           <p:nvPr>
             <p:extLst>
               <p:ext uri="{D42A27DB-BD31-4B8C-83A1-F6EECF244321}">
-                <p14:modId xmlns:p14="http://schemas.microsoft.com/office/powerpoint/2010/main" val="3762668651"/>
+                <p14:modId xmlns:p14="http://schemas.microsoft.com/office/powerpoint/2010/main" val="2828556112"/>
               </p:ext>
             </p:extLst>
           </p:nvPr>
         </p:nvGraphicFramePr>
         <p:xfrm>
-          <a:off x="0" y="1995602"/>
-          <a:ext cx="6096000" cy="3802082"/>
+          <a:off x="0" y="2834070"/>
+          <a:ext cx="6096000" cy="3583326"/>
         </p:xfrm>
         <a:graphic>
           <a:graphicData uri="http://schemas.openxmlformats.org/drawingml/2006/chart">
@@ -15480,14 +15834,14 @@
           <p:nvPr>
             <p:extLst>
               <p:ext uri="{D42A27DB-BD31-4B8C-83A1-F6EECF244321}">
-                <p14:modId xmlns:p14="http://schemas.microsoft.com/office/powerpoint/2010/main" val="2919568606"/>
+                <p14:modId xmlns:p14="http://schemas.microsoft.com/office/powerpoint/2010/main" val="1724028914"/>
               </p:ext>
             </p:extLst>
           </p:nvPr>
         </p:nvGraphicFramePr>
         <p:xfrm>
-          <a:off x="6096001" y="1995601"/>
-          <a:ext cx="6096000" cy="3802083"/>
+          <a:off x="6096000" y="2834070"/>
+          <a:ext cx="6096000" cy="3583326"/>
         </p:xfrm>
         <a:graphic>
           <a:graphicData uri="http://schemas.openxmlformats.org/drawingml/2006/chart">
@@ -15495,6 +15849,505 @@
           </a:graphicData>
         </a:graphic>
       </p:graphicFrame>
+      <mc:AlternateContent xmlns:mc="http://schemas.openxmlformats.org/markup-compatibility/2006">
+        <mc:Choice xmlns:a14="http://schemas.microsoft.com/office/drawing/2010/main" Requires="a14">
+          <p:sp>
+            <p:nvSpPr>
+              <p:cNvPr id="6" name="TextBox 5">
+                <a:extLst>
+                  <a:ext uri="{FF2B5EF4-FFF2-40B4-BE49-F238E27FC236}">
+                    <a16:creationId xmlns:a16="http://schemas.microsoft.com/office/drawing/2014/main" id="{4C8B46B4-CB9D-4B3F-8707-1F3F65BB6669}"/>
+                  </a:ext>
+                </a:extLst>
+              </p:cNvPr>
+              <p:cNvSpPr txBox="1"/>
+              <p:nvPr/>
+            </p:nvSpPr>
+            <p:spPr>
+              <a:xfrm>
+                <a:off x="3048000" y="1737360"/>
+                <a:ext cx="6095276" cy="1096710"/>
+              </a:xfrm>
+              <a:prstGeom prst="rect">
+                <a:avLst/>
+              </a:prstGeom>
+              <a:noFill/>
+            </p:spPr>
+            <p:txBody>
+              <a:bodyPr wrap="square">
+                <a:spAutoFit/>
+              </a:bodyPr>
+              <a:lstStyle/>
+              <a:p>
+                <a:pPr/>
+                <a14:m>
+                  <m:oMathPara xmlns:m="http://schemas.openxmlformats.org/officeDocument/2006/math">
+                    <m:oMathParaPr>
+                      <m:jc m:val="centerGroup"/>
+                    </m:oMathParaPr>
+                    <m:oMath xmlns:m="http://schemas.openxmlformats.org/officeDocument/2006/math">
+                      <m:d>
+                        <m:dPr>
+                          <m:ctrlPr>
+                            <a:rPr lang="ru-RU" i="1" smtClean="0">
+                              <a:solidFill>
+                                <a:srgbClr val="836967"/>
+                              </a:solidFill>
+                              <a:latin typeface="Cambria Math" panose="02040503050406030204" pitchFamily="18" charset="0"/>
+                            </a:rPr>
+                          </m:ctrlPr>
+                        </m:dPr>
+                        <m:e>
+                          <m:r>
+                            <a:rPr lang="ru-RU" i="1">
+                              <a:latin typeface="Cambria Math" panose="02040503050406030204" pitchFamily="18" charset="0"/>
+                            </a:rPr>
+                            <m:t>𝐻</m:t>
+                          </m:r>
+                          <m:r>
+                            <a:rPr lang="ru-RU" i="0">
+                              <a:latin typeface="Cambria Math" panose="02040503050406030204" pitchFamily="18" charset="0"/>
+                            </a:rPr>
+                            <m:t>+</m:t>
+                          </m:r>
+                          <m:sSub>
+                            <m:sSubPr>
+                              <m:ctrlPr>
+                                <a:rPr lang="ru-RU" i="1">
+                                  <a:solidFill>
+                                    <a:srgbClr val="836967"/>
+                                  </a:solidFill>
+                                  <a:latin typeface="Cambria Math" panose="02040503050406030204" pitchFamily="18" charset="0"/>
+                                </a:rPr>
+                              </m:ctrlPr>
+                            </m:sSubPr>
+                            <m:e>
+                              <m:r>
+                                <a:rPr lang="ru-RU" i="1">
+                                  <a:latin typeface="Cambria Math" panose="02040503050406030204" pitchFamily="18" charset="0"/>
+                                </a:rPr>
+                                <m:t>𝑐</m:t>
+                              </m:r>
+                            </m:e>
+                            <m:sub>
+                              <m:r>
+                                <a:rPr lang="ru-RU" i="0">
+                                  <a:latin typeface="Cambria Math" panose="02040503050406030204" pitchFamily="18" charset="0"/>
+                                </a:rPr>
+                                <m:t>1</m:t>
+                              </m:r>
+                            </m:sub>
+                          </m:sSub>
+                        </m:e>
+                      </m:d>
+                      <m:d>
+                        <m:dPr>
+                          <m:ctrlPr>
+                            <a:rPr lang="ru-RU" i="1">
+                              <a:solidFill>
+                                <a:srgbClr val="836967"/>
+                              </a:solidFill>
+                              <a:latin typeface="Cambria Math" panose="02040503050406030204" pitchFamily="18" charset="0"/>
+                            </a:rPr>
+                          </m:ctrlPr>
+                        </m:dPr>
+                        <m:e>
+                          <m:r>
+                            <a:rPr lang="ru-RU" i="1">
+                              <a:latin typeface="Cambria Math" panose="02040503050406030204" pitchFamily="18" charset="0"/>
+                            </a:rPr>
+                            <m:t>𝐻</m:t>
+                          </m:r>
+                          <m:r>
+                            <a:rPr lang="ru-RU" i="0">
+                              <a:latin typeface="Cambria Math" panose="02040503050406030204" pitchFamily="18" charset="0"/>
+                            </a:rPr>
+                            <m:t>+</m:t>
+                          </m:r>
+                          <m:sSub>
+                            <m:sSubPr>
+                              <m:ctrlPr>
+                                <a:rPr lang="ru-RU" i="1">
+                                  <a:solidFill>
+                                    <a:srgbClr val="836967"/>
+                                  </a:solidFill>
+                                  <a:latin typeface="Cambria Math" panose="02040503050406030204" pitchFamily="18" charset="0"/>
+                                </a:rPr>
+                              </m:ctrlPr>
+                            </m:sSubPr>
+                            <m:e>
+                              <m:r>
+                                <a:rPr lang="ru-RU" i="1">
+                                  <a:latin typeface="Cambria Math" panose="02040503050406030204" pitchFamily="18" charset="0"/>
+                                </a:rPr>
+                                <m:t>𝑐</m:t>
+                              </m:r>
+                            </m:e>
+                            <m:sub>
+                              <m:r>
+                                <a:rPr lang="ru-RU" i="0">
+                                  <a:latin typeface="Cambria Math" panose="02040503050406030204" pitchFamily="18" charset="0"/>
+                                </a:rPr>
+                                <m:t>2</m:t>
+                              </m:r>
+                            </m:sub>
+                          </m:sSub>
+                        </m:e>
+                      </m:d>
+                      <m:r>
+                        <a:rPr lang="ru-RU" i="0">
+                          <a:latin typeface="Cambria Math" panose="02040503050406030204" pitchFamily="18" charset="0"/>
+                        </a:rPr>
+                        <m:t>≡</m:t>
+                      </m:r>
+                      <m:nary>
+                        <m:naryPr>
+                          <m:chr m:val="∏"/>
+                          <m:limLoc m:val="undOvr"/>
+                          <m:supHide m:val="on"/>
+                          <m:ctrlPr>
+                            <a:rPr lang="ru-RU" i="1">
+                              <a:latin typeface="Cambria Math" panose="02040503050406030204" pitchFamily="18" charset="0"/>
+                            </a:rPr>
+                          </m:ctrlPr>
+                        </m:naryPr>
+                        <m:sub>
+                          <m:eqArr>
+                            <m:eqArrPr>
+                              <m:ctrlPr>
+                                <a:rPr lang="ru-RU" i="1">
+                                  <a:solidFill>
+                                    <a:srgbClr val="836967"/>
+                                  </a:solidFill>
+                                  <a:latin typeface="Cambria Math" panose="02040503050406030204" pitchFamily="18" charset="0"/>
+                                </a:rPr>
+                              </m:ctrlPr>
+                            </m:eqArrPr>
+                            <m:e>
+                              <m:r>
+                                <a:rPr lang="ru-RU" i="0">
+                                  <a:latin typeface="Cambria Math" panose="02040503050406030204" pitchFamily="18" charset="0"/>
+                                </a:rPr>
+                                <m:t>&amp;</m:t>
+                              </m:r>
+                              <m:r>
+                                <a:rPr lang="ru-RU" i="1">
+                                  <a:latin typeface="Cambria Math" panose="02040503050406030204" pitchFamily="18" charset="0"/>
+                                </a:rPr>
+                                <m:t>𝑞</m:t>
+                              </m:r>
+                              <m:r>
+                                <a:rPr lang="ru-RU" i="0">
+                                  <a:latin typeface="Cambria Math" panose="02040503050406030204" pitchFamily="18" charset="0"/>
+                                </a:rPr>
+                                <m:t>&lt;</m:t>
+                              </m:r>
+                              <m:sSup>
+                                <m:sSupPr>
+                                  <m:ctrlPr>
+                                    <a:rPr lang="ru-RU" i="1">
+                                      <a:solidFill>
+                                        <a:srgbClr val="836967"/>
+                                      </a:solidFill>
+                                      <a:latin typeface="Cambria Math" panose="02040503050406030204" pitchFamily="18" charset="0"/>
+                                    </a:rPr>
+                                  </m:ctrlPr>
+                                </m:sSupPr>
+                                <m:e>
+                                  <m:r>
+                                    <a:rPr lang="ru-RU" i="1">
+                                      <a:latin typeface="Cambria Math" panose="02040503050406030204" pitchFamily="18" charset="0"/>
+                                    </a:rPr>
+                                    <m:t>𝐿</m:t>
+                                  </m:r>
+                                </m:e>
+                                <m:sup>
+                                  <m:f>
+                                    <m:fPr>
+                                      <m:ctrlPr>
+                                        <a:rPr lang="ru-RU" i="1">
+                                          <a:solidFill>
+                                            <a:srgbClr val="836967"/>
+                                          </a:solidFill>
+                                          <a:latin typeface="Cambria Math" panose="02040503050406030204" pitchFamily="18" charset="0"/>
+                                        </a:rPr>
+                                      </m:ctrlPr>
+                                    </m:fPr>
+                                    <m:num>
+                                      <m:r>
+                                        <a:rPr lang="ru-RU" i="0">
+                                          <a:latin typeface="Cambria Math" panose="02040503050406030204" pitchFamily="18" charset="0"/>
+                                        </a:rPr>
+                                        <m:t>1</m:t>
+                                      </m:r>
+                                    </m:num>
+                                    <m:den>
+                                      <m:r>
+                                        <a:rPr lang="ru-RU" i="0">
+                                          <a:latin typeface="Cambria Math" panose="02040503050406030204" pitchFamily="18" charset="0"/>
+                                        </a:rPr>
+                                        <m:t>2</m:t>
+                                      </m:r>
+                                    </m:den>
+                                  </m:f>
+                                </m:sup>
+                              </m:sSup>
+                              <m:r>
+                                <a:rPr lang="ru-RU" i="0">
+                                  <a:latin typeface="Cambria Math" panose="02040503050406030204" pitchFamily="18" charset="0"/>
+                                </a:rPr>
+                                <m:t>,</m:t>
+                              </m:r>
+                            </m:e>
+                            <m:e>
+                              <m:r>
+                                <a:rPr lang="ru-RU" i="0">
+                                  <a:latin typeface="Cambria Math" panose="02040503050406030204" pitchFamily="18" charset="0"/>
+                                </a:rPr>
+                                <m:t>&amp;</m:t>
+                              </m:r>
+                              <m:r>
+                                <a:rPr lang="ru-RU" i="1">
+                                  <a:latin typeface="Cambria Math" panose="02040503050406030204" pitchFamily="18" charset="0"/>
+                                </a:rPr>
+                                <m:t>𝑞</m:t>
+                              </m:r>
+                              <m:r>
+                                <a:rPr lang="ru-RU" i="0">
+                                  <a:latin typeface="Cambria Math" panose="02040503050406030204" pitchFamily="18" charset="0"/>
+                                </a:rPr>
+                                <m:t>−простое</m:t>
+                              </m:r>
+                            </m:e>
+                          </m:eqArr>
+                          <m:r>
+                            <a:rPr lang="ru-RU" i="0">
+                              <a:latin typeface="Cambria Math" panose="02040503050406030204" pitchFamily="18" charset="0"/>
+                            </a:rPr>
+                            <m:t>,</m:t>
+                          </m:r>
+                        </m:sub>
+                        <m:sup/>
+                        <m:e>
+                          <m:sSup>
+                            <m:sSupPr>
+                              <m:ctrlPr>
+                                <a:rPr lang="ru-RU" i="1">
+                                  <a:solidFill>
+                                    <a:srgbClr val="836967"/>
+                                  </a:solidFill>
+                                  <a:latin typeface="Cambria Math" panose="02040503050406030204" pitchFamily="18" charset="0"/>
+                                </a:rPr>
+                              </m:ctrlPr>
+                            </m:sSupPr>
+                            <m:e>
+                              <m:r>
+                                <a:rPr lang="ru-RU" i="1">
+                                  <a:latin typeface="Cambria Math" panose="02040503050406030204" pitchFamily="18" charset="0"/>
+                                </a:rPr>
+                                <m:t>𝑞</m:t>
+                              </m:r>
+                            </m:e>
+                            <m:sup>
+                              <m:sSub>
+                                <m:sSubPr>
+                                  <m:ctrlPr>
+                                    <a:rPr lang="ru-RU" i="1">
+                                      <a:solidFill>
+                                        <a:srgbClr val="836967"/>
+                                      </a:solidFill>
+                                      <a:latin typeface="Cambria Math" panose="02040503050406030204" pitchFamily="18" charset="0"/>
+                                    </a:rPr>
+                                  </m:ctrlPr>
+                                </m:sSubPr>
+                                <m:e>
+                                  <m:r>
+                                    <a:rPr lang="ru-RU" i="1">
+                                      <a:latin typeface="Cambria Math" panose="02040503050406030204" pitchFamily="18" charset="0"/>
+                                    </a:rPr>
+                                    <m:t>𝛼</m:t>
+                                  </m:r>
+                                </m:e>
+                                <m:sub>
+                                  <m:r>
+                                    <a:rPr lang="ru-RU" i="1">
+                                      <a:latin typeface="Cambria Math" panose="02040503050406030204" pitchFamily="18" charset="0"/>
+                                    </a:rPr>
+                                    <m:t>𝑞</m:t>
+                                  </m:r>
+                                </m:sub>
+                              </m:sSub>
+                              <m:d>
+                                <m:dPr>
+                                  <m:ctrlPr>
+                                    <a:rPr lang="ru-RU" i="1">
+                                      <a:solidFill>
+                                        <a:srgbClr val="836967"/>
+                                      </a:solidFill>
+                                      <a:latin typeface="Cambria Math" panose="02040503050406030204" pitchFamily="18" charset="0"/>
+                                    </a:rPr>
+                                  </m:ctrlPr>
+                                </m:dPr>
+                                <m:e>
+                                  <m:sSub>
+                                    <m:sSubPr>
+                                      <m:ctrlPr>
+                                        <a:rPr lang="ru-RU" i="1">
+                                          <a:solidFill>
+                                            <a:srgbClr val="836967"/>
+                                          </a:solidFill>
+                                          <a:latin typeface="Cambria Math" panose="02040503050406030204" pitchFamily="18" charset="0"/>
+                                        </a:rPr>
+                                      </m:ctrlPr>
+                                    </m:sSubPr>
+                                    <m:e>
+                                      <m:r>
+                                        <a:rPr lang="ru-RU" i="1">
+                                          <a:latin typeface="Cambria Math" panose="02040503050406030204" pitchFamily="18" charset="0"/>
+                                        </a:rPr>
+                                        <m:t>𝑐</m:t>
+                                      </m:r>
+                                    </m:e>
+                                    <m:sub>
+                                      <m:r>
+                                        <a:rPr lang="ru-RU" i="0">
+                                          <a:latin typeface="Cambria Math" panose="02040503050406030204" pitchFamily="18" charset="0"/>
+                                        </a:rPr>
+                                        <m:t>1</m:t>
+                                      </m:r>
+                                    </m:sub>
+                                  </m:sSub>
+                                  <m:r>
+                                    <a:rPr lang="ru-RU" i="0">
+                                      <a:latin typeface="Cambria Math" panose="02040503050406030204" pitchFamily="18" charset="0"/>
+                                    </a:rPr>
+                                    <m:t>,</m:t>
+                                  </m:r>
+                                  <m:sSub>
+                                    <m:sSubPr>
+                                      <m:ctrlPr>
+                                        <a:rPr lang="ru-RU" i="1">
+                                          <a:solidFill>
+                                            <a:srgbClr val="836967"/>
+                                          </a:solidFill>
+                                          <a:latin typeface="Cambria Math" panose="02040503050406030204" pitchFamily="18" charset="0"/>
+                                        </a:rPr>
+                                      </m:ctrlPr>
+                                    </m:sSubPr>
+                                    <m:e>
+                                      <m:r>
+                                        <a:rPr lang="ru-RU" i="1">
+                                          <a:latin typeface="Cambria Math" panose="02040503050406030204" pitchFamily="18" charset="0"/>
+                                        </a:rPr>
+                                        <m:t>𝑐</m:t>
+                                      </m:r>
+                                    </m:e>
+                                    <m:sub>
+                                      <m:r>
+                                        <a:rPr lang="ru-RU" i="0">
+                                          <a:latin typeface="Cambria Math" panose="02040503050406030204" pitchFamily="18" charset="0"/>
+                                        </a:rPr>
+                                        <m:t>2</m:t>
+                                      </m:r>
+                                    </m:sub>
+                                  </m:sSub>
+                                </m:e>
+                              </m:d>
+                            </m:sup>
+                          </m:sSup>
+                        </m:e>
+                      </m:nary>
+                      <m:r>
+                        <a:rPr lang="ru-RU" i="0">
+                          <a:latin typeface="Cambria Math" panose="02040503050406030204" pitchFamily="18" charset="0"/>
+                        </a:rPr>
+                        <m:t> </m:t>
+                      </m:r>
+                      <m:d>
+                        <m:dPr>
+                          <m:ctrlPr>
+                            <a:rPr lang="ru-RU" i="1">
+                              <a:solidFill>
+                                <a:srgbClr val="836967"/>
+                              </a:solidFill>
+                              <a:latin typeface="Cambria Math" panose="02040503050406030204" pitchFamily="18" charset="0"/>
+                            </a:rPr>
+                          </m:ctrlPr>
+                        </m:dPr>
+                        <m:e>
+                          <m:r>
+                            <a:rPr lang="ru-RU" i="1">
+                              <a:latin typeface="Cambria Math" panose="02040503050406030204" pitchFamily="18" charset="0"/>
+                            </a:rPr>
+                            <m:t>𝑚𝑜𝑑</m:t>
+                          </m:r>
+                          <m:r>
+                            <a:rPr lang="ru-RU" i="0">
+                              <a:latin typeface="Cambria Math" panose="02040503050406030204" pitchFamily="18" charset="0"/>
+                            </a:rPr>
+                            <m:t> </m:t>
+                          </m:r>
+                          <m:r>
+                            <a:rPr lang="ru-RU" i="1">
+                              <a:latin typeface="Cambria Math" panose="02040503050406030204" pitchFamily="18" charset="0"/>
+                            </a:rPr>
+                            <m:t>𝑝</m:t>
+                          </m:r>
+                        </m:e>
+                      </m:d>
+                    </m:oMath>
+                  </m:oMathPara>
+                </a14:m>
+                <a:endParaRPr lang="ru-RU" dirty="0"/>
+              </a:p>
+            </p:txBody>
+          </p:sp>
+        </mc:Choice>
+        <mc:Fallback>
+          <p:sp>
+            <p:nvSpPr>
+              <p:cNvPr id="6" name="TextBox 5">
+                <a:extLst>
+                  <a:ext uri="{FF2B5EF4-FFF2-40B4-BE49-F238E27FC236}">
+                    <a16:creationId xmlns:a16="http://schemas.microsoft.com/office/drawing/2014/main" id="{4C8B46B4-CB9D-4B3F-8707-1F3F65BB6669}"/>
+                  </a:ext>
+                </a:extLst>
+              </p:cNvPr>
+              <p:cNvSpPr txBox="1">
+                <a:spLocks noRot="1" noChangeAspect="1" noMove="1" noResize="1" noEditPoints="1" noAdjustHandles="1" noChangeArrowheads="1" noChangeShapeType="1" noTextEdit="1"/>
+              </p:cNvSpPr>
+              <p:nvPr/>
+            </p:nvSpPr>
+            <p:spPr>
+              <a:xfrm>
+                <a:off x="3048000" y="1737360"/>
+                <a:ext cx="6095276" cy="1096710"/>
+              </a:xfrm>
+              <a:prstGeom prst="rect">
+                <a:avLst/>
+              </a:prstGeom>
+              <a:blipFill>
+                <a:blip r:embed="rId4"/>
+                <a:stretch>
+                  <a:fillRect/>
+                </a:stretch>
+              </a:blipFill>
+            </p:spPr>
+            <p:txBody>
+              <a:bodyPr/>
+              <a:lstStyle/>
+              <a:p>
+                <a:r>
+                  <a:rPr lang="ru-RU">
+                    <a:noFill/>
+                  </a:rPr>
+                  <a:t> </a:t>
+                </a:r>
+              </a:p>
+            </p:txBody>
+          </p:sp>
+        </mc:Fallback>
+      </mc:AlternateContent>
     </p:spTree>
     <p:extLst>
       <p:ext uri="{BB962C8B-B14F-4D97-AF65-F5344CB8AC3E}">
@@ -15569,13 +16422,13 @@
           <p:nvPr>
             <p:extLst>
               <p:ext uri="{D42A27DB-BD31-4B8C-83A1-F6EECF244321}">
-                <p14:modId xmlns:p14="http://schemas.microsoft.com/office/powerpoint/2010/main" val="3734357394"/>
+                <p14:modId xmlns:p14="http://schemas.microsoft.com/office/powerpoint/2010/main" val="3881542563"/>
               </p:ext>
             </p:extLst>
           </p:nvPr>
         </p:nvGraphicFramePr>
         <p:xfrm>
-          <a:off x="0" y="2088197"/>
+          <a:off x="0" y="2616903"/>
           <a:ext cx="6096000" cy="3780824"/>
         </p:xfrm>
         <a:graphic>
@@ -15597,13 +16450,13 @@
           <p:nvPr>
             <p:extLst>
               <p:ext uri="{D42A27DB-BD31-4B8C-83A1-F6EECF244321}">
-                <p14:modId xmlns:p14="http://schemas.microsoft.com/office/powerpoint/2010/main" val="1253045503"/>
+                <p14:modId xmlns:p14="http://schemas.microsoft.com/office/powerpoint/2010/main" val="814752311"/>
               </p:ext>
             </p:extLst>
           </p:nvPr>
         </p:nvGraphicFramePr>
         <p:xfrm>
-          <a:off x="6096000" y="2088197"/>
+          <a:off x="6096000" y="2616903"/>
           <a:ext cx="6096000" cy="3780824"/>
         </p:xfrm>
         <a:graphic>
@@ -15612,6 +16465,132 @@
           </a:graphicData>
         </a:graphic>
       </p:graphicFrame>
+      <mc:AlternateContent xmlns:mc="http://schemas.openxmlformats.org/markup-compatibility/2006">
+        <mc:Choice xmlns:a14="http://schemas.microsoft.com/office/drawing/2010/main" Requires="a14">
+          <p:sp>
+            <p:nvSpPr>
+              <p:cNvPr id="6" name="TextBox 5">
+                <a:extLst>
+                  <a:ext uri="{FF2B5EF4-FFF2-40B4-BE49-F238E27FC236}">
+                    <a16:creationId xmlns:a16="http://schemas.microsoft.com/office/drawing/2014/main" id="{4C3A2229-553C-4D93-85EC-2267F778E0E3}"/>
+                  </a:ext>
+                </a:extLst>
+              </p:cNvPr>
+              <p:cNvSpPr txBox="1"/>
+              <p:nvPr/>
+            </p:nvSpPr>
+            <p:spPr>
+              <a:xfrm>
+                <a:off x="4809990" y="1888985"/>
+                <a:ext cx="2572019" cy="369332"/>
+              </a:xfrm>
+              <a:prstGeom prst="rect">
+                <a:avLst/>
+              </a:prstGeom>
+              <a:noFill/>
+            </p:spPr>
+            <p:txBody>
+              <a:bodyPr wrap="square">
+                <a:spAutoFit/>
+              </a:bodyPr>
+              <a:lstStyle/>
+              <a:p>
+                <a:pPr/>
+                <a14:m>
+                  <m:oMathPara xmlns:m="http://schemas.openxmlformats.org/officeDocument/2006/math">
+                    <m:oMathParaPr>
+                      <m:jc m:val="centerGroup"/>
+                    </m:oMathParaPr>
+                    <m:oMath xmlns:m="http://schemas.openxmlformats.org/officeDocument/2006/math">
+                      <m:r>
+                        <a:rPr lang="ru-RU" i="1" smtClean="0">
+                          <a:latin typeface="Cambria Math" panose="02040503050406030204" pitchFamily="18" charset="0"/>
+                        </a:rPr>
+                        <m:t>𝑑</m:t>
+                      </m:r>
+                      <m:r>
+                        <a:rPr lang="ru-RU" i="0">
+                          <a:latin typeface="Cambria Math" panose="02040503050406030204" pitchFamily="18" charset="0"/>
+                        </a:rPr>
+                        <m:t>=</m:t>
+                      </m:r>
+                      <m:r>
+                        <a:rPr lang="ru-RU" i="1">
+                          <a:latin typeface="Cambria Math" panose="02040503050406030204" pitchFamily="18" charset="0"/>
+                        </a:rPr>
+                        <m:t>𝑁</m:t>
+                      </m:r>
+                      <m:r>
+                        <a:rPr lang="ru-RU" i="0">
+                          <a:latin typeface="Cambria Math" panose="02040503050406030204" pitchFamily="18" charset="0"/>
+                        </a:rPr>
+                        <m:t>.</m:t>
+                      </m:r>
+                      <m:r>
+                        <a:rPr lang="ru-RU" i="1">
+                          <a:latin typeface="Cambria Math" panose="02040503050406030204" pitchFamily="18" charset="0"/>
+                        </a:rPr>
+                        <m:t>𝐺𝑒𝑡𝐵𝑦𝑡𝑒𝐶𝑜𝑢𝑛𝑡</m:t>
+                      </m:r>
+                      <m:r>
+                        <a:rPr lang="en-US" b="0" i="1" smtClean="0">
+                          <a:latin typeface="Cambria Math" panose="02040503050406030204" pitchFamily="18" charset="0"/>
+                        </a:rPr>
+                        <m:t>()</m:t>
+                      </m:r>
+                    </m:oMath>
+                  </m:oMathPara>
+                </a14:m>
+                <a:endParaRPr lang="ru-RU" dirty="0"/>
+              </a:p>
+            </p:txBody>
+          </p:sp>
+        </mc:Choice>
+        <mc:Fallback>
+          <p:sp>
+            <p:nvSpPr>
+              <p:cNvPr id="6" name="TextBox 5">
+                <a:extLst>
+                  <a:ext uri="{FF2B5EF4-FFF2-40B4-BE49-F238E27FC236}">
+                    <a16:creationId xmlns:a16="http://schemas.microsoft.com/office/drawing/2014/main" id="{4C3A2229-553C-4D93-85EC-2267F778E0E3}"/>
+                  </a:ext>
+                </a:extLst>
+              </p:cNvPr>
+              <p:cNvSpPr txBox="1">
+                <a:spLocks noRot="1" noChangeAspect="1" noMove="1" noResize="1" noEditPoints="1" noAdjustHandles="1" noChangeArrowheads="1" noChangeShapeType="1" noTextEdit="1"/>
+              </p:cNvSpPr>
+              <p:nvPr/>
+            </p:nvSpPr>
+            <p:spPr>
+              <a:xfrm>
+                <a:off x="4809990" y="1888985"/>
+                <a:ext cx="2572019" cy="369332"/>
+              </a:xfrm>
+              <a:prstGeom prst="rect">
+                <a:avLst/>
+              </a:prstGeom>
+              <a:blipFill>
+                <a:blip r:embed="rId4"/>
+                <a:stretch>
+                  <a:fillRect b="-13333"/>
+                </a:stretch>
+              </a:blipFill>
+            </p:spPr>
+            <p:txBody>
+              <a:bodyPr/>
+              <a:lstStyle/>
+              <a:p>
+                <a:r>
+                  <a:rPr lang="ru-RU">
+                    <a:noFill/>
+                  </a:rPr>
+                  <a:t> </a:t>
+                </a:r>
+              </a:p>
+            </p:txBody>
+          </p:sp>
+        </mc:Fallback>
+      </mc:AlternateContent>
     </p:spTree>
     <p:extLst>
       <p:ext uri="{BB962C8B-B14F-4D97-AF65-F5344CB8AC3E}">
@@ -18101,13 +19080,13 @@
           <p:nvPr>
             <p:extLst>
               <p:ext uri="{D42A27DB-BD31-4B8C-83A1-F6EECF244321}">
-                <p14:modId xmlns:p14="http://schemas.microsoft.com/office/powerpoint/2010/main" val="822014889"/>
+                <p14:modId xmlns:p14="http://schemas.microsoft.com/office/powerpoint/2010/main" val="979787102"/>
               </p:ext>
             </p:extLst>
           </p:nvPr>
         </p:nvGraphicFramePr>
         <p:xfrm>
-          <a:off x="-1" y="2119247"/>
+          <a:off x="0" y="2643620"/>
           <a:ext cx="6095999" cy="3782199"/>
         </p:xfrm>
         <a:graphic>
@@ -18129,13 +19108,13 @@
           <p:nvPr>
             <p:extLst>
               <p:ext uri="{D42A27DB-BD31-4B8C-83A1-F6EECF244321}">
-                <p14:modId xmlns:p14="http://schemas.microsoft.com/office/powerpoint/2010/main" val="3048547474"/>
+                <p14:modId xmlns:p14="http://schemas.microsoft.com/office/powerpoint/2010/main" val="3857706639"/>
               </p:ext>
             </p:extLst>
           </p:nvPr>
         </p:nvGraphicFramePr>
         <p:xfrm>
-          <a:off x="6096000" y="2119248"/>
+          <a:off x="6095999" y="2643620"/>
           <a:ext cx="6096000" cy="3782199"/>
         </p:xfrm>
         <a:graphic>
@@ -18144,6 +19123,473 @@
           </a:graphicData>
         </a:graphic>
       </p:graphicFrame>
+      <mc:AlternateContent xmlns:mc="http://schemas.openxmlformats.org/markup-compatibility/2006">
+        <mc:Choice xmlns:a14="http://schemas.microsoft.com/office/drawing/2010/main" Requires="a14">
+          <p:sp>
+            <p:nvSpPr>
+              <p:cNvPr id="6" name="TextBox 5">
+                <a:extLst>
+                  <a:ext uri="{FF2B5EF4-FFF2-40B4-BE49-F238E27FC236}">
+                    <a16:creationId xmlns:a16="http://schemas.microsoft.com/office/drawing/2014/main" id="{F53B74EE-4AA8-408E-AF81-8C314ACA94AC}"/>
+                  </a:ext>
+                </a:extLst>
+              </p:cNvPr>
+              <p:cNvSpPr txBox="1"/>
+              <p:nvPr/>
+            </p:nvSpPr>
+            <p:spPr>
+              <a:xfrm>
+                <a:off x="4317578" y="1713121"/>
+                <a:ext cx="3556841" cy="1003736"/>
+              </a:xfrm>
+              <a:prstGeom prst="rect">
+                <a:avLst/>
+              </a:prstGeom>
+              <a:noFill/>
+            </p:spPr>
+            <p:txBody>
+              <a:bodyPr wrap="square">
+                <a:spAutoFit/>
+              </a:bodyPr>
+              <a:lstStyle/>
+              <a:p>
+                <a:pPr indent="457200" algn="just">
+                  <a:lnSpc>
+                    <a:spcPct val="150000"/>
+                  </a:lnSpc>
+                  <a:spcAft>
+                    <a:spcPts val="800"/>
+                  </a:spcAft>
+                </a:pPr>
+                <a14:m>
+                  <m:oMath xmlns:m="http://schemas.openxmlformats.org/officeDocument/2006/math">
+                    <m:sSup>
+                      <m:sSupPr>
+                        <m:ctrlPr>
+                          <a:rPr lang="ru-RU" sz="1800" b="1" i="1" smtClean="0">
+                            <a:effectLst/>
+                            <a:latin typeface="Cambria Math" panose="02040503050406030204" pitchFamily="18" charset="0"/>
+                            <a:ea typeface="Cambria Math" panose="02040503050406030204" pitchFamily="18" charset="0"/>
+                            <a:cs typeface="Times New Roman" panose="02020603050405020304" pitchFamily="18" charset="0"/>
+                          </a:rPr>
+                        </m:ctrlPr>
+                      </m:sSupPr>
+                      <m:e>
+                        <m:r>
+                          <a:rPr lang="ru-RU" sz="1800" b="1" i="1">
+                            <a:effectLst/>
+                            <a:latin typeface="Cambria Math" panose="02040503050406030204" pitchFamily="18" charset="0"/>
+                            <a:ea typeface="Cambria Math" panose="02040503050406030204" pitchFamily="18" charset="0"/>
+                            <a:cs typeface="Times New Roman" panose="02020603050405020304" pitchFamily="18" charset="0"/>
+                          </a:rPr>
+                          <m:t>𝒂</m:t>
+                        </m:r>
+                      </m:e>
+                      <m:sup>
+                        <m:r>
+                          <a:rPr lang="ru-RU" sz="1800" b="1" i="1">
+                            <a:effectLst/>
+                            <a:latin typeface="Cambria Math" panose="02040503050406030204" pitchFamily="18" charset="0"/>
+                            <a:ea typeface="Cambria Math" panose="02040503050406030204" pitchFamily="18" charset="0"/>
+                            <a:cs typeface="Times New Roman" panose="02020603050405020304" pitchFamily="18" charset="0"/>
+                          </a:rPr>
+                          <m:t>𝒎</m:t>
+                        </m:r>
+                      </m:sup>
+                    </m:sSup>
+                    <m:r>
+                      <a:rPr lang="ru-RU" sz="1800" b="1" i="1">
+                        <a:effectLst/>
+                        <a:latin typeface="Cambria Math" panose="02040503050406030204" pitchFamily="18" charset="0"/>
+                        <a:ea typeface="Cambria Math" panose="02040503050406030204" pitchFamily="18" charset="0"/>
+                        <a:cs typeface="Times New Roman" panose="02020603050405020304" pitchFamily="18" charset="0"/>
+                      </a:rPr>
+                      <m:t>, </m:t>
+                    </m:r>
+                    <m:sSup>
+                      <m:sSupPr>
+                        <m:ctrlPr>
+                          <a:rPr lang="ru-RU" sz="1800" b="1" i="1">
+                            <a:effectLst/>
+                            <a:latin typeface="Cambria Math" panose="02040503050406030204" pitchFamily="18" charset="0"/>
+                            <a:ea typeface="Cambria Math" panose="02040503050406030204" pitchFamily="18" charset="0"/>
+                            <a:cs typeface="Times New Roman" panose="02020603050405020304" pitchFamily="18" charset="0"/>
+                          </a:rPr>
+                        </m:ctrlPr>
+                      </m:sSupPr>
+                      <m:e>
+                        <m:r>
+                          <a:rPr lang="ru-RU" sz="1800" b="1" i="1">
+                            <a:effectLst/>
+                            <a:latin typeface="Cambria Math" panose="02040503050406030204" pitchFamily="18" charset="0"/>
+                            <a:ea typeface="Cambria Math" panose="02040503050406030204" pitchFamily="18" charset="0"/>
+                            <a:cs typeface="Times New Roman" panose="02020603050405020304" pitchFamily="18" charset="0"/>
+                          </a:rPr>
+                          <m:t>𝒂</m:t>
+                        </m:r>
+                      </m:e>
+                      <m:sup>
+                        <m:r>
+                          <a:rPr lang="ru-RU" sz="1800" b="1" i="1">
+                            <a:effectLst/>
+                            <a:latin typeface="Cambria Math" panose="02040503050406030204" pitchFamily="18" charset="0"/>
+                            <a:ea typeface="Cambria Math" panose="02040503050406030204" pitchFamily="18" charset="0"/>
+                            <a:cs typeface="Times New Roman" panose="02020603050405020304" pitchFamily="18" charset="0"/>
+                          </a:rPr>
+                          <m:t>𝟐</m:t>
+                        </m:r>
+                        <m:r>
+                          <a:rPr lang="ru-RU" sz="1800" b="1" i="1">
+                            <a:effectLst/>
+                            <a:latin typeface="Cambria Math" panose="02040503050406030204" pitchFamily="18" charset="0"/>
+                            <a:ea typeface="Cambria Math" panose="02040503050406030204" pitchFamily="18" charset="0"/>
+                            <a:cs typeface="Times New Roman" panose="02020603050405020304" pitchFamily="18" charset="0"/>
+                          </a:rPr>
+                          <m:t>𝒎</m:t>
+                        </m:r>
+                      </m:sup>
+                    </m:sSup>
+                    <m:r>
+                      <a:rPr lang="ru-RU" sz="1800" b="1" i="1">
+                        <a:effectLst/>
+                        <a:latin typeface="Cambria Math" panose="02040503050406030204" pitchFamily="18" charset="0"/>
+                        <a:ea typeface="Cambria Math" panose="02040503050406030204" pitchFamily="18" charset="0"/>
+                        <a:cs typeface="Times New Roman" panose="02020603050405020304" pitchFamily="18" charset="0"/>
+                      </a:rPr>
+                      <m:t>, …, </m:t>
+                    </m:r>
+                    <m:sSup>
+                      <m:sSupPr>
+                        <m:ctrlPr>
+                          <a:rPr lang="ru-RU" sz="1800" b="1" i="1">
+                            <a:effectLst/>
+                            <a:latin typeface="Cambria Math" panose="02040503050406030204" pitchFamily="18" charset="0"/>
+                            <a:ea typeface="Cambria Math" panose="02040503050406030204" pitchFamily="18" charset="0"/>
+                            <a:cs typeface="Times New Roman" panose="02020603050405020304" pitchFamily="18" charset="0"/>
+                          </a:rPr>
+                        </m:ctrlPr>
+                      </m:sSupPr>
+                      <m:e>
+                        <m:r>
+                          <a:rPr lang="ru-RU" sz="1800" b="1" i="1">
+                            <a:effectLst/>
+                            <a:latin typeface="Cambria Math" panose="02040503050406030204" pitchFamily="18" charset="0"/>
+                            <a:ea typeface="Cambria Math" panose="02040503050406030204" pitchFamily="18" charset="0"/>
+                            <a:cs typeface="Times New Roman" panose="02020603050405020304" pitchFamily="18" charset="0"/>
+                          </a:rPr>
+                          <m:t>𝒂</m:t>
+                        </m:r>
+                      </m:e>
+                      <m:sup>
+                        <m:r>
+                          <a:rPr lang="ru-RU" sz="1800" b="1" i="1">
+                            <a:effectLst/>
+                            <a:latin typeface="Cambria Math" panose="02040503050406030204" pitchFamily="18" charset="0"/>
+                            <a:ea typeface="Cambria Math" panose="02040503050406030204" pitchFamily="18" charset="0"/>
+                            <a:cs typeface="Times New Roman" panose="02020603050405020304" pitchFamily="18" charset="0"/>
+                          </a:rPr>
+                          <m:t>𝒌𝒎</m:t>
+                        </m:r>
+                      </m:sup>
+                    </m:sSup>
+                    <m:r>
+                      <a:rPr lang="ru-RU" sz="1800" b="1" i="1">
+                        <a:effectLst/>
+                        <a:latin typeface="Cambria Math" panose="02040503050406030204" pitchFamily="18" charset="0"/>
+                        <a:ea typeface="Cambria Math" panose="02040503050406030204" pitchFamily="18" charset="0"/>
+                        <a:cs typeface="Times New Roman" panose="02020603050405020304" pitchFamily="18" charset="0"/>
+                      </a:rPr>
+                      <m:t> </m:t>
+                    </m:r>
+                    <m:r>
+                      <a:rPr lang="ru-RU" sz="1800" b="1" i="1">
+                        <a:effectLst/>
+                        <a:latin typeface="Cambria Math" panose="02040503050406030204" pitchFamily="18" charset="0"/>
+                        <a:ea typeface="Cambria Math" panose="02040503050406030204" pitchFamily="18" charset="0"/>
+                        <a:cs typeface="Times New Roman" panose="02020603050405020304" pitchFamily="18" charset="0"/>
+                      </a:rPr>
+                      <m:t>𝒎𝒐𝒅</m:t>
+                    </m:r>
+                    <m:r>
+                      <a:rPr lang="ru-RU" sz="1800" b="1" i="1">
+                        <a:effectLst/>
+                        <a:latin typeface="Cambria Math" panose="02040503050406030204" pitchFamily="18" charset="0"/>
+                        <a:ea typeface="Cambria Math" panose="02040503050406030204" pitchFamily="18" charset="0"/>
+                        <a:cs typeface="Times New Roman" panose="02020603050405020304" pitchFamily="18" charset="0"/>
+                      </a:rPr>
+                      <m:t> </m:t>
+                    </m:r>
+                    <m:r>
+                      <a:rPr lang="ru-RU" sz="1800" b="1" i="1">
+                        <a:effectLst/>
+                        <a:latin typeface="Cambria Math" panose="02040503050406030204" pitchFamily="18" charset="0"/>
+                        <a:ea typeface="Cambria Math" panose="02040503050406030204" pitchFamily="18" charset="0"/>
+                        <a:cs typeface="Times New Roman" panose="02020603050405020304" pitchFamily="18" charset="0"/>
+                      </a:rPr>
+                      <m:t>𝒑</m:t>
+                    </m:r>
+                  </m:oMath>
+                </a14:m>
+                <a:r>
+                  <a:rPr lang="ru-RU" sz="1800" b="1" dirty="0">
+                    <a:effectLst/>
+                    <a:latin typeface="Times New Roman" panose="02020603050405020304" pitchFamily="18" charset="0"/>
+                    <a:ea typeface="Times New Roman" panose="02020603050405020304" pitchFamily="18" charset="0"/>
+                    <a:cs typeface="Times New Roman" panose="02020603050405020304" pitchFamily="18" charset="0"/>
+                  </a:rPr>
+                  <a:t>,</a:t>
+                </a:r>
+                <a:endParaRPr lang="ru-RU" sz="1400" b="1" dirty="0">
+                  <a:effectLst/>
+                  <a:latin typeface="Calibri" panose="020F0502020204030204" pitchFamily="34" charset="0"/>
+                  <a:ea typeface="Calibri" panose="020F0502020204030204" pitchFamily="34" charset="0"/>
+                  <a:cs typeface="Times New Roman" panose="02020603050405020304" pitchFamily="18" charset="0"/>
+                </a:endParaRPr>
+              </a:p>
+              <a:p>
+                <a:pPr indent="457200" algn="just">
+                  <a:lnSpc>
+                    <a:spcPct val="150000"/>
+                  </a:lnSpc>
+                  <a:spcAft>
+                    <a:spcPts val="800"/>
+                  </a:spcAft>
+                </a:pPr>
+                <a14:m>
+                  <m:oMath xmlns:m="http://schemas.openxmlformats.org/officeDocument/2006/math">
+                    <m:r>
+                      <a:rPr lang="ru-RU" sz="1800" b="1" i="1">
+                        <a:effectLst/>
+                        <a:latin typeface="Cambria Math" panose="02040503050406030204" pitchFamily="18" charset="0"/>
+                        <a:ea typeface="Cambria Math" panose="02040503050406030204" pitchFamily="18" charset="0"/>
+                        <a:cs typeface="Times New Roman" panose="02020603050405020304" pitchFamily="18" charset="0"/>
+                      </a:rPr>
+                      <m:t>𝒃</m:t>
+                    </m:r>
+                    <m:r>
+                      <a:rPr lang="ru-RU" sz="1800" b="1" i="1">
+                        <a:effectLst/>
+                        <a:latin typeface="Cambria Math" panose="02040503050406030204" pitchFamily="18" charset="0"/>
+                        <a:ea typeface="Cambria Math" panose="02040503050406030204" pitchFamily="18" charset="0"/>
+                        <a:cs typeface="Times New Roman" panose="02020603050405020304" pitchFamily="18" charset="0"/>
+                      </a:rPr>
+                      <m:t>, </m:t>
+                    </m:r>
+                    <m:r>
+                      <a:rPr lang="ru-RU" sz="1800" b="1" i="1">
+                        <a:effectLst/>
+                        <a:latin typeface="Cambria Math" panose="02040503050406030204" pitchFamily="18" charset="0"/>
+                        <a:ea typeface="Cambria Math" panose="02040503050406030204" pitchFamily="18" charset="0"/>
+                        <a:cs typeface="Times New Roman" panose="02020603050405020304" pitchFamily="18" charset="0"/>
+                      </a:rPr>
+                      <m:t>𝒃𝒂</m:t>
+                    </m:r>
+                    <m:r>
+                      <a:rPr lang="ru-RU" sz="1800" b="1" i="1">
+                        <a:effectLst/>
+                        <a:latin typeface="Cambria Math" panose="02040503050406030204" pitchFamily="18" charset="0"/>
+                        <a:ea typeface="Cambria Math" panose="02040503050406030204" pitchFamily="18" charset="0"/>
+                        <a:cs typeface="Times New Roman" panose="02020603050405020304" pitchFamily="18" charset="0"/>
+                      </a:rPr>
+                      <m:t>, </m:t>
+                    </m:r>
+                    <m:sSup>
+                      <m:sSupPr>
+                        <m:ctrlPr>
+                          <a:rPr lang="ru-RU" sz="1800" b="1" i="1">
+                            <a:effectLst/>
+                            <a:latin typeface="Cambria Math" panose="02040503050406030204" pitchFamily="18" charset="0"/>
+                            <a:ea typeface="Cambria Math" panose="02040503050406030204" pitchFamily="18" charset="0"/>
+                            <a:cs typeface="Times New Roman" panose="02020603050405020304" pitchFamily="18" charset="0"/>
+                          </a:rPr>
+                        </m:ctrlPr>
+                      </m:sSupPr>
+                      <m:e>
+                        <m:r>
+                          <a:rPr lang="ru-RU" sz="1800" b="1" i="1">
+                            <a:effectLst/>
+                            <a:latin typeface="Cambria Math" panose="02040503050406030204" pitchFamily="18" charset="0"/>
+                            <a:ea typeface="Cambria Math" panose="02040503050406030204" pitchFamily="18" charset="0"/>
+                            <a:cs typeface="Times New Roman" panose="02020603050405020304" pitchFamily="18" charset="0"/>
+                          </a:rPr>
+                          <m:t>𝒃𝒂</m:t>
+                        </m:r>
+                      </m:e>
+                      <m:sup>
+                        <m:r>
+                          <a:rPr lang="ru-RU" sz="1800" b="1" i="1">
+                            <a:effectLst/>
+                            <a:latin typeface="Cambria Math" panose="02040503050406030204" pitchFamily="18" charset="0"/>
+                            <a:ea typeface="Cambria Math" panose="02040503050406030204" pitchFamily="18" charset="0"/>
+                            <a:cs typeface="Times New Roman" panose="02020603050405020304" pitchFamily="18" charset="0"/>
+                          </a:rPr>
+                          <m:t>𝟐</m:t>
+                        </m:r>
+                      </m:sup>
+                    </m:sSup>
+                    <m:r>
+                      <a:rPr lang="ru-RU" sz="1800" b="1" i="1">
+                        <a:effectLst/>
+                        <a:latin typeface="Cambria Math" panose="02040503050406030204" pitchFamily="18" charset="0"/>
+                        <a:ea typeface="Cambria Math" panose="02040503050406030204" pitchFamily="18" charset="0"/>
+                        <a:cs typeface="Times New Roman" panose="02020603050405020304" pitchFamily="18" charset="0"/>
+                      </a:rPr>
+                      <m:t>,  …, </m:t>
+                    </m:r>
+                    <m:sSup>
+                      <m:sSupPr>
+                        <m:ctrlPr>
+                          <a:rPr lang="ru-RU" sz="1800" b="1" i="1">
+                            <a:effectLst/>
+                            <a:latin typeface="Cambria Math" panose="02040503050406030204" pitchFamily="18" charset="0"/>
+                            <a:ea typeface="Cambria Math" panose="02040503050406030204" pitchFamily="18" charset="0"/>
+                            <a:cs typeface="Times New Roman" panose="02020603050405020304" pitchFamily="18" charset="0"/>
+                          </a:rPr>
+                        </m:ctrlPr>
+                      </m:sSupPr>
+                      <m:e>
+                        <m:r>
+                          <a:rPr lang="ru-RU" sz="1800" b="1" i="1">
+                            <a:effectLst/>
+                            <a:latin typeface="Cambria Math" panose="02040503050406030204" pitchFamily="18" charset="0"/>
+                            <a:ea typeface="Cambria Math" panose="02040503050406030204" pitchFamily="18" charset="0"/>
+                            <a:cs typeface="Times New Roman" panose="02020603050405020304" pitchFamily="18" charset="0"/>
+                          </a:rPr>
+                          <m:t>𝒃𝒂</m:t>
+                        </m:r>
+                      </m:e>
+                      <m:sup>
+                        <m:r>
+                          <a:rPr lang="ru-RU" sz="1800" b="1" i="1">
+                            <a:effectLst/>
+                            <a:latin typeface="Cambria Math" panose="02040503050406030204" pitchFamily="18" charset="0"/>
+                            <a:ea typeface="Cambria Math" panose="02040503050406030204" pitchFamily="18" charset="0"/>
+                            <a:cs typeface="Times New Roman" panose="02020603050405020304" pitchFamily="18" charset="0"/>
+                          </a:rPr>
+                          <m:t>𝒎</m:t>
+                        </m:r>
+                        <m:r>
+                          <a:rPr lang="ru-RU" sz="1800" b="1" i="1">
+                            <a:effectLst/>
+                            <a:latin typeface="Cambria Math" panose="02040503050406030204" pitchFamily="18" charset="0"/>
+                            <a:ea typeface="Cambria Math" panose="02040503050406030204" pitchFamily="18" charset="0"/>
+                            <a:cs typeface="Times New Roman" panose="02020603050405020304" pitchFamily="18" charset="0"/>
+                          </a:rPr>
+                          <m:t>−</m:t>
+                        </m:r>
+                        <m:r>
+                          <a:rPr lang="ru-RU" sz="1800" b="1" i="1">
+                            <a:effectLst/>
+                            <a:latin typeface="Cambria Math" panose="02040503050406030204" pitchFamily="18" charset="0"/>
+                            <a:ea typeface="Cambria Math" panose="02040503050406030204" pitchFamily="18" charset="0"/>
+                            <a:cs typeface="Times New Roman" panose="02020603050405020304" pitchFamily="18" charset="0"/>
+                          </a:rPr>
+                          <m:t>𝟏</m:t>
+                        </m:r>
+                      </m:sup>
+                    </m:sSup>
+                    <m:r>
+                      <a:rPr lang="ru-RU" sz="1800" b="1" i="1">
+                        <a:effectLst/>
+                        <a:latin typeface="Cambria Math" panose="02040503050406030204" pitchFamily="18" charset="0"/>
+                        <a:ea typeface="Cambria Math" panose="02040503050406030204" pitchFamily="18" charset="0"/>
+                        <a:cs typeface="Times New Roman" panose="02020603050405020304" pitchFamily="18" charset="0"/>
+                      </a:rPr>
+                      <m:t> </m:t>
+                    </m:r>
+                    <m:r>
+                      <a:rPr lang="ru-RU" sz="1800" b="1" i="1">
+                        <a:effectLst/>
+                        <a:latin typeface="Cambria Math" panose="02040503050406030204" pitchFamily="18" charset="0"/>
+                        <a:ea typeface="Cambria Math" panose="02040503050406030204" pitchFamily="18" charset="0"/>
+                        <a:cs typeface="Times New Roman" panose="02020603050405020304" pitchFamily="18" charset="0"/>
+                      </a:rPr>
+                      <m:t>𝒎𝒐𝒅</m:t>
+                    </m:r>
+                    <m:r>
+                      <a:rPr lang="ru-RU" sz="1800" b="1" i="1">
+                        <a:effectLst/>
+                        <a:latin typeface="Cambria Math" panose="02040503050406030204" pitchFamily="18" charset="0"/>
+                        <a:ea typeface="Cambria Math" panose="02040503050406030204" pitchFamily="18" charset="0"/>
+                        <a:cs typeface="Times New Roman" panose="02020603050405020304" pitchFamily="18" charset="0"/>
+                      </a:rPr>
+                      <m:t> </m:t>
+                    </m:r>
+                    <m:r>
+                      <a:rPr lang="ru-RU" sz="1800" b="1" i="1">
+                        <a:effectLst/>
+                        <a:latin typeface="Cambria Math" panose="02040503050406030204" pitchFamily="18" charset="0"/>
+                        <a:ea typeface="Cambria Math" panose="02040503050406030204" pitchFamily="18" charset="0"/>
+                        <a:cs typeface="Times New Roman" panose="02020603050405020304" pitchFamily="18" charset="0"/>
+                      </a:rPr>
+                      <m:t>𝒑</m:t>
+                    </m:r>
+                  </m:oMath>
+                </a14:m>
+                <a:r>
+                  <a:rPr lang="ru-RU" sz="1800" b="1" dirty="0">
+                    <a:effectLst/>
+                    <a:latin typeface="Times New Roman" panose="02020603050405020304" pitchFamily="18" charset="0"/>
+                    <a:ea typeface="Times New Roman" panose="02020603050405020304" pitchFamily="18" charset="0"/>
+                    <a:cs typeface="Times New Roman" panose="02020603050405020304" pitchFamily="18" charset="0"/>
+                  </a:rPr>
+                  <a:t>.</a:t>
+                </a:r>
+                <a:endParaRPr lang="ru-RU" sz="1400" b="1" dirty="0">
+                  <a:effectLst/>
+                  <a:latin typeface="Calibri" panose="020F0502020204030204" pitchFamily="34" charset="0"/>
+                  <a:ea typeface="Calibri" panose="020F0502020204030204" pitchFamily="34" charset="0"/>
+                  <a:cs typeface="Times New Roman" panose="02020603050405020304" pitchFamily="18" charset="0"/>
+                </a:endParaRPr>
+              </a:p>
+            </p:txBody>
+          </p:sp>
+        </mc:Choice>
+        <mc:Fallback>
+          <p:sp>
+            <p:nvSpPr>
+              <p:cNvPr id="6" name="TextBox 5">
+                <a:extLst>
+                  <a:ext uri="{FF2B5EF4-FFF2-40B4-BE49-F238E27FC236}">
+                    <a16:creationId xmlns:a16="http://schemas.microsoft.com/office/drawing/2014/main" id="{F53B74EE-4AA8-408E-AF81-8C314ACA94AC}"/>
+                  </a:ext>
+                </a:extLst>
+              </p:cNvPr>
+              <p:cNvSpPr txBox="1">
+                <a:spLocks noRot="1" noChangeAspect="1" noMove="1" noResize="1" noEditPoints="1" noAdjustHandles="1" noChangeArrowheads="1" noChangeShapeType="1" noTextEdit="1"/>
+              </p:cNvSpPr>
+              <p:nvPr/>
+            </p:nvSpPr>
+            <p:spPr>
+              <a:xfrm>
+                <a:off x="4317578" y="1713121"/>
+                <a:ext cx="3556841" cy="1003736"/>
+              </a:xfrm>
+              <a:prstGeom prst="rect">
+                <a:avLst/>
+              </a:prstGeom>
+              <a:blipFill>
+                <a:blip r:embed="rId4"/>
+                <a:stretch>
+                  <a:fillRect r="-856" b="-7879"/>
+                </a:stretch>
+              </a:blipFill>
+            </p:spPr>
+            <p:txBody>
+              <a:bodyPr/>
+              <a:lstStyle/>
+              <a:p>
+                <a:r>
+                  <a:rPr lang="ru-RU">
+                    <a:noFill/>
+                  </a:rPr>
+                  <a:t> </a:t>
+                </a:r>
+              </a:p>
+            </p:txBody>
+          </p:sp>
+        </mc:Fallback>
+      </mc:AlternateContent>
     </p:spTree>
     <p:extLst>
       <p:ext uri="{BB962C8B-B14F-4D97-AF65-F5344CB8AC3E}">
@@ -18227,13 +19673,13 @@
           <p:nvPr>
             <p:extLst>
               <p:ext uri="{D42A27DB-BD31-4B8C-83A1-F6EECF244321}">
-                <p14:modId xmlns:p14="http://schemas.microsoft.com/office/powerpoint/2010/main" val="307879530"/>
+                <p14:modId xmlns:p14="http://schemas.microsoft.com/office/powerpoint/2010/main" val="2069581150"/>
               </p:ext>
             </p:extLst>
           </p:nvPr>
         </p:nvGraphicFramePr>
         <p:xfrm>
-          <a:off x="0" y="1926492"/>
+          <a:off x="0" y="2433529"/>
           <a:ext cx="6096000" cy="3994410"/>
         </p:xfrm>
         <a:graphic>
@@ -18255,13 +19701,13 @@
           <p:nvPr>
             <p:extLst>
               <p:ext uri="{D42A27DB-BD31-4B8C-83A1-F6EECF244321}">
-                <p14:modId xmlns:p14="http://schemas.microsoft.com/office/powerpoint/2010/main" val="604559203"/>
+                <p14:modId xmlns:p14="http://schemas.microsoft.com/office/powerpoint/2010/main" val="891446032"/>
               </p:ext>
             </p:extLst>
           </p:nvPr>
         </p:nvGraphicFramePr>
         <p:xfrm>
-          <a:off x="6096000" y="1926492"/>
+          <a:off x="6096000" y="2433529"/>
           <a:ext cx="6096000" cy="3994410"/>
         </p:xfrm>
         <a:graphic>
@@ -18270,6 +19716,165 @@
           </a:graphicData>
         </a:graphic>
       </p:graphicFrame>
+      <mc:AlternateContent xmlns:mc="http://schemas.openxmlformats.org/markup-compatibility/2006">
+        <mc:Choice xmlns:a14="http://schemas.microsoft.com/office/drawing/2010/main" Requires="a14">
+          <p:sp>
+            <p:nvSpPr>
+              <p:cNvPr id="6" name="TextBox 5">
+                <a:extLst>
+                  <a:ext uri="{FF2B5EF4-FFF2-40B4-BE49-F238E27FC236}">
+                    <a16:creationId xmlns:a16="http://schemas.microsoft.com/office/drawing/2014/main" id="{A6B57036-2399-40E6-8A98-E087F4410A93}"/>
+                  </a:ext>
+                </a:extLst>
+              </p:cNvPr>
+              <p:cNvSpPr txBox="1"/>
+              <p:nvPr/>
+            </p:nvSpPr>
+            <p:spPr>
+              <a:xfrm>
+                <a:off x="5238623" y="1900778"/>
+                <a:ext cx="1775713" cy="369332"/>
+              </a:xfrm>
+              <a:prstGeom prst="rect">
+                <a:avLst/>
+              </a:prstGeom>
+              <a:noFill/>
+            </p:spPr>
+            <p:txBody>
+              <a:bodyPr wrap="square">
+                <a:spAutoFit/>
+              </a:bodyPr>
+              <a:lstStyle/>
+              <a:p>
+                <a14:m>
+                  <m:oMath xmlns:m="http://schemas.openxmlformats.org/officeDocument/2006/math">
+                    <m:r>
+                      <a:rPr lang="ru-RU" sz="1800" b="1" i="1" smtClean="0">
+                        <a:effectLst/>
+                        <a:latin typeface="Cambria Math" panose="02040503050406030204" pitchFamily="18" charset="0"/>
+                        <a:ea typeface="Calibri" panose="020F0502020204030204" pitchFamily="34" charset="0"/>
+                        <a:cs typeface="Times New Roman" panose="02020603050405020304" pitchFamily="18" charset="0"/>
+                      </a:rPr>
+                      <m:t>𝝋</m:t>
+                    </m:r>
+                    <m:d>
+                      <m:dPr>
+                        <m:ctrlPr>
+                          <a:rPr lang="ru-RU" sz="1800" b="1" i="1">
+                            <a:effectLst/>
+                            <a:latin typeface="Cambria Math" panose="02040503050406030204" pitchFamily="18" charset="0"/>
+                            <a:cs typeface="Times New Roman" panose="02020603050405020304" pitchFamily="18" charset="0"/>
+                          </a:rPr>
+                        </m:ctrlPr>
+                      </m:dPr>
+                      <m:e>
+                        <m:r>
+                          <a:rPr lang="en-US" sz="1800" b="1" i="1">
+                            <a:effectLst/>
+                            <a:latin typeface="Cambria Math" panose="02040503050406030204" pitchFamily="18" charset="0"/>
+                            <a:ea typeface="Calibri" panose="020F0502020204030204" pitchFamily="34" charset="0"/>
+                            <a:cs typeface="Times New Roman" panose="02020603050405020304" pitchFamily="18" charset="0"/>
+                          </a:rPr>
+                          <m:t>𝒑</m:t>
+                        </m:r>
+                      </m:e>
+                    </m:d>
+                    <m:r>
+                      <a:rPr lang="ru-RU" sz="1800" b="1" i="1">
+                        <a:effectLst/>
+                        <a:latin typeface="Cambria Math" panose="02040503050406030204" pitchFamily="18" charset="0"/>
+                        <a:ea typeface="Calibri" panose="020F0502020204030204" pitchFamily="34" charset="0"/>
+                        <a:cs typeface="Times New Roman" panose="02020603050405020304" pitchFamily="18" charset="0"/>
+                      </a:rPr>
+                      <m:t>=</m:t>
+                    </m:r>
+                    <m:r>
+                      <a:rPr lang="en-US" sz="1800" b="1" i="1">
+                        <a:effectLst/>
+                        <a:latin typeface="Cambria Math" panose="02040503050406030204" pitchFamily="18" charset="0"/>
+                        <a:ea typeface="Calibri" panose="020F0502020204030204" pitchFamily="34" charset="0"/>
+                        <a:cs typeface="Times New Roman" panose="02020603050405020304" pitchFamily="18" charset="0"/>
+                      </a:rPr>
+                      <m:t>𝒑</m:t>
+                    </m:r>
+                    <m:r>
+                      <a:rPr lang="ru-RU" sz="1800" b="1" i="1">
+                        <a:effectLst/>
+                        <a:latin typeface="Cambria Math" panose="02040503050406030204" pitchFamily="18" charset="0"/>
+                        <a:ea typeface="Calibri" panose="020F0502020204030204" pitchFamily="34" charset="0"/>
+                        <a:cs typeface="Times New Roman" panose="02020603050405020304" pitchFamily="18" charset="0"/>
+                      </a:rPr>
+                      <m:t>−</m:t>
+                    </m:r>
+                    <m:r>
+                      <a:rPr lang="en-US" sz="1800" b="1" i="1">
+                        <a:effectLst/>
+                        <a:latin typeface="Cambria Math" panose="02040503050406030204" pitchFamily="18" charset="0"/>
+                        <a:ea typeface="Calibri" panose="020F0502020204030204" pitchFamily="34" charset="0"/>
+                        <a:cs typeface="Times New Roman" panose="02020603050405020304" pitchFamily="18" charset="0"/>
+                      </a:rPr>
+                      <m:t>𝟏</m:t>
+                    </m:r>
+                  </m:oMath>
+                </a14:m>
+                <a:r>
+                  <a:rPr lang="en-US" sz="1800" b="1" dirty="0">
+                    <a:effectLst/>
+                    <a:latin typeface="Times New Roman" panose="02020603050405020304" pitchFamily="18" charset="0"/>
+                    <a:ea typeface="Calibri" panose="020F0502020204030204" pitchFamily="34" charset="0"/>
+                  </a:rPr>
+                  <a:t> </a:t>
+                </a:r>
+                <a:endParaRPr lang="ru-RU" dirty="0"/>
+              </a:p>
+            </p:txBody>
+          </p:sp>
+        </mc:Choice>
+        <mc:Fallback>
+          <p:sp>
+            <p:nvSpPr>
+              <p:cNvPr id="6" name="TextBox 5">
+                <a:extLst>
+                  <a:ext uri="{FF2B5EF4-FFF2-40B4-BE49-F238E27FC236}">
+                    <a16:creationId xmlns:a16="http://schemas.microsoft.com/office/drawing/2014/main" id="{A6B57036-2399-40E6-8A98-E087F4410A93}"/>
+                  </a:ext>
+                </a:extLst>
+              </p:cNvPr>
+              <p:cNvSpPr txBox="1">
+                <a:spLocks noRot="1" noChangeAspect="1" noMove="1" noResize="1" noEditPoints="1" noAdjustHandles="1" noChangeArrowheads="1" noChangeShapeType="1" noTextEdit="1"/>
+              </p:cNvSpPr>
+              <p:nvPr/>
+            </p:nvSpPr>
+            <p:spPr>
+              <a:xfrm>
+                <a:off x="5238623" y="1900778"/>
+                <a:ext cx="1775713" cy="369332"/>
+              </a:xfrm>
+              <a:prstGeom prst="rect">
+                <a:avLst/>
+              </a:prstGeom>
+              <a:blipFill>
+                <a:blip r:embed="rId4"/>
+                <a:stretch>
+                  <a:fillRect b="-6667"/>
+                </a:stretch>
+              </a:blipFill>
+            </p:spPr>
+            <p:txBody>
+              <a:bodyPr/>
+              <a:lstStyle/>
+              <a:p>
+                <a:r>
+                  <a:rPr lang="ru-RU">
+                    <a:noFill/>
+                  </a:rPr>
+                  <a:t> </a:t>
+                </a:r>
+              </a:p>
+            </p:txBody>
+          </p:sp>
+        </mc:Fallback>
+      </mc:AlternateContent>
     </p:spTree>
     <p:extLst>
       <p:ext uri="{BB962C8B-B14F-4D97-AF65-F5344CB8AC3E}">
@@ -18359,13 +19964,13 @@
           <p:nvPr>
             <p:extLst>
               <p:ext uri="{D42A27DB-BD31-4B8C-83A1-F6EECF244321}">
-                <p14:modId xmlns:p14="http://schemas.microsoft.com/office/powerpoint/2010/main" val="2807841972"/>
+                <p14:modId xmlns:p14="http://schemas.microsoft.com/office/powerpoint/2010/main" val="104354756"/>
               </p:ext>
             </p:extLst>
           </p:nvPr>
         </p:nvGraphicFramePr>
         <p:xfrm>
-          <a:off x="0" y="1950396"/>
+          <a:off x="0" y="2422763"/>
           <a:ext cx="6096000" cy="3918624"/>
         </p:xfrm>
         <a:graphic>
@@ -18387,13 +19992,13 @@
           <p:nvPr>
             <p:extLst>
               <p:ext uri="{D42A27DB-BD31-4B8C-83A1-F6EECF244321}">
-                <p14:modId xmlns:p14="http://schemas.microsoft.com/office/powerpoint/2010/main" val="4247014367"/>
+                <p14:modId xmlns:p14="http://schemas.microsoft.com/office/powerpoint/2010/main" val="1104516862"/>
               </p:ext>
             </p:extLst>
           </p:nvPr>
         </p:nvGraphicFramePr>
         <p:xfrm>
-          <a:off x="6096000" y="1950395"/>
+          <a:off x="6096000" y="2422762"/>
           <a:ext cx="6096000" cy="3918625"/>
         </p:xfrm>
         <a:graphic>
@@ -18402,6 +20007,298 @@
           </a:graphicData>
         </a:graphic>
       </p:graphicFrame>
+      <mc:AlternateContent xmlns:mc="http://schemas.openxmlformats.org/markup-compatibility/2006">
+        <mc:Choice xmlns:a14="http://schemas.microsoft.com/office/drawing/2010/main" Requires="a14">
+          <p:sp>
+            <p:nvSpPr>
+              <p:cNvPr id="6" name="TextBox 5">
+                <a:extLst>
+                  <a:ext uri="{FF2B5EF4-FFF2-40B4-BE49-F238E27FC236}">
+                    <a16:creationId xmlns:a16="http://schemas.microsoft.com/office/drawing/2014/main" id="{1C67ED30-4549-49CC-9B43-45621AC8965B}"/>
+                  </a:ext>
+                </a:extLst>
+              </p:cNvPr>
+              <p:cNvSpPr txBox="1"/>
+              <p:nvPr/>
+            </p:nvSpPr>
+            <p:spPr>
+              <a:xfrm>
+                <a:off x="3513867" y="1877569"/>
+                <a:ext cx="5164266" cy="404983"/>
+              </a:xfrm>
+              <a:prstGeom prst="rect">
+                <a:avLst/>
+              </a:prstGeom>
+              <a:noFill/>
+            </p:spPr>
+            <p:txBody>
+              <a:bodyPr wrap="square">
+                <a:spAutoFit/>
+              </a:bodyPr>
+              <a:lstStyle/>
+              <a:p>
+                <a14:m>
+                  <m:oMath xmlns:m="http://schemas.openxmlformats.org/officeDocument/2006/math">
+                    <m:r>
+                      <a:rPr lang="ru-RU" i="1" smtClean="0">
+                        <a:latin typeface="Cambria Math" panose="02040503050406030204" pitchFamily="18" charset="0"/>
+                      </a:rPr>
+                      <m:t>𝑥</m:t>
+                    </m:r>
+                    <m:r>
+                      <a:rPr lang="ru-RU" i="0">
+                        <a:latin typeface="Cambria Math" panose="02040503050406030204" pitchFamily="18" charset="0"/>
+                      </a:rPr>
+                      <m:t>=</m:t>
+                    </m:r>
+                    <m:d>
+                      <m:dPr>
+                        <m:ctrlPr>
+                          <a:rPr lang="ru-RU" i="1">
+                            <a:solidFill>
+                              <a:srgbClr val="836967"/>
+                            </a:solidFill>
+                            <a:latin typeface="Cambria Math" panose="02040503050406030204" pitchFamily="18" charset="0"/>
+                          </a:rPr>
+                        </m:ctrlPr>
+                      </m:dPr>
+                      <m:e>
+                        <m:sSup>
+                          <m:sSupPr>
+                            <m:ctrlPr>
+                              <a:rPr lang="ru-RU" i="1">
+                                <a:solidFill>
+                                  <a:srgbClr val="836967"/>
+                                </a:solidFill>
+                                <a:latin typeface="Cambria Math" panose="02040503050406030204" pitchFamily="18" charset="0"/>
+                              </a:rPr>
+                            </m:ctrlPr>
+                          </m:sSupPr>
+                          <m:e>
+                            <m:r>
+                              <a:rPr lang="ru-RU" i="1">
+                                <a:latin typeface="Cambria Math" panose="02040503050406030204" pitchFamily="18" charset="0"/>
+                              </a:rPr>
+                              <m:t>𝑥</m:t>
+                            </m:r>
+                          </m:e>
+                          <m:sup>
+                            <m:r>
+                              <a:rPr lang="ru-RU" b="1" i="0" smtClean="0">
+                                <a:latin typeface="Cambria Math" panose="02040503050406030204" pitchFamily="18" charset="0"/>
+                              </a:rPr>
+                              <m:t>𝟐</m:t>
+                            </m:r>
+                          </m:sup>
+                        </m:sSup>
+                        <m:r>
+                          <a:rPr lang="ru-RU" i="0">
+                            <a:latin typeface="Cambria Math" panose="02040503050406030204" pitchFamily="18" charset="0"/>
+                          </a:rPr>
+                          <m:t>−1</m:t>
+                        </m:r>
+                      </m:e>
+                    </m:d>
+                    <m:r>
+                      <a:rPr lang="ru-RU" i="0">
+                        <a:latin typeface="Cambria Math" panose="02040503050406030204" pitchFamily="18" charset="0"/>
+                      </a:rPr>
+                      <m:t> </m:t>
+                    </m:r>
+                    <m:d>
+                      <m:dPr>
+                        <m:ctrlPr>
+                          <a:rPr lang="ru-RU" i="1">
+                            <a:solidFill>
+                              <a:srgbClr val="836967"/>
+                            </a:solidFill>
+                            <a:latin typeface="Cambria Math" panose="02040503050406030204" pitchFamily="18" charset="0"/>
+                          </a:rPr>
+                        </m:ctrlPr>
+                      </m:dPr>
+                      <m:e>
+                        <m:r>
+                          <a:rPr lang="ru-RU" i="1">
+                            <a:latin typeface="Cambria Math" panose="02040503050406030204" pitchFamily="18" charset="0"/>
+                          </a:rPr>
+                          <m:t>𝑚𝑜𝑑</m:t>
+                        </m:r>
+                        <m:r>
+                          <a:rPr lang="ru-RU" i="0">
+                            <a:latin typeface="Cambria Math" panose="02040503050406030204" pitchFamily="18" charset="0"/>
+                          </a:rPr>
+                          <m:t> </m:t>
+                        </m:r>
+                        <m:r>
+                          <a:rPr lang="ru-RU" i="1">
+                            <a:latin typeface="Cambria Math" panose="02040503050406030204" pitchFamily="18" charset="0"/>
+                          </a:rPr>
+                          <m:t>𝑁</m:t>
+                        </m:r>
+                      </m:e>
+                    </m:d>
+                  </m:oMath>
+                </a14:m>
+                <a:r>
+                  <a:rPr lang="ru-RU" dirty="0"/>
+                  <a:t> =</a:t>
+                </a:r>
+                <a:r>
+                  <a:rPr lang="en-US" dirty="0"/>
+                  <a:t>&gt; </a:t>
+                </a:r>
+                <a14:m>
+                  <m:oMath xmlns:m="http://schemas.openxmlformats.org/officeDocument/2006/math">
+                    <m:r>
+                      <a:rPr lang="ru-RU" i="1">
+                        <a:latin typeface="Cambria Math" panose="02040503050406030204" pitchFamily="18" charset="0"/>
+                      </a:rPr>
+                      <m:t>𝑥</m:t>
+                    </m:r>
+                    <m:r>
+                      <a:rPr lang="ru-RU">
+                        <a:latin typeface="Cambria Math" panose="02040503050406030204" pitchFamily="18" charset="0"/>
+                      </a:rPr>
+                      <m:t>=</m:t>
+                    </m:r>
+                    <m:d>
+                      <m:dPr>
+                        <m:ctrlPr>
+                          <a:rPr lang="ru-RU" i="1">
+                            <a:solidFill>
+                              <a:srgbClr val="836967"/>
+                            </a:solidFill>
+                            <a:latin typeface="Cambria Math" panose="02040503050406030204" pitchFamily="18" charset="0"/>
+                          </a:rPr>
+                        </m:ctrlPr>
+                      </m:dPr>
+                      <m:e>
+                        <m:sSup>
+                          <m:sSupPr>
+                            <m:ctrlPr>
+                              <a:rPr lang="ru-RU" i="1">
+                                <a:solidFill>
+                                  <a:srgbClr val="836967"/>
+                                </a:solidFill>
+                                <a:latin typeface="Cambria Math" panose="02040503050406030204" pitchFamily="18" charset="0"/>
+                              </a:rPr>
+                            </m:ctrlPr>
+                          </m:sSupPr>
+                          <m:e>
+                            <m:r>
+                              <a:rPr lang="ru-RU" i="1">
+                                <a:latin typeface="Cambria Math" panose="02040503050406030204" pitchFamily="18" charset="0"/>
+                              </a:rPr>
+                              <m:t>𝑥</m:t>
+                            </m:r>
+                          </m:e>
+                          <m:sup>
+                            <m:r>
+                              <a:rPr lang="ru-RU" b="1" i="1">
+                                <a:latin typeface="Cambria Math" panose="02040503050406030204" pitchFamily="18" charset="0"/>
+                              </a:rPr>
+                              <m:t>𝟑</m:t>
+                            </m:r>
+                          </m:sup>
+                        </m:sSup>
+                        <m:r>
+                          <a:rPr lang="ru-RU">
+                            <a:latin typeface="Cambria Math" panose="02040503050406030204" pitchFamily="18" charset="0"/>
+                          </a:rPr>
+                          <m:t>−1</m:t>
+                        </m:r>
+                      </m:e>
+                    </m:d>
+                    <m:r>
+                      <a:rPr lang="ru-RU">
+                        <a:latin typeface="Cambria Math" panose="02040503050406030204" pitchFamily="18" charset="0"/>
+                      </a:rPr>
+                      <m:t> </m:t>
+                    </m:r>
+                    <m:d>
+                      <m:dPr>
+                        <m:ctrlPr>
+                          <a:rPr lang="ru-RU" i="1">
+                            <a:solidFill>
+                              <a:srgbClr val="836967"/>
+                            </a:solidFill>
+                            <a:latin typeface="Cambria Math" panose="02040503050406030204" pitchFamily="18" charset="0"/>
+                          </a:rPr>
+                        </m:ctrlPr>
+                      </m:dPr>
+                      <m:e>
+                        <m:r>
+                          <a:rPr lang="ru-RU" i="1">
+                            <a:latin typeface="Cambria Math" panose="02040503050406030204" pitchFamily="18" charset="0"/>
+                          </a:rPr>
+                          <m:t>𝑚𝑜𝑑</m:t>
+                        </m:r>
+                        <m:r>
+                          <a:rPr lang="ru-RU">
+                            <a:latin typeface="Cambria Math" panose="02040503050406030204" pitchFamily="18" charset="0"/>
+                          </a:rPr>
+                          <m:t> </m:t>
+                        </m:r>
+                        <m:r>
+                          <a:rPr lang="ru-RU" i="1">
+                            <a:latin typeface="Cambria Math" panose="02040503050406030204" pitchFamily="18" charset="0"/>
+                          </a:rPr>
+                          <m:t>𝑁</m:t>
+                        </m:r>
+                      </m:e>
+                    </m:d>
+                  </m:oMath>
+                </a14:m>
+                <a:endParaRPr lang="ru-RU" dirty="0"/>
+              </a:p>
+            </p:txBody>
+          </p:sp>
+        </mc:Choice>
+        <mc:Fallback>
+          <p:sp>
+            <p:nvSpPr>
+              <p:cNvPr id="6" name="TextBox 5">
+                <a:extLst>
+                  <a:ext uri="{FF2B5EF4-FFF2-40B4-BE49-F238E27FC236}">
+                    <a16:creationId xmlns:a16="http://schemas.microsoft.com/office/drawing/2014/main" id="{1C67ED30-4549-49CC-9B43-45621AC8965B}"/>
+                  </a:ext>
+                </a:extLst>
+              </p:cNvPr>
+              <p:cNvSpPr txBox="1">
+                <a:spLocks noRot="1" noChangeAspect="1" noMove="1" noResize="1" noEditPoints="1" noAdjustHandles="1" noChangeArrowheads="1" noChangeShapeType="1" noTextEdit="1"/>
+              </p:cNvSpPr>
+              <p:nvPr/>
+            </p:nvSpPr>
+            <p:spPr>
+              <a:xfrm>
+                <a:off x="3513867" y="1877569"/>
+                <a:ext cx="5164266" cy="404983"/>
+              </a:xfrm>
+              <a:prstGeom prst="rect">
+                <a:avLst/>
+              </a:prstGeom>
+              <a:blipFill>
+                <a:blip r:embed="rId4"/>
+                <a:stretch>
+                  <a:fillRect t="-1515" b="-21212"/>
+                </a:stretch>
+              </a:blipFill>
+            </p:spPr>
+            <p:txBody>
+              <a:bodyPr/>
+              <a:lstStyle/>
+              <a:p>
+                <a:r>
+                  <a:rPr lang="ru-RU">
+                    <a:noFill/>
+                  </a:rPr>
+                  <a:t> </a:t>
+                </a:r>
+              </a:p>
+            </p:txBody>
+          </p:sp>
+        </mc:Fallback>
+      </mc:AlternateContent>
     </p:spTree>
     <p:extLst>
       <p:ext uri="{BB962C8B-B14F-4D97-AF65-F5344CB8AC3E}">

--- a/Maga4Sem/ВКР/Защита ВКР/Для сдачи ВКР/Гусев В.Е. 09-335 ВКР магистерская работа.pptx
+++ b/Maga4Sem/ВКР/Защита ВКР/Для сдачи ВКР/Гусев В.Е. 09-335 ВКР магистерская работа.pptx
@@ -11640,7 +11640,7 @@
           <a:p>
             <a:fld id="{B8D4D28D-903D-401E-A76F-F65C78C2B95E}" type="datetimeFigureOut">
               <a:rPr lang="ru-RU" smtClean="0"/>
-              <a:t>21.06.2025</a:t>
+              <a:t>29.06.2025</a:t>
             </a:fld>
             <a:endParaRPr lang="ru-RU"/>
           </a:p>
@@ -11848,7 +11848,7 @@
           <a:p>
             <a:fld id="{B8D4D28D-903D-401E-A76F-F65C78C2B95E}" type="datetimeFigureOut">
               <a:rPr lang="ru-RU" smtClean="0"/>
-              <a:t>21.06.2025</a:t>
+              <a:t>29.06.2025</a:t>
             </a:fld>
             <a:endParaRPr lang="ru-RU"/>
           </a:p>
@@ -12104,7 +12104,7 @@
           <a:p>
             <a:fld id="{B8D4D28D-903D-401E-A76F-F65C78C2B95E}" type="datetimeFigureOut">
               <a:rPr lang="ru-RU" smtClean="0"/>
-              <a:t>21.06.2025</a:t>
+              <a:t>29.06.2025</a:t>
             </a:fld>
             <a:endParaRPr lang="ru-RU"/>
           </a:p>
@@ -12278,7 +12278,7 @@
           <a:p>
             <a:fld id="{B8D4D28D-903D-401E-A76F-F65C78C2B95E}" type="datetimeFigureOut">
               <a:rPr lang="ru-RU" smtClean="0"/>
-              <a:t>21.06.2025</a:t>
+              <a:t>29.06.2025</a:t>
             </a:fld>
             <a:endParaRPr lang="ru-RU"/>
           </a:p>
@@ -12621,7 +12621,7 @@
           <a:p>
             <a:fld id="{B8D4D28D-903D-401E-A76F-F65C78C2B95E}" type="datetimeFigureOut">
               <a:rPr lang="ru-RU" smtClean="0"/>
-              <a:t>21.06.2025</a:t>
+              <a:t>29.06.2025</a:t>
             </a:fld>
             <a:endParaRPr lang="ru-RU"/>
           </a:p>
@@ -12896,7 +12896,7 @@
           <a:p>
             <a:fld id="{B8D4D28D-903D-401E-A76F-F65C78C2B95E}" type="datetimeFigureOut">
               <a:rPr lang="ru-RU" smtClean="0"/>
-              <a:t>21.06.2025</a:t>
+              <a:t>29.06.2025</a:t>
             </a:fld>
             <a:endParaRPr lang="ru-RU"/>
           </a:p>
@@ -13275,7 +13275,7 @@
           <a:p>
             <a:fld id="{B8D4D28D-903D-401E-A76F-F65C78C2B95E}" type="datetimeFigureOut">
               <a:rPr lang="ru-RU" smtClean="0"/>
-              <a:t>21.06.2025</a:t>
+              <a:t>29.06.2025</a:t>
             </a:fld>
             <a:endParaRPr lang="ru-RU"/>
           </a:p>
@@ -13393,7 +13393,7 @@
           <a:p>
             <a:fld id="{B8D4D28D-903D-401E-A76F-F65C78C2B95E}" type="datetimeFigureOut">
               <a:rPr lang="ru-RU" smtClean="0"/>
-              <a:t>21.06.2025</a:t>
+              <a:t>29.06.2025</a:t>
             </a:fld>
             <a:endParaRPr lang="ru-RU"/>
           </a:p>
@@ -13564,7 +13564,7 @@
           <a:p>
             <a:fld id="{B8D4D28D-903D-401E-A76F-F65C78C2B95E}" type="datetimeFigureOut">
               <a:rPr lang="ru-RU" smtClean="0"/>
-              <a:t>21.06.2025</a:t>
+              <a:t>29.06.2025</a:t>
             </a:fld>
             <a:endParaRPr lang="ru-RU"/>
           </a:p>
@@ -13918,7 +13918,7 @@
           <a:p>
             <a:fld id="{B8D4D28D-903D-401E-A76F-F65C78C2B95E}" type="datetimeFigureOut">
               <a:rPr lang="ru-RU" smtClean="0"/>
-              <a:t>21.06.2025</a:t>
+              <a:t>29.06.2025</a:t>
             </a:fld>
             <a:endParaRPr lang="ru-RU"/>
           </a:p>
@@ -14300,7 +14300,7 @@
           <a:p>
             <a:fld id="{B8D4D28D-903D-401E-A76F-F65C78C2B95E}" type="datetimeFigureOut">
               <a:rPr lang="ru-RU" smtClean="0"/>
-              <a:t>21.06.2025</a:t>
+              <a:t>29.06.2025</a:t>
             </a:fld>
             <a:endParaRPr lang="ru-RU"/>
           </a:p>
@@ -14587,7 +14587,7 @@
           <a:p>
             <a:fld id="{B8D4D28D-903D-401E-A76F-F65C78C2B95E}" type="datetimeFigureOut">
               <a:rPr lang="ru-RU" smtClean="0"/>
-              <a:t>21.06.2025</a:t>
+              <a:t>29.06.2025</a:t>
             </a:fld>
             <a:endParaRPr lang="ru-RU"/>
           </a:p>
@@ -15369,8 +15369,8 @@
           </a:graphicData>
         </a:graphic>
       </p:graphicFrame>
-      <mc:AlternateContent xmlns:mc="http://schemas.openxmlformats.org/markup-compatibility/2006">
-        <mc:Choice xmlns:a14="http://schemas.microsoft.com/office/drawing/2010/main" Requires="a14">
+      <mc:AlternateContent xmlns:mc="http://schemas.openxmlformats.org/markup-compatibility/2006" xmlns:a14="http://schemas.microsoft.com/office/drawing/2010/main">
+        <mc:Choice Requires="a14">
           <p:sp>
             <p:nvSpPr>
               <p:cNvPr id="6" name="TextBox 5">
@@ -15385,13 +15385,18 @@
             </p:nvSpPr>
             <p:spPr>
               <a:xfrm>
-                <a:off x="2981551" y="1949705"/>
+                <a:off x="2286338" y="1983164"/>
                 <a:ext cx="6357463" cy="429798"/>
               </a:xfrm>
               <a:prstGeom prst="rect">
                 <a:avLst/>
               </a:prstGeom>
               <a:noFill/>
+              <a:ln w="12700">
+                <a:solidFill>
+                  <a:schemeClr val="tx1"/>
+                </a:solidFill>
+              </a:ln>
             </p:spPr>
             <p:txBody>
               <a:bodyPr wrap="square">
@@ -15399,47 +15404,62 @@
               </a:bodyPr>
               <a:lstStyle/>
               <a:p>
-                <a:pPr/>
                 <a14:m>
                   <m:oMath xmlns:m="http://schemas.openxmlformats.org/officeDocument/2006/math">
                     <m:r>
-                      <a:rPr lang="ru-RU" i="1"/>
+                      <a:rPr lang="ru-RU" i="1">
+                        <a:latin typeface="Cambria Math" panose="02040503050406030204" pitchFamily="18" charset="0"/>
+                      </a:rPr>
                       <m:t>𝑞</m:t>
                     </m:r>
                     <m:r>
-                      <a:rPr lang="ru-RU" i="1"/>
+                      <a:rPr lang="ru-RU" i="1">
+                        <a:latin typeface="Cambria Math" panose="02040503050406030204" pitchFamily="18" charset="0"/>
+                      </a:rPr>
                       <m:t>≤</m:t>
                     </m:r>
                     <m:r>
-                      <a:rPr lang="ru-RU" i="1"/>
+                      <a:rPr lang="ru-RU" i="1">
+                        <a:latin typeface="Cambria Math" panose="02040503050406030204" pitchFamily="18" charset="0"/>
+                      </a:rPr>
                       <m:t>𝐵</m:t>
                     </m:r>
                     <m:r>
-                      <a:rPr lang="ru-RU" i="1"/>
+                      <a:rPr lang="ru-RU" i="1">
+                        <a:latin typeface="Cambria Math" panose="02040503050406030204" pitchFamily="18" charset="0"/>
+                      </a:rPr>
                       <m:t>=</m:t>
                     </m:r>
                     <m:sSup>
                       <m:sSupPr>
                         <m:ctrlPr>
-                          <a:rPr lang="ru-RU" i="1"/>
+                          <a:rPr lang="ru-RU" i="1">
+                            <a:latin typeface="Cambria Math" panose="02040503050406030204" pitchFamily="18" charset="0"/>
+                          </a:rPr>
                         </m:ctrlPr>
                       </m:sSupPr>
                       <m:e>
                         <m:r>
-                          <a:rPr lang="ru-RU" i="1"/>
+                          <a:rPr lang="ru-RU" i="1">
+                            <a:latin typeface="Cambria Math" panose="02040503050406030204" pitchFamily="18" charset="0"/>
+                          </a:rPr>
                           <m:t>𝑒</m:t>
                         </m:r>
                       </m:e>
                       <m:sup>
                         <m:r>
-                          <a:rPr lang="ru-RU" i="1"/>
+                          <a:rPr lang="ru-RU" i="1">
+                            <a:latin typeface="Cambria Math" panose="02040503050406030204" pitchFamily="18" charset="0"/>
+                          </a:rPr>
                           <m:t>𝑐𝑜𝑛𝑠𝑡</m:t>
                         </m:r>
                         <m:rad>
                           <m:radPr>
                             <m:degHide m:val="on"/>
                             <m:ctrlPr>
-                              <a:rPr lang="ru-RU" i="1"/>
+                              <a:rPr lang="ru-RU" i="1">
+                                <a:latin typeface="Cambria Math" panose="02040503050406030204" pitchFamily="18" charset="0"/>
+                              </a:rPr>
                             </m:ctrlPr>
                           </m:radPr>
                           <m:deg/>
@@ -15447,7 +15467,9 @@
                             <m:func>
                               <m:funcPr>
                                 <m:ctrlPr>
-                                  <a:rPr lang="ru-RU" i="1"/>
+                                  <a:rPr lang="ru-RU" i="1">
+                                    <a:latin typeface="Cambria Math" panose="02040503050406030204" pitchFamily="18" charset="0"/>
+                                  </a:rPr>
                                 </m:ctrlPr>
                               </m:funcPr>
                               <m:fName>
@@ -15455,13 +15477,17 @@
                                   <m:rPr>
                                     <m:sty m:val="p"/>
                                   </m:rPr>
-                                  <a:rPr lang="ru-RU"/>
+                                  <a:rPr lang="ru-RU">
+                                    <a:latin typeface="Cambria Math" panose="02040503050406030204" pitchFamily="18" charset="0"/>
+                                  </a:rPr>
                                   <m:t>log</m:t>
                                 </m:r>
                               </m:fName>
                               <m:e>
                                 <m:r>
-                                  <a:rPr lang="ru-RU" i="1"/>
+                                  <a:rPr lang="ru-RU" i="1">
+                                    <a:latin typeface="Cambria Math" panose="02040503050406030204" pitchFamily="18" charset="0"/>
+                                  </a:rPr>
                                   <m:t>𝑝</m:t>
                                 </m:r>
                               </m:e>
@@ -15469,12 +15495,16 @@
                             <m:func>
                               <m:funcPr>
                                 <m:ctrlPr>
-                                  <a:rPr lang="ru-RU" b="1" i="1"/>
+                                  <a:rPr lang="ru-RU" b="1" i="1">
+                                    <a:latin typeface="Cambria Math" panose="02040503050406030204" pitchFamily="18" charset="0"/>
+                                  </a:rPr>
                                 </m:ctrlPr>
                               </m:funcPr>
                               <m:fName>
                                 <m:r>
-                                  <a:rPr lang="ru-RU" b="1" i="1"/>
+                                  <a:rPr lang="ru-RU" b="1" i="1">
+                                    <a:latin typeface="Cambria Math" panose="02040503050406030204" pitchFamily="18" charset="0"/>
+                                  </a:rPr>
                                   <m:t>𝒍𝒐𝒈</m:t>
                                 </m:r>
                               </m:fName>
@@ -15482,18 +15512,24 @@
                                 <m:func>
                                   <m:funcPr>
                                     <m:ctrlPr>
-                                      <a:rPr lang="ru-RU" b="1" i="1"/>
+                                      <a:rPr lang="ru-RU" b="1" i="1">
+                                        <a:latin typeface="Cambria Math" panose="02040503050406030204" pitchFamily="18" charset="0"/>
+                                      </a:rPr>
                                     </m:ctrlPr>
                                   </m:funcPr>
                                   <m:fName>
                                     <m:r>
-                                      <a:rPr lang="ru-RU" b="1" i="1"/>
+                                      <a:rPr lang="ru-RU" b="1" i="1">
+                                        <a:latin typeface="Cambria Math" panose="02040503050406030204" pitchFamily="18" charset="0"/>
+                                      </a:rPr>
                                       <m:t>𝒍𝒐𝒈</m:t>
                                     </m:r>
                                   </m:fName>
                                   <m:e>
                                     <m:r>
-                                      <a:rPr lang="ru-RU" b="1" i="1"/>
+                                      <a:rPr lang="ru-RU" b="1" i="1">
+                                        <a:latin typeface="Cambria Math" panose="02040503050406030204" pitchFamily="18" charset="0"/>
+                                      </a:rPr>
                                       <m:t>𝒑</m:t>
                                     </m:r>
                                   </m:e>
@@ -15678,7 +15714,7 @@
             </p:txBody>
           </p:sp>
         </mc:Choice>
-        <mc:Fallback>
+        <mc:Fallback xmlns="">
           <p:sp>
             <p:nvSpPr>
               <p:cNvPr id="6" name="TextBox 5">
@@ -15695,7 +15731,7 @@
             </p:nvSpPr>
             <p:spPr>
               <a:xfrm>
-                <a:off x="2981551" y="1949705"/>
+                <a:off x="2286338" y="1983164"/>
                 <a:ext cx="6357463" cy="429798"/>
               </a:xfrm>
               <a:prstGeom prst="rect">
@@ -15704,9 +15740,419 @@
               <a:blipFill>
                 <a:blip r:embed="rId4"/>
                 <a:stretch>
-                  <a:fillRect b="-22857"/>
+                  <a:fillRect b="-19178"/>
                 </a:stretch>
               </a:blipFill>
+              <a:ln w="12700">
+                <a:solidFill>
+                  <a:schemeClr val="tx1"/>
+                </a:solidFill>
+              </a:ln>
+            </p:spPr>
+            <p:txBody>
+              <a:bodyPr/>
+              <a:lstStyle/>
+              <a:p>
+                <a:r>
+                  <a:rPr lang="ru-RU">
+                    <a:noFill/>
+                  </a:rPr>
+                  <a:t> </a:t>
+                </a:r>
+              </a:p>
+            </p:txBody>
+          </p:sp>
+        </mc:Fallback>
+      </mc:AlternateContent>
+      <mc:AlternateContent xmlns:mc="http://schemas.openxmlformats.org/markup-compatibility/2006" xmlns:a14="http://schemas.microsoft.com/office/drawing/2010/main">
+        <mc:Choice Requires="a14">
+          <p:sp>
+            <p:nvSpPr>
+              <p:cNvPr id="7" name="TextBox 6">
+                <a:extLst>
+                  <a:ext uri="{FF2B5EF4-FFF2-40B4-BE49-F238E27FC236}">
+                    <a16:creationId xmlns:a16="http://schemas.microsoft.com/office/drawing/2014/main" id="{48F9C19B-1D40-4C9A-B33E-22B8E9C9FA6B}"/>
+                  </a:ext>
+                </a:extLst>
+              </p:cNvPr>
+              <p:cNvSpPr txBox="1"/>
+              <p:nvPr/>
+            </p:nvSpPr>
+            <p:spPr>
+              <a:xfrm>
+                <a:off x="8778437" y="1737360"/>
+                <a:ext cx="2780518" cy="921406"/>
+              </a:xfrm>
+              <a:prstGeom prst="rect">
+                <a:avLst/>
+              </a:prstGeom>
+              <a:noFill/>
+              <a:ln w="12700">
+                <a:solidFill>
+                  <a:schemeClr val="tx1"/>
+                </a:solidFill>
+              </a:ln>
+            </p:spPr>
+            <p:txBody>
+              <a:bodyPr wrap="square">
+                <a:spAutoFit/>
+              </a:bodyPr>
+              <a:lstStyle/>
+              <a:p>
+                <a14:m>
+                  <m:oMath xmlns:m="http://schemas.openxmlformats.org/officeDocument/2006/math">
+                    <m:r>
+                      <a:rPr lang="ru-RU" i="1" smtClean="0">
+                        <a:latin typeface="Cambria Math" panose="02040503050406030204" pitchFamily="18" charset="0"/>
+                      </a:rPr>
+                      <m:t>𝑂</m:t>
+                    </m:r>
+                    <m:d>
+                      <m:dPr>
+                        <m:ctrlPr>
+                          <a:rPr lang="ru-RU" i="1">
+                            <a:solidFill>
+                              <a:srgbClr val="836967"/>
+                            </a:solidFill>
+                            <a:latin typeface="Cambria Math" panose="02040503050406030204" pitchFamily="18" charset="0"/>
+                          </a:rPr>
+                        </m:ctrlPr>
+                      </m:dPr>
+                      <m:e>
+                        <m:sSup>
+                          <m:sSupPr>
+                            <m:ctrlPr>
+                              <a:rPr lang="ru-RU" i="1">
+                                <a:solidFill>
+                                  <a:srgbClr val="836967"/>
+                                </a:solidFill>
+                                <a:latin typeface="Cambria Math" panose="02040503050406030204" pitchFamily="18" charset="0"/>
+                              </a:rPr>
+                            </m:ctrlPr>
+                          </m:sSupPr>
+                          <m:e>
+                            <m:r>
+                              <a:rPr lang="ru-RU" i="1">
+                                <a:latin typeface="Cambria Math" panose="02040503050406030204" pitchFamily="18" charset="0"/>
+                              </a:rPr>
+                              <m:t>𝑒</m:t>
+                            </m:r>
+                          </m:e>
+                          <m:sup>
+                            <m:r>
+                              <a:rPr lang="ru-RU" i="1">
+                                <a:latin typeface="Cambria Math" panose="02040503050406030204" pitchFamily="18" charset="0"/>
+                              </a:rPr>
+                              <m:t>𝑐𝑜𝑛𝑠𝑡</m:t>
+                            </m:r>
+                            <m:rad>
+                              <m:radPr>
+                                <m:degHide m:val="on"/>
+                                <m:ctrlPr>
+                                  <a:rPr lang="ru-RU" i="1">
+                                    <a:solidFill>
+                                      <a:srgbClr val="836967"/>
+                                    </a:solidFill>
+                                    <a:latin typeface="Cambria Math" panose="02040503050406030204" pitchFamily="18" charset="0"/>
+                                  </a:rPr>
+                                </m:ctrlPr>
+                              </m:radPr>
+                              <m:deg/>
+                              <m:e>
+                                <m:func>
+                                  <m:funcPr>
+                                    <m:ctrlPr>
+                                      <a:rPr lang="ru-RU" i="1">
+                                        <a:latin typeface="Cambria Math" panose="02040503050406030204" pitchFamily="18" charset="0"/>
+                                      </a:rPr>
+                                    </m:ctrlPr>
+                                  </m:funcPr>
+                                  <m:fName>
+                                    <m:r>
+                                      <m:rPr>
+                                        <m:sty m:val="p"/>
+                                      </m:rPr>
+                                      <a:rPr lang="ru-RU" i="0">
+                                        <a:latin typeface="Cambria Math" panose="02040503050406030204" pitchFamily="18" charset="0"/>
+                                      </a:rPr>
+                                      <m:t>log</m:t>
+                                    </m:r>
+                                  </m:fName>
+                                  <m:e>
+                                    <m:r>
+                                      <a:rPr lang="ru-RU" i="1">
+                                        <a:latin typeface="Cambria Math" panose="02040503050406030204" pitchFamily="18" charset="0"/>
+                                      </a:rPr>
+                                      <m:t>𝑝</m:t>
+                                    </m:r>
+                                  </m:e>
+                                </m:func>
+                                <m:func>
+                                  <m:funcPr>
+                                    <m:ctrlPr>
+                                      <a:rPr lang="ru-RU" i="1">
+                                        <a:latin typeface="Cambria Math" panose="02040503050406030204" pitchFamily="18" charset="0"/>
+                                      </a:rPr>
+                                    </m:ctrlPr>
+                                  </m:funcPr>
+                                  <m:fName>
+                                    <m:r>
+                                      <m:rPr>
+                                        <m:sty m:val="p"/>
+                                      </m:rPr>
+                                      <a:rPr lang="ru-RU" i="0">
+                                        <a:latin typeface="Cambria Math" panose="02040503050406030204" pitchFamily="18" charset="0"/>
+                                      </a:rPr>
+                                      <m:t>log</m:t>
+                                    </m:r>
+                                  </m:fName>
+                                  <m:e>
+                                    <m:func>
+                                      <m:funcPr>
+                                        <m:ctrlPr>
+                                          <a:rPr lang="ru-RU" i="1">
+                                            <a:latin typeface="Cambria Math" panose="02040503050406030204" pitchFamily="18" charset="0"/>
+                                          </a:rPr>
+                                        </m:ctrlPr>
+                                      </m:funcPr>
+                                      <m:fName>
+                                        <m:r>
+                                          <m:rPr>
+                                            <m:sty m:val="p"/>
+                                          </m:rPr>
+                                          <a:rPr lang="ru-RU" i="0">
+                                            <a:latin typeface="Cambria Math" panose="02040503050406030204" pitchFamily="18" charset="0"/>
+                                          </a:rPr>
+                                          <m:t>log</m:t>
+                                        </m:r>
+                                      </m:fName>
+                                      <m:e>
+                                        <m:r>
+                                          <a:rPr lang="ru-RU" i="1">
+                                            <a:latin typeface="Cambria Math" panose="02040503050406030204" pitchFamily="18" charset="0"/>
+                                          </a:rPr>
+                                          <m:t>𝑝</m:t>
+                                        </m:r>
+                                      </m:e>
+                                    </m:func>
+                                  </m:e>
+                                </m:func>
+                              </m:e>
+                            </m:rad>
+                          </m:sup>
+                        </m:sSup>
+                      </m:e>
+                    </m:d>
+                  </m:oMath>
+                </a14:m>
+                <a:r>
+                  <a:rPr lang="en-US" dirty="0"/>
+                  <a:t> =&gt;</a:t>
+                </a:r>
+              </a:p>
+              <a:p>
+                <a:r>
+                  <a:rPr lang="en-US" dirty="0"/>
+                  <a:t> </a:t>
+                </a:r>
+                <a14:m>
+                  <m:oMath xmlns:m="http://schemas.openxmlformats.org/officeDocument/2006/math">
+                    <m:r>
+                      <a:rPr lang="ru-RU" i="1">
+                        <a:latin typeface="Cambria Math" panose="02040503050406030204" pitchFamily="18" charset="0"/>
+                      </a:rPr>
+                      <m:t>𝑂</m:t>
+                    </m:r>
+                    <m:d>
+                      <m:dPr>
+                        <m:ctrlPr>
+                          <a:rPr lang="ru-RU" i="1">
+                            <a:latin typeface="Cambria Math" panose="02040503050406030204" pitchFamily="18" charset="0"/>
+                          </a:rPr>
+                        </m:ctrlPr>
+                      </m:dPr>
+                      <m:e>
+                        <m:sSup>
+                          <m:sSupPr>
+                            <m:ctrlPr>
+                              <a:rPr lang="ru-RU" i="1">
+                                <a:latin typeface="Cambria Math" panose="02040503050406030204" pitchFamily="18" charset="0"/>
+                              </a:rPr>
+                            </m:ctrlPr>
+                          </m:sSupPr>
+                          <m:e>
+                            <m:r>
+                              <a:rPr lang="ru-RU" i="1">
+                                <a:latin typeface="Cambria Math" panose="02040503050406030204" pitchFamily="18" charset="0"/>
+                              </a:rPr>
+                              <m:t>𝑒</m:t>
+                            </m:r>
+                          </m:e>
+                          <m:sup>
+                            <m:r>
+                              <a:rPr lang="ru-RU" i="1">
+                                <a:latin typeface="Cambria Math" panose="02040503050406030204" pitchFamily="18" charset="0"/>
+                              </a:rPr>
+                              <m:t>𝑐𝑜𝑛𝑠𝑡</m:t>
+                            </m:r>
+                            <m:rad>
+                              <m:radPr>
+                                <m:degHide m:val="on"/>
+                                <m:ctrlPr>
+                                  <a:rPr lang="ru-RU" i="1">
+                                    <a:latin typeface="Cambria Math" panose="02040503050406030204" pitchFamily="18" charset="0"/>
+                                  </a:rPr>
+                                </m:ctrlPr>
+                              </m:radPr>
+                              <m:deg/>
+                              <m:e>
+                                <m:func>
+                                  <m:funcPr>
+                                    <m:ctrlPr>
+                                      <a:rPr lang="ru-RU" i="1">
+                                        <a:latin typeface="Cambria Math" panose="02040503050406030204" pitchFamily="18" charset="0"/>
+                                      </a:rPr>
+                                    </m:ctrlPr>
+                                  </m:funcPr>
+                                  <m:fName>
+                                    <m:r>
+                                      <m:rPr>
+                                        <m:sty m:val="p"/>
+                                      </m:rPr>
+                                      <a:rPr lang="ru-RU">
+                                        <a:latin typeface="Cambria Math" panose="02040503050406030204" pitchFamily="18" charset="0"/>
+                                      </a:rPr>
+                                      <m:t>log</m:t>
+                                    </m:r>
+                                  </m:fName>
+                                  <m:e>
+                                    <m:r>
+                                      <a:rPr lang="ru-RU" i="1">
+                                        <a:latin typeface="Cambria Math" panose="02040503050406030204" pitchFamily="18" charset="0"/>
+                                      </a:rPr>
+                                      <m:t>𝑝</m:t>
+                                    </m:r>
+                                  </m:e>
+                                </m:func>
+                                <m:func>
+                                  <m:funcPr>
+                                    <m:ctrlPr>
+                                      <a:rPr lang="ru-RU" i="1">
+                                        <a:latin typeface="Cambria Math" panose="02040503050406030204" pitchFamily="18" charset="0"/>
+                                      </a:rPr>
+                                    </m:ctrlPr>
+                                  </m:funcPr>
+                                  <m:fName>
+                                    <m:r>
+                                      <m:rPr>
+                                        <m:sty m:val="p"/>
+                                      </m:rPr>
+                                      <a:rPr lang="ru-RU">
+                                        <a:latin typeface="Cambria Math" panose="02040503050406030204" pitchFamily="18" charset="0"/>
+                                      </a:rPr>
+                                      <m:t>log</m:t>
+                                    </m:r>
+                                  </m:fName>
+                                  <m:e>
+                                    <m:func>
+                                      <m:funcPr>
+                                        <m:ctrlPr>
+                                          <a:rPr lang="ru-RU" i="1">
+                                            <a:latin typeface="Cambria Math" panose="02040503050406030204" pitchFamily="18" charset="0"/>
+                                          </a:rPr>
+                                        </m:ctrlPr>
+                                      </m:funcPr>
+                                      <m:fName>
+                                        <m:r>
+                                          <m:rPr>
+                                            <m:sty m:val="p"/>
+                                          </m:rPr>
+                                          <a:rPr lang="ru-RU">
+                                            <a:latin typeface="Cambria Math" panose="02040503050406030204" pitchFamily="18" charset="0"/>
+                                          </a:rPr>
+                                          <m:t>log</m:t>
+                                        </m:r>
+                                      </m:fName>
+                                      <m:e>
+                                        <m:func>
+                                          <m:funcPr>
+                                            <m:ctrlPr>
+                                              <a:rPr lang="ru-RU" i="1">
+                                                <a:latin typeface="Cambria Math" panose="02040503050406030204" pitchFamily="18" charset="0"/>
+                                              </a:rPr>
+                                            </m:ctrlPr>
+                                          </m:funcPr>
+                                          <m:fName>
+                                            <m:r>
+                                              <m:rPr>
+                                                <m:sty m:val="p"/>
+                                              </m:rPr>
+                                              <a:rPr lang="ru-RU">
+                                                <a:latin typeface="Cambria Math" panose="02040503050406030204" pitchFamily="18" charset="0"/>
+                                              </a:rPr>
+                                              <m:t>log</m:t>
+                                            </m:r>
+                                          </m:fName>
+                                          <m:e>
+                                            <m:r>
+                                              <a:rPr lang="ru-RU" i="1">
+                                                <a:latin typeface="Cambria Math" panose="02040503050406030204" pitchFamily="18" charset="0"/>
+                                              </a:rPr>
+                                              <m:t>𝑝</m:t>
+                                            </m:r>
+                                          </m:e>
+                                        </m:func>
+                                      </m:e>
+                                    </m:func>
+                                  </m:e>
+                                </m:func>
+                              </m:e>
+                            </m:rad>
+                          </m:sup>
+                        </m:sSup>
+                      </m:e>
+                    </m:d>
+                  </m:oMath>
+                </a14:m>
+                <a:endParaRPr lang="ru-RU" dirty="0"/>
+              </a:p>
+            </p:txBody>
+          </p:sp>
+        </mc:Choice>
+        <mc:Fallback xmlns="">
+          <p:sp>
+            <p:nvSpPr>
+              <p:cNvPr id="7" name="TextBox 6">
+                <a:extLst>
+                  <a:ext uri="{FF2B5EF4-FFF2-40B4-BE49-F238E27FC236}">
+                    <a16:creationId xmlns:a16="http://schemas.microsoft.com/office/drawing/2014/main" id="{48F9C19B-1D40-4C9A-B33E-22B8E9C9FA6B}"/>
+                  </a:ext>
+                </a:extLst>
+              </p:cNvPr>
+              <p:cNvSpPr txBox="1">
+                <a:spLocks noRot="1" noChangeAspect="1" noMove="1" noResize="1" noEditPoints="1" noAdjustHandles="1" noChangeArrowheads="1" noChangeShapeType="1" noTextEdit="1"/>
+              </p:cNvSpPr>
+              <p:nvPr/>
+            </p:nvSpPr>
+            <p:spPr>
+              <a:xfrm>
+                <a:off x="8778437" y="1737360"/>
+                <a:ext cx="2780518" cy="921406"/>
+              </a:xfrm>
+              <a:prstGeom prst="rect">
+                <a:avLst/>
+              </a:prstGeom>
+              <a:blipFill>
+                <a:blip r:embed="rId5"/>
+                <a:stretch>
+                  <a:fillRect/>
+                </a:stretch>
+              </a:blipFill>
+              <a:ln w="12700">
+                <a:solidFill>
+                  <a:schemeClr val="tx1"/>
+                </a:solidFill>
+              </a:ln>
             </p:spPr>
             <p:txBody>
               <a:bodyPr/>
@@ -15849,8 +16295,8 @@
           </a:graphicData>
         </a:graphic>
       </p:graphicFrame>
-      <mc:AlternateContent xmlns:mc="http://schemas.openxmlformats.org/markup-compatibility/2006">
-        <mc:Choice xmlns:a14="http://schemas.microsoft.com/office/drawing/2010/main" Requires="a14">
+      <mc:AlternateContent xmlns:mc="http://schemas.openxmlformats.org/markup-compatibility/2006" xmlns:a14="http://schemas.microsoft.com/office/drawing/2010/main">
+        <mc:Choice Requires="a14">
           <p:sp>
             <p:nvSpPr>
               <p:cNvPr id="6" name="TextBox 5">
@@ -15865,13 +16311,18 @@
             </p:nvSpPr>
             <p:spPr>
               <a:xfrm>
-                <a:off x="3048000" y="1737360"/>
-                <a:ext cx="6095276" cy="1096710"/>
+                <a:off x="3626338" y="1737360"/>
+                <a:ext cx="4939323" cy="1096710"/>
               </a:xfrm>
               <a:prstGeom prst="rect">
                 <a:avLst/>
               </a:prstGeom>
               <a:noFill/>
+              <a:ln w="12700">
+                <a:solidFill>
+                  <a:schemeClr val="tx1"/>
+                </a:solidFill>
+              </a:ln>
             </p:spPr>
             <p:txBody>
               <a:bodyPr wrap="square">
@@ -16303,7 +16754,7 @@
             </p:txBody>
           </p:sp>
         </mc:Choice>
-        <mc:Fallback>
+        <mc:Fallback xmlns="">
           <p:sp>
             <p:nvSpPr>
               <p:cNvPr id="6" name="TextBox 5">
@@ -16320,8 +16771,8 @@
             </p:nvSpPr>
             <p:spPr>
               <a:xfrm>
-                <a:off x="3048000" y="1737360"/>
-                <a:ext cx="6095276" cy="1096710"/>
+                <a:off x="3626338" y="1737360"/>
+                <a:ext cx="4939323" cy="1096710"/>
               </a:xfrm>
               <a:prstGeom prst="rect">
                 <a:avLst/>
@@ -16332,6 +16783,184 @@
                   <a:fillRect/>
                 </a:stretch>
               </a:blipFill>
+              <a:ln w="12700">
+                <a:solidFill>
+                  <a:schemeClr val="tx1"/>
+                </a:solidFill>
+              </a:ln>
+            </p:spPr>
+            <p:txBody>
+              <a:bodyPr/>
+              <a:lstStyle/>
+              <a:p>
+                <a:r>
+                  <a:rPr lang="ru-RU">
+                    <a:noFill/>
+                  </a:rPr>
+                  <a:t> </a:t>
+                </a:r>
+              </a:p>
+            </p:txBody>
+          </p:sp>
+        </mc:Fallback>
+      </mc:AlternateContent>
+      <mc:AlternateContent xmlns:mc="http://schemas.openxmlformats.org/markup-compatibility/2006" xmlns:a14="http://schemas.microsoft.com/office/drawing/2010/main">
+        <mc:Choice Requires="a14">
+          <p:sp>
+            <p:nvSpPr>
+              <p:cNvPr id="7" name="TextBox 6">
+                <a:extLst>
+                  <a:ext uri="{FF2B5EF4-FFF2-40B4-BE49-F238E27FC236}">
+                    <a16:creationId xmlns:a16="http://schemas.microsoft.com/office/drawing/2014/main" id="{62F590C1-4D8B-49DE-9527-E986028669F5}"/>
+                  </a:ext>
+                </a:extLst>
+              </p:cNvPr>
+              <p:cNvSpPr txBox="1"/>
+              <p:nvPr/>
+            </p:nvSpPr>
+            <p:spPr>
+              <a:xfrm>
+                <a:off x="9453488" y="2083223"/>
+                <a:ext cx="1641231" cy="404983"/>
+              </a:xfrm>
+              <a:prstGeom prst="rect">
+                <a:avLst/>
+              </a:prstGeom>
+              <a:noFill/>
+              <a:ln w="12700">
+                <a:solidFill>
+                  <a:schemeClr val="tx1"/>
+                </a:solidFill>
+              </a:ln>
+            </p:spPr>
+            <p:txBody>
+              <a:bodyPr wrap="square">
+                <a:spAutoFit/>
+              </a:bodyPr>
+              <a:lstStyle/>
+              <a:p>
+                <a14:m>
+                  <m:oMath xmlns:m="http://schemas.openxmlformats.org/officeDocument/2006/math">
+                    <m:r>
+                      <a:rPr lang="ru-RU" i="1" smtClean="0">
+                        <a:latin typeface="Cambria Math" panose="02040503050406030204" pitchFamily="18" charset="0"/>
+                      </a:rPr>
+                      <m:t>𝑂</m:t>
+                    </m:r>
+                    <m:d>
+                      <m:dPr>
+                        <m:ctrlPr>
+                          <a:rPr lang="ru-RU" i="1">
+                            <a:solidFill>
+                              <a:srgbClr val="836967"/>
+                            </a:solidFill>
+                            <a:latin typeface="Cambria Math" panose="02040503050406030204" pitchFamily="18" charset="0"/>
+                          </a:rPr>
+                        </m:ctrlPr>
+                      </m:dPr>
+                      <m:e>
+                        <m:sSup>
+                          <m:sSupPr>
+                            <m:ctrlPr>
+                              <a:rPr lang="ru-RU" i="1">
+                                <a:solidFill>
+                                  <a:srgbClr val="836967"/>
+                                </a:solidFill>
+                                <a:latin typeface="Cambria Math" panose="02040503050406030204" pitchFamily="18" charset="0"/>
+                              </a:rPr>
+                            </m:ctrlPr>
+                          </m:sSupPr>
+                          <m:e>
+                            <m:r>
+                              <a:rPr lang="ru-RU" i="1">
+                                <a:latin typeface="Cambria Math" panose="02040503050406030204" pitchFamily="18" charset="0"/>
+                              </a:rPr>
+                              <m:t>𝑛</m:t>
+                            </m:r>
+                          </m:e>
+                          <m:sup>
+                            <m:r>
+                              <a:rPr lang="ru-RU" i="0">
+                                <a:latin typeface="Cambria Math" panose="02040503050406030204" pitchFamily="18" charset="0"/>
+                              </a:rPr>
+                              <m:t>2</m:t>
+                            </m:r>
+                          </m:sup>
+                        </m:sSup>
+                      </m:e>
+                    </m:d>
+                  </m:oMath>
+                </a14:m>
+                <a:r>
+                  <a:rPr lang="en-US" dirty="0"/>
+                  <a:t> =&gt; </a:t>
+                </a:r>
+                <a14:m>
+                  <m:oMath xmlns:m="http://schemas.openxmlformats.org/officeDocument/2006/math">
+                    <m:r>
+                      <a:rPr lang="ru-RU" i="1">
+                        <a:latin typeface="Cambria Math" panose="02040503050406030204" pitchFamily="18" charset="0"/>
+                      </a:rPr>
+                      <m:t>𝑂</m:t>
+                    </m:r>
+                    <m:d>
+                      <m:dPr>
+                        <m:ctrlPr>
+                          <a:rPr lang="ru-RU" i="1">
+                            <a:latin typeface="Cambria Math" panose="02040503050406030204" pitchFamily="18" charset="0"/>
+                          </a:rPr>
+                        </m:ctrlPr>
+                      </m:dPr>
+                      <m:e>
+                        <m:r>
+                          <a:rPr lang="en-US" i="1">
+                            <a:latin typeface="Cambria Math" panose="02040503050406030204" pitchFamily="18" charset="0"/>
+                          </a:rPr>
+                          <m:t>𝑛</m:t>
+                        </m:r>
+                      </m:e>
+                    </m:d>
+                  </m:oMath>
+                </a14:m>
+                <a:endParaRPr lang="ru-RU" dirty="0"/>
+              </a:p>
+            </p:txBody>
+          </p:sp>
+        </mc:Choice>
+        <mc:Fallback xmlns="">
+          <p:sp>
+            <p:nvSpPr>
+              <p:cNvPr id="7" name="TextBox 6">
+                <a:extLst>
+                  <a:ext uri="{FF2B5EF4-FFF2-40B4-BE49-F238E27FC236}">
+                    <a16:creationId xmlns:a16="http://schemas.microsoft.com/office/drawing/2014/main" id="{62F590C1-4D8B-49DE-9527-E986028669F5}"/>
+                  </a:ext>
+                </a:extLst>
+              </p:cNvPr>
+              <p:cNvSpPr txBox="1">
+                <a:spLocks noRot="1" noChangeAspect="1" noMove="1" noResize="1" noEditPoints="1" noAdjustHandles="1" noChangeArrowheads="1" noChangeShapeType="1" noTextEdit="1"/>
+              </p:cNvSpPr>
+              <p:nvPr/>
+            </p:nvSpPr>
+            <p:spPr>
+              <a:xfrm>
+                <a:off x="9453488" y="2083223"/>
+                <a:ext cx="1641231" cy="404983"/>
+              </a:xfrm>
+              <a:prstGeom prst="rect">
+                <a:avLst/>
+              </a:prstGeom>
+              <a:blipFill>
+                <a:blip r:embed="rId5"/>
+                <a:stretch>
+                  <a:fillRect t="-1471" b="-19118"/>
+                </a:stretch>
+              </a:blipFill>
+              <a:ln w="12700">
+                <a:solidFill>
+                  <a:schemeClr val="tx1"/>
+                </a:solidFill>
+              </a:ln>
             </p:spPr>
             <p:txBody>
               <a:bodyPr/>
@@ -16465,8 +17094,8 @@
           </a:graphicData>
         </a:graphic>
       </p:graphicFrame>
-      <mc:AlternateContent xmlns:mc="http://schemas.openxmlformats.org/markup-compatibility/2006">
-        <mc:Choice xmlns:a14="http://schemas.microsoft.com/office/drawing/2010/main" Requires="a14">
+      <mc:AlternateContent xmlns:mc="http://schemas.openxmlformats.org/markup-compatibility/2006" xmlns:a14="http://schemas.microsoft.com/office/drawing/2010/main">
+        <mc:Choice Requires="a14">
           <p:sp>
             <p:nvSpPr>
               <p:cNvPr id="6" name="TextBox 5">
@@ -16488,6 +17117,11 @@
                 <a:avLst/>
               </a:prstGeom>
               <a:noFill/>
+              <a:ln w="12700">
+                <a:solidFill>
+                  <a:schemeClr val="tx1"/>
+                </a:solidFill>
+              </a:ln>
             </p:spPr>
             <p:txBody>
               <a:bodyPr wrap="square">
@@ -16546,7 +17180,7 @@
             </p:txBody>
           </p:sp>
         </mc:Choice>
-        <mc:Fallback>
+        <mc:Fallback xmlns="">
           <p:sp>
             <p:nvSpPr>
               <p:cNvPr id="6" name="TextBox 5">
@@ -16572,9 +17206,232 @@
               <a:blipFill>
                 <a:blip r:embed="rId4"/>
                 <a:stretch>
-                  <a:fillRect b="-13333"/>
+                  <a:fillRect b="-11290"/>
                 </a:stretch>
               </a:blipFill>
+              <a:ln w="12700">
+                <a:solidFill>
+                  <a:schemeClr val="tx1"/>
+                </a:solidFill>
+              </a:ln>
+            </p:spPr>
+            <p:txBody>
+              <a:bodyPr/>
+              <a:lstStyle/>
+              <a:p>
+                <a:r>
+                  <a:rPr lang="ru-RU">
+                    <a:noFill/>
+                  </a:rPr>
+                  <a:t> </a:t>
+                </a:r>
+              </a:p>
+            </p:txBody>
+          </p:sp>
+        </mc:Fallback>
+      </mc:AlternateContent>
+      <mc:AlternateContent xmlns:mc="http://schemas.openxmlformats.org/markup-compatibility/2006" xmlns:a14="http://schemas.microsoft.com/office/drawing/2010/main">
+        <mc:Choice Requires="a14">
+          <p:sp>
+            <p:nvSpPr>
+              <p:cNvPr id="7" name="TextBox 6">
+                <a:extLst>
+                  <a:ext uri="{FF2B5EF4-FFF2-40B4-BE49-F238E27FC236}">
+                    <a16:creationId xmlns:a16="http://schemas.microsoft.com/office/drawing/2014/main" id="{71614044-1A12-4902-A584-77D73A6A1646}"/>
+                  </a:ext>
+                </a:extLst>
+              </p:cNvPr>
+              <p:cNvSpPr txBox="1"/>
+              <p:nvPr/>
+            </p:nvSpPr>
+            <p:spPr>
+              <a:xfrm>
+                <a:off x="8589108" y="1891595"/>
+                <a:ext cx="2352430" cy="408702"/>
+              </a:xfrm>
+              <a:prstGeom prst="rect">
+                <a:avLst/>
+              </a:prstGeom>
+              <a:noFill/>
+              <a:ln w="12700">
+                <a:solidFill>
+                  <a:schemeClr val="tx1"/>
+                </a:solidFill>
+              </a:ln>
+            </p:spPr>
+            <p:txBody>
+              <a:bodyPr wrap="square">
+                <a:spAutoFit/>
+              </a:bodyPr>
+              <a:lstStyle/>
+              <a:p>
+                <a14:m>
+                  <m:oMath xmlns:m="http://schemas.openxmlformats.org/officeDocument/2006/math">
+                    <m:r>
+                      <a:rPr lang="ru-RU" i="1" smtClean="0">
+                        <a:latin typeface="Cambria Math" panose="02040503050406030204" pitchFamily="18" charset="0"/>
+                      </a:rPr>
+                      <m:t>𝑂</m:t>
+                    </m:r>
+                    <m:d>
+                      <m:dPr>
+                        <m:ctrlPr>
+                          <a:rPr lang="ru-RU" i="1">
+                            <a:solidFill>
+                              <a:srgbClr val="836967"/>
+                            </a:solidFill>
+                            <a:latin typeface="Cambria Math" panose="02040503050406030204" pitchFamily="18" charset="0"/>
+                          </a:rPr>
+                        </m:ctrlPr>
+                      </m:dPr>
+                      <m:e>
+                        <m:sSup>
+                          <m:sSupPr>
+                            <m:ctrlPr>
+                              <a:rPr lang="ru-RU" i="1">
+                                <a:solidFill>
+                                  <a:srgbClr val="836967"/>
+                                </a:solidFill>
+                                <a:latin typeface="Cambria Math" panose="02040503050406030204" pitchFamily="18" charset="0"/>
+                              </a:rPr>
+                            </m:ctrlPr>
+                          </m:sSupPr>
+                          <m:e>
+                            <m:r>
+                              <a:rPr lang="ru-RU" i="1">
+                                <a:latin typeface="Cambria Math" panose="02040503050406030204" pitchFamily="18" charset="0"/>
+                              </a:rPr>
+                              <m:t>𝑛</m:t>
+                            </m:r>
+                          </m:e>
+                          <m:sup>
+                            <m:f>
+                              <m:fPr>
+                                <m:type m:val="lin"/>
+                                <m:ctrlPr>
+                                  <a:rPr lang="ru-RU" i="1">
+                                    <a:latin typeface="Cambria Math" panose="02040503050406030204" pitchFamily="18" charset="0"/>
+                                  </a:rPr>
+                                </m:ctrlPr>
+                              </m:fPr>
+                              <m:num>
+                                <m:r>
+                                  <a:rPr lang="ru-RU" i="0">
+                                    <a:latin typeface="Cambria Math" panose="02040503050406030204" pitchFamily="18" charset="0"/>
+                                  </a:rPr>
+                                  <m:t>1</m:t>
+                                </m:r>
+                              </m:num>
+                              <m:den>
+                                <m:r>
+                                  <a:rPr lang="ru-RU" i="1">
+                                    <a:latin typeface="Cambria Math" panose="02040503050406030204" pitchFamily="18" charset="0"/>
+                                  </a:rPr>
+                                  <m:t>𝑑</m:t>
+                                </m:r>
+                              </m:den>
+                            </m:f>
+                          </m:sup>
+                        </m:sSup>
+                      </m:e>
+                    </m:d>
+                  </m:oMath>
+                </a14:m>
+                <a:r>
+                  <a:rPr lang="en-US" dirty="0"/>
+                  <a:t> =&gt; </a:t>
+                </a:r>
+                <a14:m>
+                  <m:oMath xmlns:m="http://schemas.openxmlformats.org/officeDocument/2006/math">
+                    <m:r>
+                      <a:rPr lang="ru-RU" i="1">
+                        <a:latin typeface="Cambria Math" panose="02040503050406030204" pitchFamily="18" charset="0"/>
+                      </a:rPr>
+                      <m:t>𝑂</m:t>
+                    </m:r>
+                    <m:d>
+                      <m:dPr>
+                        <m:ctrlPr>
+                          <a:rPr lang="ru-RU" i="1">
+                            <a:latin typeface="Cambria Math" panose="02040503050406030204" pitchFamily="18" charset="0"/>
+                          </a:rPr>
+                        </m:ctrlPr>
+                      </m:dPr>
+                      <m:e>
+                        <m:sSup>
+                          <m:sSupPr>
+                            <m:ctrlPr>
+                              <a:rPr lang="ru-RU" i="1">
+                                <a:latin typeface="Cambria Math" panose="02040503050406030204" pitchFamily="18" charset="0"/>
+                              </a:rPr>
+                            </m:ctrlPr>
+                          </m:sSupPr>
+                          <m:e>
+                            <m:r>
+                              <a:rPr lang="ru-RU" i="1">
+                                <a:latin typeface="Cambria Math" panose="02040503050406030204" pitchFamily="18" charset="0"/>
+                              </a:rPr>
+                              <m:t>𝑛</m:t>
+                            </m:r>
+                          </m:e>
+                          <m:sup>
+                            <m:r>
+                              <a:rPr lang="ru-RU" i="1">
+                                <a:latin typeface="Cambria Math" panose="02040503050406030204" pitchFamily="18" charset="0"/>
+                              </a:rPr>
+                              <m:t>8/</m:t>
+                            </m:r>
+                            <m:r>
+                              <a:rPr lang="ru-RU" i="1">
+                                <a:latin typeface="Cambria Math" panose="02040503050406030204" pitchFamily="18" charset="0"/>
+                              </a:rPr>
+                              <m:t>𝑛</m:t>
+                            </m:r>
+                          </m:sup>
+                        </m:sSup>
+                      </m:e>
+                    </m:d>
+                  </m:oMath>
+                </a14:m>
+                <a:endParaRPr lang="ru-RU" dirty="0"/>
+              </a:p>
+            </p:txBody>
+          </p:sp>
+        </mc:Choice>
+        <mc:Fallback xmlns="">
+          <p:sp>
+            <p:nvSpPr>
+              <p:cNvPr id="7" name="TextBox 6">
+                <a:extLst>
+                  <a:ext uri="{FF2B5EF4-FFF2-40B4-BE49-F238E27FC236}">
+                    <a16:creationId xmlns:a16="http://schemas.microsoft.com/office/drawing/2014/main" id="{71614044-1A12-4902-A584-77D73A6A1646}"/>
+                  </a:ext>
+                </a:extLst>
+              </p:cNvPr>
+              <p:cNvSpPr txBox="1">
+                <a:spLocks noRot="1" noChangeAspect="1" noMove="1" noResize="1" noEditPoints="1" noAdjustHandles="1" noChangeArrowheads="1" noChangeShapeType="1" noTextEdit="1"/>
+              </p:cNvSpPr>
+              <p:nvPr/>
+            </p:nvSpPr>
+            <p:spPr>
+              <a:xfrm>
+                <a:off x="8589108" y="1891595"/>
+                <a:ext cx="2352430" cy="408702"/>
+              </a:xfrm>
+              <a:prstGeom prst="rect">
+                <a:avLst/>
+              </a:prstGeom>
+              <a:blipFill>
+                <a:blip r:embed="rId5"/>
+                <a:stretch>
+                  <a:fillRect t="-71014" b="-84058"/>
+                </a:stretch>
+              </a:blipFill>
+              <a:ln w="12700">
+                <a:solidFill>
+                  <a:schemeClr val="tx1"/>
+                </a:solidFill>
+              </a:ln>
             </p:spPr>
             <p:txBody>
               <a:bodyPr/>
@@ -17643,7 +18500,7 @@
             </a:r>
             <a:r>
               <a:rPr lang="ru-RU" b="1" i="1" dirty="0"/>
-              <a:t>Время»</a:t>
+              <a:t>Память»</a:t>
             </a:r>
             <a:r>
               <a:rPr lang="ru-RU" i="1" dirty="0"/>
@@ -18626,6 +19483,79 @@
           </p:sp>
         </mc:Fallback>
       </mc:AlternateContent>
+      <p:sp>
+        <p:nvSpPr>
+          <p:cNvPr id="5" name="TextBox 4">
+            <a:extLst>
+              <a:ext uri="{FF2B5EF4-FFF2-40B4-BE49-F238E27FC236}">
+                <a16:creationId xmlns:a16="http://schemas.microsoft.com/office/drawing/2014/main" id="{145D4787-ED4C-4BFF-8835-80632E71EBE5}"/>
+              </a:ext>
+            </a:extLst>
+          </p:cNvPr>
+          <p:cNvSpPr txBox="1"/>
+          <p:nvPr/>
+        </p:nvSpPr>
+        <p:spPr>
+          <a:xfrm>
+            <a:off x="846145" y="4905205"/>
+            <a:ext cx="6095276" cy="1200329"/>
+          </a:xfrm>
+          <a:prstGeom prst="rect">
+            <a:avLst/>
+          </a:prstGeom>
+          <a:noFill/>
+        </p:spPr>
+        <p:txBody>
+          <a:bodyPr wrap="square">
+            <a:spAutoFit/>
+          </a:bodyPr>
+          <a:lstStyle/>
+          <a:p>
+            <a:r>
+              <a:rPr lang="en-US" dirty="0"/>
+              <a:t>A – </a:t>
+            </a:r>
+            <a:r>
+              <a:rPr lang="ru-RU" dirty="0"/>
+              <a:t>остаток от деления</a:t>
+            </a:r>
+            <a:endParaRPr lang="en-US" dirty="0"/>
+          </a:p>
+          <a:p>
+            <a:r>
+              <a:rPr lang="en-US" dirty="0"/>
+              <a:t>g –</a:t>
+            </a:r>
+            <a:r>
+              <a:rPr lang="ru-RU" dirty="0"/>
+              <a:t> основание</a:t>
+            </a:r>
+            <a:endParaRPr lang="en-US" dirty="0"/>
+          </a:p>
+          <a:p>
+            <a:r>
+              <a:rPr lang="en-US" dirty="0"/>
+              <a:t>a –</a:t>
+            </a:r>
+            <a:r>
+              <a:rPr lang="ru-RU" dirty="0"/>
+              <a:t> показатель степени</a:t>
+            </a:r>
+            <a:endParaRPr lang="en-US" dirty="0"/>
+          </a:p>
+          <a:p>
+            <a:r>
+              <a:rPr lang="en-US" dirty="0"/>
+              <a:t>p –</a:t>
+            </a:r>
+            <a:r>
+              <a:rPr lang="ru-RU"/>
+              <a:t> модуль</a:t>
+            </a:r>
+            <a:endParaRPr lang="en-US" dirty="0"/>
+          </a:p>
+        </p:txBody>
+      </p:sp>
     </p:spTree>
     <p:extLst>
       <p:ext uri="{BB962C8B-B14F-4D97-AF65-F5344CB8AC3E}">
@@ -19123,8 +20053,8 @@
           </a:graphicData>
         </a:graphic>
       </p:graphicFrame>
-      <mc:AlternateContent xmlns:mc="http://schemas.openxmlformats.org/markup-compatibility/2006">
-        <mc:Choice xmlns:a14="http://schemas.microsoft.com/office/drawing/2010/main" Requires="a14">
+      <mc:AlternateContent xmlns:mc="http://schemas.openxmlformats.org/markup-compatibility/2006" xmlns:a14="http://schemas.microsoft.com/office/drawing/2010/main">
+        <mc:Choice Requires="a14">
           <p:sp>
             <p:nvSpPr>
               <p:cNvPr id="6" name="TextBox 5">
@@ -19139,13 +20069,18 @@
             </p:nvSpPr>
             <p:spPr>
               <a:xfrm>
-                <a:off x="4317578" y="1713121"/>
-                <a:ext cx="3556841" cy="1003736"/>
+                <a:off x="4321908" y="1737359"/>
+                <a:ext cx="3552511" cy="1003736"/>
               </a:xfrm>
               <a:prstGeom prst="rect">
                 <a:avLst/>
               </a:prstGeom>
               <a:noFill/>
+              <a:ln w="12700">
+                <a:solidFill>
+                  <a:schemeClr val="tx1"/>
+                </a:solidFill>
+              </a:ln>
             </p:spPr>
             <p:txBody>
               <a:bodyPr wrap="square">
@@ -19545,7 +20480,7 @@
             </p:txBody>
           </p:sp>
         </mc:Choice>
-        <mc:Fallback>
+        <mc:Fallback xmlns="">
           <p:sp>
             <p:nvSpPr>
               <p:cNvPr id="6" name="TextBox 5">
@@ -19562,8 +20497,8 @@
             </p:nvSpPr>
             <p:spPr>
               <a:xfrm>
-                <a:off x="4317578" y="1713121"/>
-                <a:ext cx="3556841" cy="1003736"/>
+                <a:off x="4321908" y="1737359"/>
+                <a:ext cx="3552511" cy="1003736"/>
               </a:xfrm>
               <a:prstGeom prst="rect">
                 <a:avLst/>
@@ -19571,9 +20506,247 @@
               <a:blipFill>
                 <a:blip r:embed="rId4"/>
                 <a:stretch>
-                  <a:fillRect r="-856" b="-7879"/>
+                  <a:fillRect r="-684" b="-7186"/>
                 </a:stretch>
               </a:blipFill>
+              <a:ln w="12700">
+                <a:solidFill>
+                  <a:schemeClr val="tx1"/>
+                </a:solidFill>
+              </a:ln>
+            </p:spPr>
+            <p:txBody>
+              <a:bodyPr/>
+              <a:lstStyle/>
+              <a:p>
+                <a:r>
+                  <a:rPr lang="ru-RU">
+                    <a:noFill/>
+                  </a:rPr>
+                  <a:t> </a:t>
+                </a:r>
+              </a:p>
+            </p:txBody>
+          </p:sp>
+        </mc:Fallback>
+      </mc:AlternateContent>
+      <mc:AlternateContent xmlns:mc="http://schemas.openxmlformats.org/markup-compatibility/2006" xmlns:a14="http://schemas.microsoft.com/office/drawing/2010/main">
+        <mc:Choice Requires="a14">
+          <p:sp>
+            <p:nvSpPr>
+              <p:cNvPr id="7" name="TextBox 6">
+                <a:extLst>
+                  <a:ext uri="{FF2B5EF4-FFF2-40B4-BE49-F238E27FC236}">
+                    <a16:creationId xmlns:a16="http://schemas.microsoft.com/office/drawing/2014/main" id="{5B5A98C4-1704-4079-B0A2-88F5A54B9540}"/>
+                  </a:ext>
+                </a:extLst>
+              </p:cNvPr>
+              <p:cNvSpPr txBox="1"/>
+              <p:nvPr/>
+            </p:nvSpPr>
+            <p:spPr>
+              <a:xfrm>
+                <a:off x="9181514" y="1867324"/>
+                <a:ext cx="1974166" cy="646331"/>
+              </a:xfrm>
+              <a:prstGeom prst="rect">
+                <a:avLst/>
+              </a:prstGeom>
+              <a:noFill/>
+              <a:ln w="12700">
+                <a:solidFill>
+                  <a:schemeClr val="tx1"/>
+                </a:solidFill>
+              </a:ln>
+            </p:spPr>
+            <p:txBody>
+              <a:bodyPr wrap="square">
+                <a:spAutoFit/>
+              </a:bodyPr>
+              <a:lstStyle/>
+              <a:p>
+                <a14:m>
+                  <m:oMath xmlns:m="http://schemas.openxmlformats.org/officeDocument/2006/math">
+                    <m:r>
+                      <a:rPr lang="ru-RU" i="1" smtClean="0">
+                        <a:latin typeface="Cambria Math" panose="02040503050406030204" pitchFamily="18" charset="0"/>
+                      </a:rPr>
+                      <m:t>𝑂</m:t>
+                    </m:r>
+                    <m:d>
+                      <m:dPr>
+                        <m:ctrlPr>
+                          <a:rPr lang="ru-RU" i="1">
+                            <a:solidFill>
+                              <a:srgbClr val="836967"/>
+                            </a:solidFill>
+                            <a:latin typeface="Cambria Math" panose="02040503050406030204" pitchFamily="18" charset="0"/>
+                          </a:rPr>
+                        </m:ctrlPr>
+                      </m:dPr>
+                      <m:e>
+                        <m:r>
+                          <a:rPr lang="ru-RU" i="0">
+                            <a:latin typeface="Cambria Math" panose="02040503050406030204" pitchFamily="18" charset="0"/>
+                          </a:rPr>
+                          <m:t>2</m:t>
+                        </m:r>
+                        <m:r>
+                          <a:rPr lang="ru-RU" i="1">
+                            <a:latin typeface="Cambria Math" panose="02040503050406030204" pitchFamily="18" charset="0"/>
+                          </a:rPr>
+                          <m:t>𝑛</m:t>
+                        </m:r>
+                      </m:e>
+                    </m:d>
+                  </m:oMath>
+                </a14:m>
+                <a:r>
+                  <a:rPr lang="en-US" dirty="0"/>
+                  <a:t> =&gt; </a:t>
+                </a:r>
+                <a14:m>
+                  <m:oMath xmlns:m="http://schemas.openxmlformats.org/officeDocument/2006/math">
+                    <m:r>
+                      <a:rPr lang="ru-RU" i="1">
+                        <a:latin typeface="Cambria Math" panose="02040503050406030204" pitchFamily="18" charset="0"/>
+                      </a:rPr>
+                      <m:t>𝑂</m:t>
+                    </m:r>
+                    <m:d>
+                      <m:dPr>
+                        <m:ctrlPr>
+                          <a:rPr lang="ru-RU" i="1">
+                            <a:latin typeface="Cambria Math" panose="02040503050406030204" pitchFamily="18" charset="0"/>
+                          </a:rPr>
+                        </m:ctrlPr>
+                      </m:dPr>
+                      <m:e>
+                        <m:r>
+                          <a:rPr lang="en-US" i="1">
+                            <a:latin typeface="Cambria Math" panose="02040503050406030204" pitchFamily="18" charset="0"/>
+                          </a:rPr>
+                          <m:t>𝑛</m:t>
+                        </m:r>
+                      </m:e>
+                    </m:d>
+                  </m:oMath>
+                </a14:m>
+                <a:endParaRPr lang="en-US" i="1" dirty="0"/>
+              </a:p>
+              <a:p>
+                <a14:m>
+                  <m:oMath xmlns:m="http://schemas.openxmlformats.org/officeDocument/2006/math">
+                    <m:r>
+                      <a:rPr lang="ru-RU" sz="1800" i="1" smtClean="0">
+                        <a:effectLst/>
+                        <a:latin typeface="Cambria Math" panose="02040503050406030204" pitchFamily="18" charset="0"/>
+                        <a:ea typeface="Times New Roman" panose="02020603050405020304" pitchFamily="18" charset="0"/>
+                        <a:cs typeface="Times New Roman" panose="02020603050405020304" pitchFamily="18" charset="0"/>
+                      </a:rPr>
+                      <m:t>𝑂</m:t>
+                    </m:r>
+                    <m:d>
+                      <m:dPr>
+                        <m:ctrlPr>
+                          <a:rPr lang="ru-RU" sz="1800" i="1">
+                            <a:effectLst/>
+                            <a:latin typeface="Cambria Math" panose="02040503050406030204" pitchFamily="18" charset="0"/>
+                            <a:ea typeface="Times New Roman" panose="02020603050405020304" pitchFamily="18" charset="0"/>
+                            <a:cs typeface="Times New Roman" panose="02020603050405020304" pitchFamily="18" charset="0"/>
+                          </a:rPr>
+                        </m:ctrlPr>
+                      </m:dPr>
+                      <m:e>
+                        <m:r>
+                          <a:rPr lang="en-US" sz="1800" i="1">
+                            <a:effectLst/>
+                            <a:latin typeface="Cambria Math" panose="02040503050406030204" pitchFamily="18" charset="0"/>
+                            <a:ea typeface="Times New Roman" panose="02020603050405020304" pitchFamily="18" charset="0"/>
+                            <a:cs typeface="Times New Roman" panose="02020603050405020304" pitchFamily="18" charset="0"/>
+                          </a:rPr>
+                          <m:t>𝑛</m:t>
+                        </m:r>
+                      </m:e>
+                    </m:d>
+                  </m:oMath>
+                </a14:m>
+                <a:r>
+                  <a:rPr lang="en-US" dirty="0"/>
+                  <a:t> =&gt; </a:t>
+                </a:r>
+                <a14:m>
+                  <m:oMath xmlns:m="http://schemas.openxmlformats.org/officeDocument/2006/math">
+                    <m:r>
+                      <a:rPr lang="ru-RU" i="1">
+                        <a:latin typeface="Cambria Math" panose="02040503050406030204" pitchFamily="18" charset="0"/>
+                      </a:rPr>
+                      <m:t>𝑂</m:t>
+                    </m:r>
+                    <m:d>
+                      <m:dPr>
+                        <m:ctrlPr>
+                          <a:rPr lang="ru-RU" i="1">
+                            <a:latin typeface="Cambria Math" panose="02040503050406030204" pitchFamily="18" charset="0"/>
+                          </a:rPr>
+                        </m:ctrlPr>
+                      </m:dPr>
+                      <m:e>
+                        <m:r>
+                          <a:rPr lang="en-US" i="1">
+                            <a:latin typeface="Cambria Math" panose="02040503050406030204" pitchFamily="18" charset="0"/>
+                          </a:rPr>
+                          <m:t>𝑛</m:t>
+                        </m:r>
+                        <m:r>
+                          <a:rPr lang="ru-RU" i="1">
+                            <a:latin typeface="Cambria Math" panose="02040503050406030204" pitchFamily="18" charset="0"/>
+                          </a:rPr>
+                          <m:t>/2</m:t>
+                        </m:r>
+                      </m:e>
+                    </m:d>
+                  </m:oMath>
+                </a14:m>
+                <a:endParaRPr lang="ru-RU" dirty="0"/>
+              </a:p>
+            </p:txBody>
+          </p:sp>
+        </mc:Choice>
+        <mc:Fallback xmlns="">
+          <p:sp>
+            <p:nvSpPr>
+              <p:cNvPr id="7" name="TextBox 6">
+                <a:extLst>
+                  <a:ext uri="{FF2B5EF4-FFF2-40B4-BE49-F238E27FC236}">
+                    <a16:creationId xmlns:a16="http://schemas.microsoft.com/office/drawing/2014/main" id="{5B5A98C4-1704-4079-B0A2-88F5A54B9540}"/>
+                  </a:ext>
+                </a:extLst>
+              </p:cNvPr>
+              <p:cNvSpPr txBox="1">
+                <a:spLocks noRot="1" noChangeAspect="1" noMove="1" noResize="1" noEditPoints="1" noAdjustHandles="1" noChangeArrowheads="1" noChangeShapeType="1" noTextEdit="1"/>
+              </p:cNvSpPr>
+              <p:nvPr/>
+            </p:nvSpPr>
+            <p:spPr>
+              <a:xfrm>
+                <a:off x="9181514" y="1867324"/>
+                <a:ext cx="1974166" cy="646331"/>
+              </a:xfrm>
+              <a:prstGeom prst="rect">
+                <a:avLst/>
+              </a:prstGeom>
+              <a:blipFill>
+                <a:blip r:embed="rId5"/>
+                <a:stretch>
+                  <a:fillRect t="-3704" b="-12963"/>
+                </a:stretch>
+              </a:blipFill>
+              <a:ln w="12700">
+                <a:solidFill>
+                  <a:schemeClr val="tx1"/>
+                </a:solidFill>
+              </a:ln>
             </p:spPr>
             <p:txBody>
               <a:bodyPr/>
@@ -19701,7 +20874,7 @@
           <p:nvPr>
             <p:extLst>
               <p:ext uri="{D42A27DB-BD31-4B8C-83A1-F6EECF244321}">
-                <p14:modId xmlns:p14="http://schemas.microsoft.com/office/powerpoint/2010/main" val="891446032"/>
+                <p14:modId xmlns:p14="http://schemas.microsoft.com/office/powerpoint/2010/main" val="51471728"/>
               </p:ext>
             </p:extLst>
           </p:nvPr>
@@ -19716,8 +20889,8 @@
           </a:graphicData>
         </a:graphic>
       </p:graphicFrame>
-      <mc:AlternateContent xmlns:mc="http://schemas.openxmlformats.org/markup-compatibility/2006">
-        <mc:Choice xmlns:a14="http://schemas.microsoft.com/office/drawing/2010/main" Requires="a14">
+      <mc:AlternateContent xmlns:mc="http://schemas.openxmlformats.org/markup-compatibility/2006" xmlns:a14="http://schemas.microsoft.com/office/drawing/2010/main">
+        <mc:Choice Requires="a14">
           <p:sp>
             <p:nvSpPr>
               <p:cNvPr id="6" name="TextBox 5">
@@ -19739,6 +20912,11 @@
                 <a:avLst/>
               </a:prstGeom>
               <a:noFill/>
+              <a:ln w="12700">
+                <a:solidFill>
+                  <a:schemeClr val="tx1"/>
+                </a:solidFill>
+              </a:ln>
             </p:spPr>
             <p:txBody>
               <a:bodyPr wrap="square">
@@ -19830,7 +21008,7 @@
             </p:txBody>
           </p:sp>
         </mc:Choice>
-        <mc:Fallback>
+        <mc:Fallback xmlns="">
           <p:sp>
             <p:nvSpPr>
               <p:cNvPr id="6" name="TextBox 5">
@@ -19856,9 +21034,187 @@
               <a:blipFill>
                 <a:blip r:embed="rId4"/>
                 <a:stretch>
-                  <a:fillRect b="-6667"/>
+                  <a:fillRect b="-4839"/>
                 </a:stretch>
               </a:blipFill>
+              <a:ln w="12700">
+                <a:solidFill>
+                  <a:schemeClr val="tx1"/>
+                </a:solidFill>
+              </a:ln>
+            </p:spPr>
+            <p:txBody>
+              <a:bodyPr/>
+              <a:lstStyle/>
+              <a:p>
+                <a:r>
+                  <a:rPr lang="ru-RU">
+                    <a:noFill/>
+                  </a:rPr>
+                  <a:t> </a:t>
+                </a:r>
+              </a:p>
+            </p:txBody>
+          </p:sp>
+        </mc:Fallback>
+      </mc:AlternateContent>
+      <mc:AlternateContent xmlns:mc="http://schemas.openxmlformats.org/markup-compatibility/2006" xmlns:a14="http://schemas.microsoft.com/office/drawing/2010/main">
+        <mc:Choice Requires="a14">
+          <p:sp>
+            <p:nvSpPr>
+              <p:cNvPr id="7" name="TextBox 6">
+                <a:extLst>
+                  <a:ext uri="{FF2B5EF4-FFF2-40B4-BE49-F238E27FC236}">
+                    <a16:creationId xmlns:a16="http://schemas.microsoft.com/office/drawing/2014/main" id="{A271EE3B-90AE-4DB2-8261-4BEDBB29BD3E}"/>
+                  </a:ext>
+                </a:extLst>
+              </p:cNvPr>
+              <p:cNvSpPr txBox="1"/>
+              <p:nvPr/>
+            </p:nvSpPr>
+            <p:spPr>
+              <a:xfrm>
+                <a:off x="8448432" y="1900778"/>
+                <a:ext cx="1695938" cy="404983"/>
+              </a:xfrm>
+              <a:prstGeom prst="rect">
+                <a:avLst/>
+              </a:prstGeom>
+              <a:noFill/>
+              <a:ln w="12700">
+                <a:solidFill>
+                  <a:schemeClr val="tx1"/>
+                </a:solidFill>
+              </a:ln>
+            </p:spPr>
+            <p:txBody>
+              <a:bodyPr wrap="square">
+                <a:spAutoFit/>
+              </a:bodyPr>
+              <a:lstStyle/>
+              <a:p>
+                <a14:m>
+                  <m:oMath xmlns:m="http://schemas.openxmlformats.org/officeDocument/2006/math">
+                    <m:r>
+                      <a:rPr lang="ru-RU" i="1" smtClean="0">
+                        <a:latin typeface="Cambria Math" panose="02040503050406030204" pitchFamily="18" charset="0"/>
+                      </a:rPr>
+                      <m:t>𝑂</m:t>
+                    </m:r>
+                    <m:d>
+                      <m:dPr>
+                        <m:ctrlPr>
+                          <a:rPr lang="ru-RU" i="1">
+                            <a:solidFill>
+                              <a:srgbClr val="836967"/>
+                            </a:solidFill>
+                            <a:latin typeface="Cambria Math" panose="02040503050406030204" pitchFamily="18" charset="0"/>
+                          </a:rPr>
+                        </m:ctrlPr>
+                      </m:dPr>
+                      <m:e>
+                        <m:sSup>
+                          <m:sSupPr>
+                            <m:ctrlPr>
+                              <a:rPr lang="ru-RU" i="1">
+                                <a:solidFill>
+                                  <a:srgbClr val="836967"/>
+                                </a:solidFill>
+                                <a:latin typeface="Cambria Math" panose="02040503050406030204" pitchFamily="18" charset="0"/>
+                              </a:rPr>
+                            </m:ctrlPr>
+                          </m:sSupPr>
+                          <m:e>
+                            <m:r>
+                              <a:rPr lang="ru-RU" i="1">
+                                <a:latin typeface="Cambria Math" panose="02040503050406030204" pitchFamily="18" charset="0"/>
+                              </a:rPr>
+                              <m:t>𝑛</m:t>
+                            </m:r>
+                          </m:e>
+                          <m:sup>
+                            <m:r>
+                              <a:rPr lang="ru-RU" i="0">
+                                <a:latin typeface="Cambria Math" panose="02040503050406030204" pitchFamily="18" charset="0"/>
+                              </a:rPr>
+                              <m:t>2</m:t>
+                            </m:r>
+                          </m:sup>
+                        </m:sSup>
+                      </m:e>
+                    </m:d>
+                  </m:oMath>
+                </a14:m>
+                <a:r>
+                  <a:rPr lang="en-US" dirty="0"/>
+                  <a:t> =&gt; </a:t>
+                </a:r>
+                <a14:m>
+                  <m:oMath xmlns:m="http://schemas.openxmlformats.org/officeDocument/2006/math">
+                    <m:r>
+                      <a:rPr lang="ru-RU" i="1">
+                        <a:latin typeface="Cambria Math" panose="02040503050406030204" pitchFamily="18" charset="0"/>
+                      </a:rPr>
+                      <m:t>𝑂</m:t>
+                    </m:r>
+                    <m:d>
+                      <m:dPr>
+                        <m:ctrlPr>
+                          <a:rPr lang="ru-RU" i="1">
+                            <a:latin typeface="Cambria Math" panose="02040503050406030204" pitchFamily="18" charset="0"/>
+                          </a:rPr>
+                        </m:ctrlPr>
+                      </m:dPr>
+                      <m:e>
+                        <m:r>
+                          <a:rPr lang="en-US" i="1">
+                            <a:latin typeface="Cambria Math" panose="02040503050406030204" pitchFamily="18" charset="0"/>
+                          </a:rPr>
+                          <m:t>𝑛</m:t>
+                        </m:r>
+                      </m:e>
+                    </m:d>
+                  </m:oMath>
+                </a14:m>
+                <a:endParaRPr lang="ru-RU" dirty="0"/>
+              </a:p>
+            </p:txBody>
+          </p:sp>
+        </mc:Choice>
+        <mc:Fallback xmlns="">
+          <p:sp>
+            <p:nvSpPr>
+              <p:cNvPr id="7" name="TextBox 6">
+                <a:extLst>
+                  <a:ext uri="{FF2B5EF4-FFF2-40B4-BE49-F238E27FC236}">
+                    <a16:creationId xmlns:a16="http://schemas.microsoft.com/office/drawing/2014/main" id="{A271EE3B-90AE-4DB2-8261-4BEDBB29BD3E}"/>
+                  </a:ext>
+                </a:extLst>
+              </p:cNvPr>
+              <p:cNvSpPr txBox="1">
+                <a:spLocks noRot="1" noChangeAspect="1" noMove="1" noResize="1" noEditPoints="1" noAdjustHandles="1" noChangeArrowheads="1" noChangeShapeType="1" noTextEdit="1"/>
+              </p:cNvSpPr>
+              <p:nvPr/>
+            </p:nvSpPr>
+            <p:spPr>
+              <a:xfrm>
+                <a:off x="8448432" y="1900778"/>
+                <a:ext cx="1695938" cy="404983"/>
+              </a:xfrm>
+              <a:prstGeom prst="rect">
+                <a:avLst/>
+              </a:prstGeom>
+              <a:blipFill>
+                <a:blip r:embed="rId5"/>
+                <a:stretch>
+                  <a:fillRect t="-1471" b="-19118"/>
+                </a:stretch>
+              </a:blipFill>
+              <a:ln w="12700">
+                <a:solidFill>
+                  <a:schemeClr val="tx1"/>
+                </a:solidFill>
+              </a:ln>
             </p:spPr>
             <p:txBody>
               <a:bodyPr/>
@@ -20007,8 +21363,8 @@
           </a:graphicData>
         </a:graphic>
       </p:graphicFrame>
-      <mc:AlternateContent xmlns:mc="http://schemas.openxmlformats.org/markup-compatibility/2006">
-        <mc:Choice xmlns:a14="http://schemas.microsoft.com/office/drawing/2010/main" Requires="a14">
+      <mc:AlternateContent xmlns:mc="http://schemas.openxmlformats.org/markup-compatibility/2006" xmlns:a14="http://schemas.microsoft.com/office/drawing/2010/main">
+        <mc:Choice Requires="a14">
           <p:sp>
             <p:nvSpPr>
               <p:cNvPr id="6" name="TextBox 5">
@@ -20030,6 +21386,11 @@
                 <a:avLst/>
               </a:prstGeom>
               <a:noFill/>
+              <a:ln w="12700">
+                <a:solidFill>
+                  <a:schemeClr val="tx1"/>
+                </a:solidFill>
+              </a:ln>
             </p:spPr>
             <p:txBody>
               <a:bodyPr wrap="square">
@@ -20254,7 +21615,7 @@
             </p:txBody>
           </p:sp>
         </mc:Choice>
-        <mc:Fallback>
+        <mc:Fallback xmlns="">
           <p:sp>
             <p:nvSpPr>
               <p:cNvPr id="6" name="TextBox 5">
@@ -20280,9 +21641,226 @@
               <a:blipFill>
                 <a:blip r:embed="rId4"/>
                 <a:stretch>
-                  <a:fillRect t="-1515" b="-21212"/>
+                  <a:fillRect b="-19118"/>
                 </a:stretch>
               </a:blipFill>
+              <a:ln w="12700">
+                <a:solidFill>
+                  <a:schemeClr val="tx1"/>
+                </a:solidFill>
+              </a:ln>
+            </p:spPr>
+            <p:txBody>
+              <a:bodyPr/>
+              <a:lstStyle/>
+              <a:p>
+                <a:r>
+                  <a:rPr lang="ru-RU">
+                    <a:noFill/>
+                  </a:rPr>
+                  <a:t> </a:t>
+                </a:r>
+              </a:p>
+            </p:txBody>
+          </p:sp>
+        </mc:Fallback>
+      </mc:AlternateContent>
+      <mc:AlternateContent xmlns:mc="http://schemas.openxmlformats.org/markup-compatibility/2006" xmlns:a14="http://schemas.microsoft.com/office/drawing/2010/main">
+        <mc:Choice Requires="a14">
+          <p:sp>
+            <p:nvSpPr>
+              <p:cNvPr id="7" name="TextBox 6">
+                <a:extLst>
+                  <a:ext uri="{FF2B5EF4-FFF2-40B4-BE49-F238E27FC236}">
+                    <a16:creationId xmlns:a16="http://schemas.microsoft.com/office/drawing/2014/main" id="{8FA6E195-0182-481C-8DB7-E643A88D8F82}"/>
+                  </a:ext>
+                </a:extLst>
+              </p:cNvPr>
+              <p:cNvSpPr txBox="1"/>
+              <p:nvPr/>
+            </p:nvSpPr>
+            <p:spPr>
+              <a:xfrm>
+                <a:off x="9058030" y="1873850"/>
+                <a:ext cx="2097650" cy="408702"/>
+              </a:xfrm>
+              <a:prstGeom prst="rect">
+                <a:avLst/>
+              </a:prstGeom>
+              <a:noFill/>
+              <a:ln w="12700">
+                <a:solidFill>
+                  <a:schemeClr val="tx1"/>
+                </a:solidFill>
+              </a:ln>
+            </p:spPr>
+            <p:txBody>
+              <a:bodyPr wrap="square">
+                <a:spAutoFit/>
+              </a:bodyPr>
+              <a:lstStyle/>
+              <a:p>
+                <a14:m>
+                  <m:oMath xmlns:m="http://schemas.openxmlformats.org/officeDocument/2006/math">
+                    <m:r>
+                      <a:rPr lang="ru-RU" i="1" smtClean="0">
+                        <a:latin typeface="Cambria Math" panose="02040503050406030204" pitchFamily="18" charset="0"/>
+                      </a:rPr>
+                      <m:t>𝑂</m:t>
+                    </m:r>
+                    <m:d>
+                      <m:dPr>
+                        <m:ctrlPr>
+                          <a:rPr lang="ru-RU" i="1">
+                            <a:solidFill>
+                              <a:srgbClr val="836967"/>
+                            </a:solidFill>
+                            <a:latin typeface="Cambria Math" panose="02040503050406030204" pitchFamily="18" charset="0"/>
+                          </a:rPr>
+                        </m:ctrlPr>
+                      </m:dPr>
+                      <m:e>
+                        <m:sSup>
+                          <m:sSupPr>
+                            <m:ctrlPr>
+                              <a:rPr lang="ru-RU" i="1">
+                                <a:solidFill>
+                                  <a:srgbClr val="836967"/>
+                                </a:solidFill>
+                                <a:latin typeface="Cambria Math" panose="02040503050406030204" pitchFamily="18" charset="0"/>
+                              </a:rPr>
+                            </m:ctrlPr>
+                          </m:sSupPr>
+                          <m:e>
+                            <m:r>
+                              <a:rPr lang="ru-RU" i="1">
+                                <a:latin typeface="Cambria Math" panose="02040503050406030204" pitchFamily="18" charset="0"/>
+                              </a:rPr>
+                              <m:t>𝑛</m:t>
+                            </m:r>
+                          </m:e>
+                          <m:sup>
+                            <m:f>
+                              <m:fPr>
+                                <m:type m:val="lin"/>
+                                <m:ctrlPr>
+                                  <a:rPr lang="ru-RU" i="1">
+                                    <a:latin typeface="Cambria Math" panose="02040503050406030204" pitchFamily="18" charset="0"/>
+                                  </a:rPr>
+                                </m:ctrlPr>
+                              </m:fPr>
+                              <m:num>
+                                <m:r>
+                                  <a:rPr lang="ru-RU" i="0">
+                                    <a:latin typeface="Cambria Math" panose="02040503050406030204" pitchFamily="18" charset="0"/>
+                                  </a:rPr>
+                                  <m:t>1</m:t>
+                                </m:r>
+                              </m:num>
+                              <m:den>
+                                <m:r>
+                                  <a:rPr lang="ru-RU" i="0">
+                                    <a:latin typeface="Cambria Math" panose="02040503050406030204" pitchFamily="18" charset="0"/>
+                                  </a:rPr>
+                                  <m:t>2</m:t>
+                                </m:r>
+                              </m:den>
+                            </m:f>
+                          </m:sup>
+                        </m:sSup>
+                      </m:e>
+                    </m:d>
+                  </m:oMath>
+                </a14:m>
+                <a:r>
+                  <a:rPr lang="en-US" dirty="0"/>
+                  <a:t> =&gt; </a:t>
+                </a:r>
+                <a14:m>
+                  <m:oMath xmlns:m="http://schemas.openxmlformats.org/officeDocument/2006/math">
+                    <m:r>
+                      <a:rPr lang="ru-RU" i="1">
+                        <a:latin typeface="Cambria Math" panose="02040503050406030204" pitchFamily="18" charset="0"/>
+                      </a:rPr>
+                      <m:t>𝑂</m:t>
+                    </m:r>
+                    <m:d>
+                      <m:dPr>
+                        <m:ctrlPr>
+                          <a:rPr lang="ru-RU" i="1">
+                            <a:latin typeface="Cambria Math" panose="02040503050406030204" pitchFamily="18" charset="0"/>
+                          </a:rPr>
+                        </m:ctrlPr>
+                      </m:dPr>
+                      <m:e>
+                        <m:sSup>
+                          <m:sSupPr>
+                            <m:ctrlPr>
+                              <a:rPr lang="ru-RU" i="1">
+                                <a:latin typeface="Cambria Math" panose="02040503050406030204" pitchFamily="18" charset="0"/>
+                              </a:rPr>
+                            </m:ctrlPr>
+                          </m:sSupPr>
+                          <m:e>
+                            <m:r>
+                              <a:rPr lang="ru-RU" i="1">
+                                <a:latin typeface="Cambria Math" panose="02040503050406030204" pitchFamily="18" charset="0"/>
+                              </a:rPr>
+                              <m:t>𝑛</m:t>
+                            </m:r>
+                          </m:e>
+                          <m:sup>
+                            <m:r>
+                              <a:rPr lang="ru-RU" i="1">
+                                <a:latin typeface="Cambria Math" panose="02040503050406030204" pitchFamily="18" charset="0"/>
+                              </a:rPr>
+                              <m:t>1/3</m:t>
+                            </m:r>
+                          </m:sup>
+                        </m:sSup>
+                      </m:e>
+                    </m:d>
+                  </m:oMath>
+                </a14:m>
+                <a:endParaRPr lang="ru-RU" dirty="0"/>
+              </a:p>
+            </p:txBody>
+          </p:sp>
+        </mc:Choice>
+        <mc:Fallback xmlns="">
+          <p:sp>
+            <p:nvSpPr>
+              <p:cNvPr id="7" name="TextBox 6">
+                <a:extLst>
+                  <a:ext uri="{FF2B5EF4-FFF2-40B4-BE49-F238E27FC236}">
+                    <a16:creationId xmlns:a16="http://schemas.microsoft.com/office/drawing/2014/main" id="{8FA6E195-0182-481C-8DB7-E643A88D8F82}"/>
+                  </a:ext>
+                </a:extLst>
+              </p:cNvPr>
+              <p:cNvSpPr txBox="1">
+                <a:spLocks noRot="1" noChangeAspect="1" noMove="1" noResize="1" noEditPoints="1" noAdjustHandles="1" noChangeArrowheads="1" noChangeShapeType="1" noTextEdit="1"/>
+              </p:cNvSpPr>
+              <p:nvPr/>
+            </p:nvSpPr>
+            <p:spPr>
+              <a:xfrm>
+                <a:off x="9058030" y="1873850"/>
+                <a:ext cx="2097650" cy="408702"/>
+              </a:xfrm>
+              <a:prstGeom prst="rect">
+                <a:avLst/>
+              </a:prstGeom>
+              <a:blipFill>
+                <a:blip r:embed="rId5"/>
+                <a:stretch>
+                  <a:fillRect t="-71014" b="-84058"/>
+                </a:stretch>
+              </a:blipFill>
+              <a:ln w="12700">
+                <a:solidFill>
+                  <a:schemeClr val="tx1"/>
+                </a:solidFill>
+              </a:ln>
             </p:spPr>
             <p:txBody>
               <a:bodyPr/>
